--- a/宣道詩/(宣道詩57)充滿我.pptx
+++ b/宣道詩/(宣道詩57)充滿我.pptx
@@ -5,10 +5,23 @@
     <p:sldMasterId id="2147483672" r:id="rId1"/>
   </p:sldMasterIdLst>
   <p:sldIdLst>
-    <p:sldId id="256" r:id="rId2"/>
-    <p:sldId id="257" r:id="rId3"/>
-    <p:sldId id="258" r:id="rId4"/>
-    <p:sldId id="259" r:id="rId5"/>
+    <p:sldId id="260" r:id="rId2"/>
+    <p:sldId id="261" r:id="rId3"/>
+    <p:sldId id="262" r:id="rId4"/>
+    <p:sldId id="263" r:id="rId5"/>
+    <p:sldId id="264" r:id="rId6"/>
+    <p:sldId id="265" r:id="rId7"/>
+    <p:sldId id="266" r:id="rId8"/>
+    <p:sldId id="267" r:id="rId9"/>
+    <p:sldId id="268" r:id="rId10"/>
+    <p:sldId id="269" r:id="rId11"/>
+    <p:sldId id="270" r:id="rId12"/>
+    <p:sldId id="271" r:id="rId13"/>
+    <p:sldId id="272" r:id="rId14"/>
+    <p:sldId id="273" r:id="rId15"/>
+    <p:sldId id="274" r:id="rId16"/>
+    <p:sldId id="275" r:id="rId17"/>
+    <p:sldId id="276" r:id="rId18"/>
   </p:sldIdLst>
   <p:sldSz cx="9144000" cy="5143500" type="screen16x9"/>
   <p:notesSz cx="6858000" cy="9144000"/>
@@ -107,6 +120,22 @@
       </a:defRPr>
     </a:lvl9pPr>
   </p:defaultTextStyle>
+  <p:extLst>
+    <p:ext uri="{EFAFB233-063F-42B5-8137-9DF3F51BA10A}">
+      <p15:sldGuideLst xmlns:p15="http://schemas.microsoft.com/office/powerpoint/2012/main">
+        <p15:guide id="1" orient="horz" pos="1620">
+          <p15:clr>
+            <a:srgbClr val="A4A3A4"/>
+          </p15:clr>
+        </p15:guide>
+        <p15:guide id="2" pos="2880">
+          <p15:clr>
+            <a:srgbClr val="A4A3A4"/>
+          </p15:clr>
+        </p15:guide>
+      </p15:sldGuideLst>
+    </p:ext>
+  </p:extLst>
 </p:presentation>
 </file>
 
@@ -292,7 +321,7 @@
             <a:fld id="{EF1BE2FD-7A5C-4745-A07B-B479A33393BD}" type="datetimeFigureOut">
               <a:rPr lang="zh-TW" altLang="en-US" smtClean="0"/>
               <a:pPr/>
-              <a:t>2019/7/6</a:t>
+              <a:t>2022/2/2</a:t>
             </a:fld>
             <a:endParaRPr lang="zh-TW" altLang="en-US"/>
           </a:p>
@@ -459,7 +488,7 @@
             <a:fld id="{EF1BE2FD-7A5C-4745-A07B-B479A33393BD}" type="datetimeFigureOut">
               <a:rPr lang="zh-TW" altLang="en-US" smtClean="0"/>
               <a:pPr/>
-              <a:t>2019/7/6</a:t>
+              <a:t>2022/2/2</a:t>
             </a:fld>
             <a:endParaRPr lang="zh-TW" altLang="en-US"/>
           </a:p>
@@ -636,7 +665,7 @@
             <a:fld id="{EF1BE2FD-7A5C-4745-A07B-B479A33393BD}" type="datetimeFigureOut">
               <a:rPr lang="zh-TW" altLang="en-US" smtClean="0"/>
               <a:pPr/>
-              <a:t>2019/7/6</a:t>
+              <a:t>2022/2/2</a:t>
             </a:fld>
             <a:endParaRPr lang="zh-TW" altLang="en-US"/>
           </a:p>
@@ -803,7 +832,7 @@
             <a:fld id="{EF1BE2FD-7A5C-4745-A07B-B479A33393BD}" type="datetimeFigureOut">
               <a:rPr lang="zh-TW" altLang="en-US" smtClean="0"/>
               <a:pPr/>
-              <a:t>2019/7/6</a:t>
+              <a:t>2022/2/2</a:t>
             </a:fld>
             <a:endParaRPr lang="zh-TW" altLang="en-US"/>
           </a:p>
@@ -1046,7 +1075,7 @@
             <a:fld id="{EF1BE2FD-7A5C-4745-A07B-B479A33393BD}" type="datetimeFigureOut">
               <a:rPr lang="zh-TW" altLang="en-US" smtClean="0"/>
               <a:pPr/>
-              <a:t>2019/7/6</a:t>
+              <a:t>2022/2/2</a:t>
             </a:fld>
             <a:endParaRPr lang="zh-TW" altLang="en-US"/>
           </a:p>
@@ -1331,7 +1360,7 @@
             <a:fld id="{EF1BE2FD-7A5C-4745-A07B-B479A33393BD}" type="datetimeFigureOut">
               <a:rPr lang="zh-TW" altLang="en-US" smtClean="0"/>
               <a:pPr/>
-              <a:t>2019/7/6</a:t>
+              <a:t>2022/2/2</a:t>
             </a:fld>
             <a:endParaRPr lang="zh-TW" altLang="en-US"/>
           </a:p>
@@ -1750,7 +1779,7 @@
             <a:fld id="{EF1BE2FD-7A5C-4745-A07B-B479A33393BD}" type="datetimeFigureOut">
               <a:rPr lang="zh-TW" altLang="en-US" smtClean="0"/>
               <a:pPr/>
-              <a:t>2019/7/6</a:t>
+              <a:t>2022/2/2</a:t>
             </a:fld>
             <a:endParaRPr lang="zh-TW" altLang="en-US"/>
           </a:p>
@@ -1865,7 +1894,7 @@
             <a:fld id="{EF1BE2FD-7A5C-4745-A07B-B479A33393BD}" type="datetimeFigureOut">
               <a:rPr lang="zh-TW" altLang="en-US" smtClean="0"/>
               <a:pPr/>
-              <a:t>2019/7/6</a:t>
+              <a:t>2022/2/2</a:t>
             </a:fld>
             <a:endParaRPr lang="zh-TW" altLang="en-US"/>
           </a:p>
@@ -1957,7 +1986,7 @@
             <a:fld id="{EF1BE2FD-7A5C-4745-A07B-B479A33393BD}" type="datetimeFigureOut">
               <a:rPr lang="zh-TW" altLang="en-US" smtClean="0"/>
               <a:pPr/>
-              <a:t>2019/7/6</a:t>
+              <a:t>2022/2/2</a:t>
             </a:fld>
             <a:endParaRPr lang="zh-TW" altLang="en-US"/>
           </a:p>
@@ -2231,7 +2260,7 @@
             <a:fld id="{EF1BE2FD-7A5C-4745-A07B-B479A33393BD}" type="datetimeFigureOut">
               <a:rPr lang="zh-TW" altLang="en-US" smtClean="0"/>
               <a:pPr/>
-              <a:t>2019/7/6</a:t>
+              <a:t>2022/2/2</a:t>
             </a:fld>
             <a:endParaRPr lang="zh-TW" altLang="en-US"/>
           </a:p>
@@ -2485,7 +2514,7 @@
             <a:fld id="{EF1BE2FD-7A5C-4745-A07B-B479A33393BD}" type="datetimeFigureOut">
               <a:rPr lang="zh-TW" altLang="en-US" smtClean="0"/>
               <a:pPr/>
-              <a:t>2019/7/6</a:t>
+              <a:t>2022/2/2</a:t>
             </a:fld>
             <a:endParaRPr lang="zh-TW" altLang="en-US"/>
           </a:p>
@@ -2700,7 +2729,7 @@
             <a:fld id="{EF1BE2FD-7A5C-4745-A07B-B479A33393BD}" type="datetimeFigureOut">
               <a:rPr lang="zh-TW" altLang="en-US" smtClean="0"/>
               <a:pPr/>
-              <a:t>2019/7/6</a:t>
+              <a:t>2022/2/2</a:t>
             </a:fld>
             <a:endParaRPr lang="zh-TW" altLang="en-US"/>
           </a:p>
@@ -3073,301 +3102,140 @@
       </p:grpSpPr>
       <p:sp>
         <p:nvSpPr>
-          <p:cNvPr id="2" name="Title 1">
-            <a:extLst>
-              <a:ext uri="{FF2B5EF4-FFF2-40B4-BE49-F238E27FC236}">
-                <a16:creationId xmlns="" xmlns:a16="http://schemas.microsoft.com/office/drawing/2014/main" id="{087CBC1E-F37A-4D1B-B473-0BF3635162D9}"/>
-              </a:ext>
-            </a:extLst>
-          </p:cNvPr>
+          <p:cNvPr id="4" name="標題 3"/>
           <p:cNvSpPr>
             <a:spLocks noGrp="1"/>
           </p:cNvSpPr>
           <p:nvPr>
             <p:ph type="title"/>
-          </p:nvPr>
-        </p:nvSpPr>
-        <p:spPr/>
-        <p:txBody>
-          <a:bodyPr>
-            <a:normAutofit/>
-          </a:bodyPr>
-          <a:lstStyle/>
-          <a:p>
-            <a:pPr algn="ctr"/>
-            <a:r>
-              <a:rPr lang="zh-CN" altLang="en-US" sz="4000" b="1" dirty="0">
-                <a:solidFill>
-                  <a:srgbClr val="660033"/>
-                </a:solidFill>
-                <a:latin typeface="Microsoft JhengHei" panose="020B0604030504040204" pitchFamily="34" charset="-120"/>
-                <a:ea typeface="Microsoft JhengHei" panose="020B0604030504040204" pitchFamily="34" charset="-120"/>
-              </a:rPr>
-              <a:t>充滿我</a:t>
-            </a:r>
-            <a:endParaRPr lang="en-US" sz="4000" b="1" dirty="0">
-              <a:solidFill>
-                <a:srgbClr val="660033"/>
-              </a:solidFill>
-              <a:latin typeface="Microsoft JhengHei" panose="020B0604030504040204" pitchFamily="34" charset="-120"/>
-              <a:ea typeface="Microsoft JhengHei" panose="020B0604030504040204" pitchFamily="34" charset="-120"/>
-            </a:endParaRPr>
-          </a:p>
-        </p:txBody>
-      </p:sp>
-      <p:sp>
-        <p:nvSpPr>
-          <p:cNvPr id="3" name="Content Placeholder 2">
-            <a:extLst>
-              <a:ext uri="{FF2B5EF4-FFF2-40B4-BE49-F238E27FC236}">
-                <a16:creationId xmlns="" xmlns:a16="http://schemas.microsoft.com/office/drawing/2014/main" id="{5D99624C-92D2-4704-98F5-EA3D1B79589B}"/>
-              </a:ext>
-            </a:extLst>
-          </p:cNvPr>
-          <p:cNvSpPr>
-            <a:spLocks noGrp="1"/>
-          </p:cNvSpPr>
-          <p:nvPr>
-            <p:ph idx="1"/>
           </p:nvPr>
         </p:nvSpPr>
         <p:spPr>
           <a:xfrm>
-            <a:off x="0" y="1200151"/>
-            <a:ext cx="9144000" cy="3394472"/>
+            <a:off x="0" y="1995686"/>
+            <a:ext cx="9144000" cy="857250"/>
           </a:xfrm>
         </p:spPr>
         <p:txBody>
           <a:bodyPr>
-            <a:normAutofit/>
+            <a:noAutofit/>
           </a:bodyPr>
           <a:lstStyle/>
           <a:p>
-            <a:pPr marL="0" indent="0" algn="ctr">
-              <a:buNone/>
-            </a:pPr>
-            <a:r>
-              <a:rPr lang="zh-CN" altLang="en-US" sz="4400" b="1" dirty="0">
+            <a:r>
+              <a:rPr lang="zh-CN" altLang="en-US" sz="4000" b="1" u="sng" dirty="0" smtClean="0">
                 <a:solidFill>
                   <a:srgbClr val="660033"/>
                 </a:solidFill>
-                <a:latin typeface="Microsoft JhengHei" panose="020B0604030504040204" pitchFamily="34" charset="-120"/>
-                <a:ea typeface="Microsoft JhengHei" panose="020B0604030504040204" pitchFamily="34" charset="-120"/>
-              </a:rPr>
-              <a:t>真理聖靈在我心</a:t>
-            </a:r>
-            <a:r>
-              <a:rPr lang="zh-CN" altLang="en-US" sz="4400" b="1" dirty="0" smtClean="0">
+                <a:effectLst>
+                  <a:outerShdw blurRad="38100" dist="38100" dir="2700000" algn="tl">
+                    <a:srgbClr val="000000">
+                      <a:alpha val="43137"/>
+                    </a:srgbClr>
+                  </a:outerShdw>
+                </a:effectLst>
+                <a:latin typeface="微軟正黑體" pitchFamily="34" charset="-120"/>
+                <a:ea typeface="微軟正黑體" pitchFamily="34" charset="-120"/>
+              </a:rPr>
+              <a:t>宣道詩 </a:t>
+            </a:r>
+            <a:r>
+              <a:rPr lang="en-US" altLang="zh-CN" sz="4000" b="1" u="sng" dirty="0" smtClean="0">
                 <a:solidFill>
                   <a:srgbClr val="660033"/>
                 </a:solidFill>
-                <a:latin typeface="Microsoft JhengHei" panose="020B0604030504040204" pitchFamily="34" charset="-120"/>
-                <a:ea typeface="Microsoft JhengHei" panose="020B0604030504040204" pitchFamily="34" charset="-120"/>
-              </a:rPr>
-              <a:t>中</a:t>
-            </a:r>
-            <a:r>
-              <a:rPr lang="en-US" altLang="zh-CN" sz="4400" b="1" dirty="0">
+                <a:effectLst>
+                  <a:outerShdw blurRad="38100" dist="38100" dir="2700000" algn="tl">
+                    <a:srgbClr val="000000">
+                      <a:alpha val="43137"/>
+                    </a:srgbClr>
+                  </a:outerShdw>
+                </a:effectLst>
+                <a:latin typeface="微軟正黑體" pitchFamily="34" charset="-120"/>
+                <a:ea typeface="微軟正黑體" pitchFamily="34" charset="-120"/>
+              </a:rPr>
+              <a:t>57</a:t>
+            </a:r>
+            <a:r>
+              <a:rPr lang="en-US" altLang="zh-CN" sz="5400" b="1" i="1" dirty="0" smtClean="0">
                 <a:solidFill>
                   <a:srgbClr val="660033"/>
                 </a:solidFill>
-                <a:latin typeface="Microsoft JhengHei" panose="020B0604030504040204" pitchFamily="34" charset="-120"/>
-                <a:ea typeface="Microsoft JhengHei" panose="020B0604030504040204" pitchFamily="34" charset="-120"/>
-              </a:rPr>
-              <a:t> </a:t>
-            </a:r>
-            <a:r>
-              <a:rPr lang="en-US" altLang="zh-CN" sz="4400" b="1" dirty="0" smtClean="0">
+                <a:effectLst>
+                  <a:outerShdw blurRad="38100" dist="38100" dir="2700000" algn="tl">
+                    <a:srgbClr val="000000">
+                      <a:alpha val="43137"/>
+                    </a:srgbClr>
+                  </a:outerShdw>
+                </a:effectLst>
+                <a:latin typeface="微軟正黑體" pitchFamily="34" charset="-120"/>
+                <a:ea typeface="微軟正黑體" pitchFamily="34" charset="-120"/>
+              </a:rPr>
+              <a:t/>
+            </a:r>
+            <a:br>
+              <a:rPr lang="en-US" altLang="zh-CN" sz="5400" b="1" i="1" dirty="0" smtClean="0">
                 <a:solidFill>
                   <a:srgbClr val="660033"/>
                 </a:solidFill>
-                <a:latin typeface="Microsoft JhengHei" panose="020B0604030504040204" pitchFamily="34" charset="-120"/>
-                <a:ea typeface="Microsoft JhengHei" panose="020B0604030504040204" pitchFamily="34" charset="-120"/>
-              </a:rPr>
-              <a:t> </a:t>
-            </a:r>
-            <a:r>
-              <a:rPr lang="zh-CN" altLang="en-US" sz="4400" b="1" dirty="0" smtClean="0">
-                <a:solidFill>
-                  <a:srgbClr val="660033"/>
-                </a:solidFill>
-                <a:latin typeface="Microsoft JhengHei" panose="020B0604030504040204" pitchFamily="34" charset="-120"/>
-                <a:ea typeface="Microsoft JhengHei" panose="020B0604030504040204" pitchFamily="34" charset="-120"/>
-              </a:rPr>
-              <a:t>自由運行作善工</a:t>
-            </a:r>
-            <a:endParaRPr lang="en-US" altLang="zh-CN" sz="4400" b="1" dirty="0" smtClean="0">
+                <a:effectLst>
+                  <a:outerShdw blurRad="38100" dist="38100" dir="2700000" algn="tl">
+                    <a:srgbClr val="000000">
+                      <a:alpha val="43137"/>
+                    </a:srgbClr>
+                  </a:outerShdw>
+                </a:effectLst>
+                <a:latin typeface="微軟正黑體" pitchFamily="34" charset="-120"/>
+                <a:ea typeface="微軟正黑體" pitchFamily="34" charset="-120"/>
+              </a:rPr>
+            </a:br>
+            <a:r>
+              <a:rPr lang="zh-CN" altLang="en-US" sz="6000" b="1" dirty="0" smtClean="0">
+                <a:solidFill>
+                  <a:srgbClr val="000066"/>
+                </a:solidFill>
+                <a:effectLst>
+                  <a:outerShdw blurRad="38100" dist="38100" dir="2700000" algn="tl">
+                    <a:srgbClr val="000000">
+                      <a:alpha val="43137"/>
+                    </a:srgbClr>
+                  </a:outerShdw>
+                </a:effectLst>
+                <a:latin typeface="微軟正黑體" pitchFamily="34" charset="-120"/>
+                <a:ea typeface="微軟正黑體" pitchFamily="34" charset="-120"/>
+              </a:rPr>
+              <a:t>充</a:t>
+            </a:r>
+            <a:r>
+              <a:rPr lang="zh-CN" altLang="en-US" sz="6000" b="1" dirty="0">
+                <a:solidFill>
+                  <a:srgbClr val="000066"/>
+                </a:solidFill>
+                <a:effectLst>
+                  <a:outerShdw blurRad="38100" dist="38100" dir="2700000" algn="tl">
+                    <a:srgbClr val="000000">
+                      <a:alpha val="43137"/>
+                    </a:srgbClr>
+                  </a:outerShdw>
+                </a:effectLst>
+                <a:latin typeface="微軟正黑體" pitchFamily="34" charset="-120"/>
+                <a:ea typeface="微軟正黑體" pitchFamily="34" charset="-120"/>
+              </a:rPr>
+              <a:t>滿我</a:t>
+            </a:r>
+            <a:endParaRPr lang="zh-TW" altLang="en-US" sz="6000" b="1" dirty="0">
               <a:solidFill>
-                <a:srgbClr val="660033"/>
+                <a:srgbClr val="000066"/>
               </a:solidFill>
-              <a:latin typeface="Microsoft JhengHei" panose="020B0604030504040204" pitchFamily="34" charset="-120"/>
-              <a:ea typeface="Microsoft JhengHei" panose="020B0604030504040204" pitchFamily="34" charset="-120"/>
-            </a:endParaRPr>
-          </a:p>
-          <a:p>
-            <a:pPr marL="0" indent="0" algn="ctr">
-              <a:buNone/>
-            </a:pPr>
-            <a:r>
-              <a:rPr lang="zh-CN" altLang="en-US" sz="4400" b="1" dirty="0" smtClean="0">
-                <a:solidFill>
-                  <a:srgbClr val="660033"/>
-                </a:solidFill>
-                <a:latin typeface="Microsoft JhengHei" panose="020B0604030504040204" pitchFamily="34" charset="-120"/>
-                <a:ea typeface="Microsoft JhengHei" panose="020B0604030504040204" pitchFamily="34" charset="-120"/>
-              </a:rPr>
-              <a:t>發</a:t>
-            </a:r>
-            <a:r>
-              <a:rPr lang="zh-CN" altLang="en-US" sz="4400" b="1" dirty="0">
-                <a:solidFill>
-                  <a:srgbClr val="660033"/>
-                </a:solidFill>
-                <a:latin typeface="Microsoft JhengHei" panose="020B0604030504040204" pitchFamily="34" charset="-120"/>
-                <a:ea typeface="Microsoft JhengHei" panose="020B0604030504040204" pitchFamily="34" charset="-120"/>
-              </a:rPr>
-              <a:t>亮光照耀我心</a:t>
-            </a:r>
-            <a:r>
-              <a:rPr lang="zh-CN" altLang="en-US" sz="4400" b="1" dirty="0" smtClean="0">
-                <a:solidFill>
-                  <a:srgbClr val="660033"/>
-                </a:solidFill>
-                <a:latin typeface="Microsoft JhengHei" panose="020B0604030504040204" pitchFamily="34" charset="-120"/>
-                <a:ea typeface="Microsoft JhengHei" panose="020B0604030504040204" pitchFamily="34" charset="-120"/>
-              </a:rPr>
-              <a:t>裏</a:t>
-            </a:r>
-            <a:r>
-              <a:rPr lang="en-US" altLang="zh-CN" sz="4400" b="1" dirty="0">
-                <a:solidFill>
-                  <a:srgbClr val="660033"/>
-                </a:solidFill>
-                <a:latin typeface="Microsoft JhengHei" panose="020B0604030504040204" pitchFamily="34" charset="-120"/>
-                <a:ea typeface="Microsoft JhengHei" panose="020B0604030504040204" pitchFamily="34" charset="-120"/>
-              </a:rPr>
-              <a:t> </a:t>
-            </a:r>
-            <a:r>
-              <a:rPr lang="en-US" altLang="zh-CN" sz="4400" b="1" dirty="0" smtClean="0">
-                <a:solidFill>
-                  <a:srgbClr val="660033"/>
-                </a:solidFill>
-                <a:latin typeface="Microsoft JhengHei" panose="020B0604030504040204" pitchFamily="34" charset="-120"/>
-                <a:ea typeface="Microsoft JhengHei" panose="020B0604030504040204" pitchFamily="34" charset="-120"/>
-              </a:rPr>
-              <a:t> </a:t>
-            </a:r>
-            <a:r>
-              <a:rPr lang="zh-CN" altLang="en-US" sz="4400" b="1" dirty="0" smtClean="0">
-                <a:solidFill>
-                  <a:srgbClr val="660033"/>
-                </a:solidFill>
-                <a:latin typeface="Microsoft JhengHei" panose="020B0604030504040204" pitchFamily="34" charset="-120"/>
-                <a:ea typeface="Microsoft JhengHei" panose="020B0604030504040204" pitchFamily="34" charset="-120"/>
-              </a:rPr>
-              <a:t>教</a:t>
-            </a:r>
-            <a:r>
-              <a:rPr lang="zh-CN" altLang="en-US" sz="4400" b="1" dirty="0">
-                <a:solidFill>
-                  <a:srgbClr val="660033"/>
-                </a:solidFill>
-                <a:latin typeface="Microsoft JhengHei" panose="020B0604030504040204" pitchFamily="34" charset="-120"/>
-                <a:ea typeface="Microsoft JhengHei" panose="020B0604030504040204" pitchFamily="34" charset="-120"/>
-              </a:rPr>
-              <a:t>我識主並自</a:t>
-            </a:r>
-            <a:r>
-              <a:rPr lang="zh-CN" altLang="en-US" sz="4400" b="1" dirty="0" smtClean="0">
-                <a:solidFill>
-                  <a:srgbClr val="660033"/>
-                </a:solidFill>
-                <a:latin typeface="Microsoft JhengHei" panose="020B0604030504040204" pitchFamily="34" charset="-120"/>
-                <a:ea typeface="Microsoft JhengHei" panose="020B0604030504040204" pitchFamily="34" charset="-120"/>
-              </a:rPr>
-              <a:t>己</a:t>
-            </a:r>
-            <a:endParaRPr lang="en-US" altLang="zh-CN" sz="4400" b="1" dirty="0" smtClean="0">
-              <a:solidFill>
-                <a:srgbClr val="660033"/>
-              </a:solidFill>
-              <a:latin typeface="Microsoft JhengHei" panose="020B0604030504040204" pitchFamily="34" charset="-120"/>
-              <a:ea typeface="Microsoft JhengHei" panose="020B0604030504040204" pitchFamily="34" charset="-120"/>
-            </a:endParaRPr>
-          </a:p>
-          <a:p>
-            <a:pPr marL="0" indent="0" algn="ctr">
-              <a:buNone/>
-            </a:pPr>
-            <a:r>
-              <a:rPr lang="zh-CN" altLang="en-US" sz="4400" b="1" dirty="0">
-                <a:solidFill>
-                  <a:srgbClr val="660033"/>
-                </a:solidFill>
-                <a:latin typeface="Microsoft JhengHei" panose="020B0604030504040204" pitchFamily="34" charset="-120"/>
-                <a:ea typeface="Microsoft JhengHei" panose="020B0604030504040204" pitchFamily="34" charset="-120"/>
-              </a:rPr>
-              <a:t>充滿我充滿我</a:t>
-            </a:r>
-            <a:r>
-              <a:rPr lang="en-US" altLang="zh-CN" sz="4400" b="1" dirty="0">
-                <a:solidFill>
-                  <a:srgbClr val="660033"/>
-                </a:solidFill>
-                <a:latin typeface="Microsoft JhengHei" panose="020B0604030504040204" pitchFamily="34" charset="-120"/>
-                <a:ea typeface="Microsoft JhengHei" panose="020B0604030504040204" pitchFamily="34" charset="-120"/>
-              </a:rPr>
-              <a:t>  </a:t>
-            </a:r>
-            <a:r>
-              <a:rPr lang="zh-CN" altLang="en-US" sz="4400" b="1" dirty="0">
-                <a:solidFill>
-                  <a:srgbClr val="660033"/>
-                </a:solidFill>
-                <a:latin typeface="Microsoft JhengHei" panose="020B0604030504040204" pitchFamily="34" charset="-120"/>
-                <a:ea typeface="Microsoft JhengHei" panose="020B0604030504040204" pitchFamily="34" charset="-120"/>
-              </a:rPr>
-              <a:t>求耶穌來充滿我</a:t>
-            </a:r>
-            <a:endParaRPr lang="en-US" altLang="zh-CN" sz="4400" b="1" dirty="0">
-              <a:solidFill>
-                <a:srgbClr val="660033"/>
-              </a:solidFill>
-              <a:latin typeface="Microsoft JhengHei" panose="020B0604030504040204" pitchFamily="34" charset="-120"/>
-              <a:ea typeface="Microsoft JhengHei" panose="020B0604030504040204" pitchFamily="34" charset="-120"/>
-            </a:endParaRPr>
-          </a:p>
-          <a:p>
-            <a:pPr marL="0" indent="0" algn="ctr">
-              <a:buNone/>
-            </a:pPr>
-            <a:r>
-              <a:rPr lang="zh-CN" altLang="en-US" sz="4400" b="1" dirty="0">
-                <a:solidFill>
-                  <a:srgbClr val="660033"/>
-                </a:solidFill>
-                <a:latin typeface="Microsoft JhengHei" panose="020B0604030504040204" pitchFamily="34" charset="-120"/>
-                <a:ea typeface="Microsoft JhengHei" panose="020B0604030504040204" pitchFamily="34" charset="-120"/>
-              </a:rPr>
-              <a:t>榮耀聖靈來充滿我  願主現在充滿</a:t>
-            </a:r>
-            <a:r>
-              <a:rPr lang="zh-CN" altLang="en-US" sz="4400" b="1" dirty="0" smtClean="0">
-                <a:solidFill>
-                  <a:srgbClr val="660033"/>
-                </a:solidFill>
-                <a:latin typeface="Microsoft JhengHei" panose="020B0604030504040204" pitchFamily="34" charset="-120"/>
-                <a:ea typeface="Microsoft JhengHei" panose="020B0604030504040204" pitchFamily="34" charset="-120"/>
-              </a:rPr>
-              <a:t>我</a:t>
-            </a:r>
-            <a:endParaRPr lang="en-US" altLang="zh-CN" sz="4400" b="1" dirty="0">
-              <a:solidFill>
-                <a:srgbClr val="660033"/>
-              </a:solidFill>
-              <a:latin typeface="Microsoft JhengHei" panose="020B0604030504040204" pitchFamily="34" charset="-120"/>
-              <a:ea typeface="Microsoft JhengHei" panose="020B0604030504040204" pitchFamily="34" charset="-120"/>
+              <a:effectLst>
+                <a:outerShdw blurRad="38100" dist="38100" dir="2700000" algn="tl">
+                  <a:srgbClr val="000000">
+                    <a:alpha val="43137"/>
+                  </a:srgbClr>
+                </a:outerShdw>
+              </a:effectLst>
+              <a:latin typeface="微軟正黑體" pitchFamily="34" charset="-120"/>
+              <a:ea typeface="微軟正黑體" pitchFamily="34" charset="-120"/>
             </a:endParaRPr>
           </a:p>
         </p:txBody>
@@ -3375,13 +3243,1232 @@
     </p:spTree>
     <p:extLst>
       <p:ext uri="{BB962C8B-B14F-4D97-AF65-F5344CB8AC3E}">
-        <p14:creationId xmlns:p14="http://schemas.microsoft.com/office/powerpoint/2010/main" val="1111608370"/>
+        <p14:creationId xmlns:p14="http://schemas.microsoft.com/office/powerpoint/2010/main" val="1164062007"/>
       </p:ext>
     </p:extLst>
   </p:cSld>
   <p:clrMapOvr>
     <a:masterClrMapping/>
   </p:clrMapOvr>
+  <p:timing>
+    <p:tnLst>
+      <p:par>
+        <p:cTn id="1" dur="indefinite" restart="never" nodeType="tmRoot"/>
+      </p:par>
+    </p:tnLst>
+  </p:timing>
+</p:sld>
+</file>
+
+<file path=ppt/slides/slide10.xml><?xml version="1.0" encoding="utf-8"?>
+<p:sld xmlns:a="http://schemas.openxmlformats.org/drawingml/2006/main" xmlns:r="http://schemas.openxmlformats.org/officeDocument/2006/relationships" xmlns:p="http://schemas.openxmlformats.org/presentationml/2006/main">
+  <p:cSld>
+    <p:spTree>
+      <p:nvGrpSpPr>
+        <p:cNvPr id="1" name=""/>
+        <p:cNvGrpSpPr/>
+        <p:nvPr/>
+      </p:nvGrpSpPr>
+      <p:grpSpPr>
+        <a:xfrm>
+          <a:off x="0" y="0"/>
+          <a:ext cx="0" cy="0"/>
+          <a:chOff x="0" y="0"/>
+          <a:chExt cx="0" cy="0"/>
+        </a:xfrm>
+      </p:grpSpPr>
+      <p:sp>
+        <p:nvSpPr>
+          <p:cNvPr id="5" name="內容版面配置區 4"/>
+          <p:cNvSpPr>
+            <a:spLocks noGrp="1"/>
+          </p:cNvSpPr>
+          <p:nvPr>
+            <p:ph idx="1"/>
+          </p:nvPr>
+        </p:nvSpPr>
+        <p:spPr>
+          <a:xfrm>
+            <a:off x="0" y="1563638"/>
+            <a:ext cx="9144000" cy="1803647"/>
+          </a:xfrm>
+        </p:spPr>
+        <p:txBody>
+          <a:bodyPr anchor="ctr">
+            <a:normAutofit/>
+          </a:bodyPr>
+          <a:lstStyle/>
+          <a:p>
+            <a:pPr marL="0" indent="0" algn="ctr">
+              <a:buNone/>
+            </a:pPr>
+            <a:r>
+              <a:rPr lang="zh-CN" altLang="en-US" sz="4800" b="1" dirty="0">
+                <a:solidFill>
+                  <a:srgbClr val="000066"/>
+                </a:solidFill>
+                <a:latin typeface="Microsoft JhengHei" panose="020B0604030504040204" pitchFamily="34" charset="-120"/>
+                <a:ea typeface="Microsoft JhengHei" panose="020B0604030504040204" pitchFamily="34" charset="-120"/>
+              </a:rPr>
+              <a:t>有如渴鹿愛慕溪</a:t>
+            </a:r>
+            <a:r>
+              <a:rPr lang="zh-CN" altLang="en-US" sz="4800" b="1" dirty="0">
+                <a:solidFill>
+                  <a:srgbClr val="000066"/>
+                </a:solidFill>
+                <a:latin typeface="Microsoft JhengHei" panose="020B0604030504040204" pitchFamily="34" charset="-120"/>
+                <a:ea typeface="Microsoft JhengHei" panose="020B0604030504040204" pitchFamily="34" charset="-120"/>
+              </a:rPr>
+              <a:t>水</a:t>
+            </a:r>
+            <a:endParaRPr lang="en-US" altLang="zh-CN" sz="4800" b="1" dirty="0">
+              <a:solidFill>
+                <a:srgbClr val="000066"/>
+              </a:solidFill>
+              <a:latin typeface="Microsoft JhengHei" panose="020B0604030504040204" pitchFamily="34" charset="-120"/>
+              <a:ea typeface="Microsoft JhengHei" panose="020B0604030504040204" pitchFamily="34" charset="-120"/>
+            </a:endParaRPr>
+          </a:p>
+          <a:p>
+            <a:pPr marL="0" indent="0" algn="ctr">
+              <a:buNone/>
+            </a:pPr>
+            <a:r>
+              <a:rPr lang="zh-CN" altLang="en-US" sz="4800" b="1" dirty="0">
+                <a:solidFill>
+                  <a:srgbClr val="000066"/>
+                </a:solidFill>
+                <a:latin typeface="Microsoft JhengHei" panose="020B0604030504040204" pitchFamily="34" charset="-120"/>
+                <a:ea typeface="Microsoft JhengHei" panose="020B0604030504040204" pitchFamily="34" charset="-120"/>
+              </a:rPr>
+              <a:t>我</a:t>
+            </a:r>
+            <a:r>
+              <a:rPr lang="zh-CN" altLang="en-US" sz="4800" b="1" dirty="0">
+                <a:solidFill>
+                  <a:srgbClr val="000066"/>
+                </a:solidFill>
+                <a:latin typeface="Microsoft JhengHei" panose="020B0604030504040204" pitchFamily="34" charset="-120"/>
+                <a:ea typeface="Microsoft JhengHei" panose="020B0604030504040204" pitchFamily="34" charset="-120"/>
+              </a:rPr>
+              <a:t>心渴慕主恩惠</a:t>
+            </a:r>
+            <a:endParaRPr lang="en-US" altLang="zh-CN" sz="4800" b="1" dirty="0">
+              <a:solidFill>
+                <a:srgbClr val="000066"/>
+              </a:solidFill>
+              <a:latin typeface="Microsoft JhengHei" panose="020B0604030504040204" pitchFamily="34" charset="-120"/>
+              <a:ea typeface="Microsoft JhengHei" panose="020B0604030504040204" pitchFamily="34" charset="-120"/>
+            </a:endParaRPr>
+          </a:p>
+        </p:txBody>
+      </p:sp>
+      <p:sp>
+        <p:nvSpPr>
+          <p:cNvPr id="3" name="TextBox 2"/>
+          <p:cNvSpPr txBox="1"/>
+          <p:nvPr/>
+        </p:nvSpPr>
+        <p:spPr>
+          <a:xfrm>
+            <a:off x="0" y="3795886"/>
+            <a:ext cx="9144000" cy="646331"/>
+          </a:xfrm>
+          <a:prstGeom prst="rect">
+            <a:avLst/>
+          </a:prstGeom>
+          <a:noFill/>
+        </p:spPr>
+        <p:txBody>
+          <a:bodyPr wrap="square" rtlCol="0">
+            <a:spAutoFit/>
+          </a:bodyPr>
+          <a:lstStyle/>
+          <a:p>
+            <a:pPr algn="ctr"/>
+            <a:r>
+              <a:rPr lang="en-US" sz="3600" b="1" dirty="0" smtClean="0">
+                <a:solidFill>
+                  <a:srgbClr val="000066"/>
+                </a:solidFill>
+              </a:rPr>
+              <a:t>( </a:t>
+            </a:r>
+            <a:r>
+              <a:rPr lang="en-US" sz="3600" b="1" dirty="0" smtClean="0">
+                <a:solidFill>
+                  <a:srgbClr val="000066"/>
+                </a:solidFill>
+              </a:rPr>
+              <a:t>3 </a:t>
+            </a:r>
+            <a:r>
+              <a:rPr lang="en-US" sz="3600" b="1" dirty="0" smtClean="0">
+                <a:solidFill>
+                  <a:srgbClr val="000066"/>
+                </a:solidFill>
+              </a:rPr>
+              <a:t>)</a:t>
+            </a:r>
+            <a:endParaRPr lang="vi-VN" sz="3600" b="1" dirty="0">
+              <a:solidFill>
+                <a:srgbClr val="000066"/>
+              </a:solidFill>
+            </a:endParaRPr>
+          </a:p>
+        </p:txBody>
+      </p:sp>
+    </p:spTree>
+    <p:extLst>
+      <p:ext uri="{BB962C8B-B14F-4D97-AF65-F5344CB8AC3E}">
+        <p14:creationId xmlns:p14="http://schemas.microsoft.com/office/powerpoint/2010/main" val="3978286310"/>
+      </p:ext>
+    </p:extLst>
+  </p:cSld>
+  <p:clrMapOvr>
+    <a:masterClrMapping/>
+  </p:clrMapOvr>
+  <p:timing>
+    <p:tnLst>
+      <p:par>
+        <p:cTn id="1" dur="indefinite" restart="never" nodeType="tmRoot"/>
+      </p:par>
+    </p:tnLst>
+  </p:timing>
+</p:sld>
+</file>
+
+<file path=ppt/slides/slide11.xml><?xml version="1.0" encoding="utf-8"?>
+<p:sld xmlns:a="http://schemas.openxmlformats.org/drawingml/2006/main" xmlns:r="http://schemas.openxmlformats.org/officeDocument/2006/relationships" xmlns:p="http://schemas.openxmlformats.org/presentationml/2006/main">
+  <p:cSld>
+    <p:spTree>
+      <p:nvGrpSpPr>
+        <p:cNvPr id="1" name=""/>
+        <p:cNvGrpSpPr/>
+        <p:nvPr/>
+      </p:nvGrpSpPr>
+      <p:grpSpPr>
+        <a:xfrm>
+          <a:off x="0" y="0"/>
+          <a:ext cx="0" cy="0"/>
+          <a:chOff x="0" y="0"/>
+          <a:chExt cx="0" cy="0"/>
+        </a:xfrm>
+      </p:grpSpPr>
+      <p:sp>
+        <p:nvSpPr>
+          <p:cNvPr id="5" name="內容版面配置區 4"/>
+          <p:cNvSpPr>
+            <a:spLocks noGrp="1"/>
+          </p:cNvSpPr>
+          <p:nvPr>
+            <p:ph idx="1"/>
+          </p:nvPr>
+        </p:nvSpPr>
+        <p:spPr>
+          <a:xfrm>
+            <a:off x="0" y="1563638"/>
+            <a:ext cx="9144000" cy="1803647"/>
+          </a:xfrm>
+        </p:spPr>
+        <p:txBody>
+          <a:bodyPr anchor="ctr">
+            <a:normAutofit/>
+          </a:bodyPr>
+          <a:lstStyle/>
+          <a:p>
+            <a:pPr marL="0" indent="0" algn="ctr">
+              <a:buNone/>
+            </a:pPr>
+            <a:r>
+              <a:rPr lang="zh-CN" altLang="en-US" sz="4800" b="1" dirty="0">
+                <a:solidFill>
+                  <a:srgbClr val="000066"/>
+                </a:solidFill>
+                <a:latin typeface="Microsoft JhengHei" panose="020B0604030504040204" pitchFamily="34" charset="-120"/>
+                <a:ea typeface="Microsoft JhengHei" panose="020B0604030504040204" pitchFamily="34" charset="-120"/>
+              </a:rPr>
+              <a:t>活水江河願主湧</a:t>
+            </a:r>
+            <a:r>
+              <a:rPr lang="zh-CN" altLang="en-US" sz="4800" b="1" dirty="0">
+                <a:solidFill>
+                  <a:srgbClr val="000066"/>
+                </a:solidFill>
+                <a:latin typeface="Microsoft JhengHei" panose="020B0604030504040204" pitchFamily="34" charset="-120"/>
+                <a:ea typeface="Microsoft JhengHei" panose="020B0604030504040204" pitchFamily="34" charset="-120"/>
+              </a:rPr>
+              <a:t>起</a:t>
+            </a:r>
+            <a:endParaRPr lang="en-US" altLang="zh-CN" sz="4800" b="1" dirty="0">
+              <a:solidFill>
+                <a:srgbClr val="000066"/>
+              </a:solidFill>
+              <a:latin typeface="Microsoft JhengHei" panose="020B0604030504040204" pitchFamily="34" charset="-120"/>
+              <a:ea typeface="Microsoft JhengHei" panose="020B0604030504040204" pitchFamily="34" charset="-120"/>
+            </a:endParaRPr>
+          </a:p>
+          <a:p>
+            <a:pPr marL="0" indent="0" algn="ctr">
+              <a:buNone/>
+            </a:pPr>
+            <a:r>
+              <a:rPr lang="zh-CN" altLang="en-US" sz="4800" b="1" dirty="0">
+                <a:solidFill>
+                  <a:srgbClr val="000066"/>
+                </a:solidFill>
+                <a:latin typeface="Microsoft JhengHei" panose="020B0604030504040204" pitchFamily="34" charset="-120"/>
+                <a:ea typeface="Microsoft JhengHei" panose="020B0604030504040204" pitchFamily="34" charset="-120"/>
+              </a:rPr>
+              <a:t>在</a:t>
+            </a:r>
+            <a:r>
+              <a:rPr lang="zh-CN" altLang="en-US" sz="4800" b="1" dirty="0">
+                <a:solidFill>
+                  <a:srgbClr val="000066"/>
+                </a:solidFill>
+                <a:latin typeface="Microsoft JhengHei" panose="020B0604030504040204" pitchFamily="34" charset="-120"/>
+                <a:ea typeface="Microsoft JhengHei" panose="020B0604030504040204" pitchFamily="34" charset="-120"/>
+              </a:rPr>
+              <a:t>我心中流不息</a:t>
+            </a:r>
+            <a:endParaRPr lang="en-US" altLang="zh-CN" sz="4800" b="1" dirty="0">
+              <a:solidFill>
+                <a:srgbClr val="000066"/>
+              </a:solidFill>
+              <a:latin typeface="Microsoft JhengHei" panose="020B0604030504040204" pitchFamily="34" charset="-120"/>
+              <a:ea typeface="Microsoft JhengHei" panose="020B0604030504040204" pitchFamily="34" charset="-120"/>
+            </a:endParaRPr>
+          </a:p>
+        </p:txBody>
+      </p:sp>
+      <p:sp>
+        <p:nvSpPr>
+          <p:cNvPr id="3" name="TextBox 2"/>
+          <p:cNvSpPr txBox="1"/>
+          <p:nvPr/>
+        </p:nvSpPr>
+        <p:spPr>
+          <a:xfrm>
+            <a:off x="0" y="3795886"/>
+            <a:ext cx="9144000" cy="646331"/>
+          </a:xfrm>
+          <a:prstGeom prst="rect">
+            <a:avLst/>
+          </a:prstGeom>
+          <a:noFill/>
+        </p:spPr>
+        <p:txBody>
+          <a:bodyPr wrap="square" rtlCol="0">
+            <a:spAutoFit/>
+          </a:bodyPr>
+          <a:lstStyle/>
+          <a:p>
+            <a:pPr algn="ctr"/>
+            <a:r>
+              <a:rPr lang="en-US" sz="3600" b="1" dirty="0" smtClean="0">
+                <a:solidFill>
+                  <a:srgbClr val="000066"/>
+                </a:solidFill>
+              </a:rPr>
+              <a:t>( </a:t>
+            </a:r>
+            <a:r>
+              <a:rPr lang="en-US" sz="3600" b="1" dirty="0" smtClean="0">
+                <a:solidFill>
+                  <a:srgbClr val="000066"/>
+                </a:solidFill>
+              </a:rPr>
+              <a:t>3 </a:t>
+            </a:r>
+            <a:r>
+              <a:rPr lang="en-US" sz="3600" b="1" dirty="0" smtClean="0">
+                <a:solidFill>
+                  <a:srgbClr val="000066"/>
+                </a:solidFill>
+              </a:rPr>
+              <a:t>)</a:t>
+            </a:r>
+            <a:endParaRPr lang="vi-VN" sz="3600" b="1" dirty="0">
+              <a:solidFill>
+                <a:srgbClr val="000066"/>
+              </a:solidFill>
+            </a:endParaRPr>
+          </a:p>
+        </p:txBody>
+      </p:sp>
+    </p:spTree>
+    <p:extLst>
+      <p:ext uri="{BB962C8B-B14F-4D97-AF65-F5344CB8AC3E}">
+        <p14:creationId xmlns:p14="http://schemas.microsoft.com/office/powerpoint/2010/main" val="3881018663"/>
+      </p:ext>
+    </p:extLst>
+  </p:cSld>
+  <p:clrMapOvr>
+    <a:masterClrMapping/>
+  </p:clrMapOvr>
+  <p:timing>
+    <p:tnLst>
+      <p:par>
+        <p:cTn id="1" dur="indefinite" restart="never" nodeType="tmRoot"/>
+      </p:par>
+    </p:tnLst>
+  </p:timing>
+</p:sld>
+</file>
+
+<file path=ppt/slides/slide12.xml><?xml version="1.0" encoding="utf-8"?>
+<p:sld xmlns:a="http://schemas.openxmlformats.org/drawingml/2006/main" xmlns:r="http://schemas.openxmlformats.org/officeDocument/2006/relationships" xmlns:p="http://schemas.openxmlformats.org/presentationml/2006/main">
+  <p:cSld>
+    <p:spTree>
+      <p:nvGrpSpPr>
+        <p:cNvPr id="1" name=""/>
+        <p:cNvGrpSpPr/>
+        <p:nvPr/>
+      </p:nvGrpSpPr>
+      <p:grpSpPr>
+        <a:xfrm>
+          <a:off x="0" y="0"/>
+          <a:ext cx="0" cy="0"/>
+          <a:chOff x="0" y="0"/>
+          <a:chExt cx="0" cy="0"/>
+        </a:xfrm>
+      </p:grpSpPr>
+      <p:sp>
+        <p:nvSpPr>
+          <p:cNvPr id="5" name="內容版面配置區 4"/>
+          <p:cNvSpPr>
+            <a:spLocks noGrp="1"/>
+          </p:cNvSpPr>
+          <p:nvPr>
+            <p:ph idx="1"/>
+          </p:nvPr>
+        </p:nvSpPr>
+        <p:spPr>
+          <a:xfrm>
+            <a:off x="0" y="1563638"/>
+            <a:ext cx="9144000" cy="1803647"/>
+          </a:xfrm>
+        </p:spPr>
+        <p:txBody>
+          <a:bodyPr anchor="ctr">
+            <a:normAutofit/>
+          </a:bodyPr>
+          <a:lstStyle/>
+          <a:p>
+            <a:pPr marL="0" indent="0" algn="ctr">
+              <a:buNone/>
+            </a:pPr>
+            <a:r>
+              <a:rPr lang="zh-CN" altLang="en-US" sz="4800" b="1" dirty="0">
+                <a:solidFill>
+                  <a:srgbClr val="000066"/>
+                </a:solidFill>
+                <a:latin typeface="Microsoft JhengHei" panose="020B0604030504040204" pitchFamily="34" charset="-120"/>
+                <a:ea typeface="Microsoft JhengHei" panose="020B0604030504040204" pitchFamily="34" charset="-120"/>
+              </a:rPr>
+              <a:t>充滿我充滿</a:t>
+            </a:r>
+            <a:r>
+              <a:rPr lang="zh-CN" altLang="en-US" sz="4800" b="1" dirty="0">
+                <a:solidFill>
+                  <a:srgbClr val="000066"/>
+                </a:solidFill>
+                <a:latin typeface="Microsoft JhengHei" panose="020B0604030504040204" pitchFamily="34" charset="-120"/>
+                <a:ea typeface="Microsoft JhengHei" panose="020B0604030504040204" pitchFamily="34" charset="-120"/>
+              </a:rPr>
+              <a:t>我</a:t>
+            </a:r>
+            <a:endParaRPr lang="en-US" altLang="zh-CN" sz="4800" b="1" dirty="0">
+              <a:solidFill>
+                <a:srgbClr val="000066"/>
+              </a:solidFill>
+              <a:latin typeface="Microsoft JhengHei" panose="020B0604030504040204" pitchFamily="34" charset="-120"/>
+              <a:ea typeface="Microsoft JhengHei" panose="020B0604030504040204" pitchFamily="34" charset="-120"/>
+            </a:endParaRPr>
+          </a:p>
+          <a:p>
+            <a:pPr marL="0" indent="0" algn="ctr">
+              <a:buNone/>
+            </a:pPr>
+            <a:r>
+              <a:rPr lang="zh-CN" altLang="en-US" sz="4800" b="1" dirty="0">
+                <a:solidFill>
+                  <a:srgbClr val="000066"/>
+                </a:solidFill>
+                <a:latin typeface="Microsoft JhengHei" panose="020B0604030504040204" pitchFamily="34" charset="-120"/>
+                <a:ea typeface="Microsoft JhengHei" panose="020B0604030504040204" pitchFamily="34" charset="-120"/>
+              </a:rPr>
+              <a:t>求</a:t>
+            </a:r>
+            <a:r>
+              <a:rPr lang="zh-CN" altLang="en-US" sz="4800" b="1" dirty="0">
+                <a:solidFill>
+                  <a:srgbClr val="000066"/>
+                </a:solidFill>
+                <a:latin typeface="Microsoft JhengHei" panose="020B0604030504040204" pitchFamily="34" charset="-120"/>
+                <a:ea typeface="Microsoft JhengHei" panose="020B0604030504040204" pitchFamily="34" charset="-120"/>
+              </a:rPr>
+              <a:t>耶穌來充滿我</a:t>
+            </a:r>
+            <a:endParaRPr lang="en-US" altLang="zh-CN" sz="4800" b="1" dirty="0">
+              <a:solidFill>
+                <a:srgbClr val="000066"/>
+              </a:solidFill>
+              <a:latin typeface="Microsoft JhengHei" panose="020B0604030504040204" pitchFamily="34" charset="-120"/>
+              <a:ea typeface="Microsoft JhengHei" panose="020B0604030504040204" pitchFamily="34" charset="-120"/>
+            </a:endParaRPr>
+          </a:p>
+        </p:txBody>
+      </p:sp>
+    </p:spTree>
+    <p:extLst>
+      <p:ext uri="{BB962C8B-B14F-4D97-AF65-F5344CB8AC3E}">
+        <p14:creationId xmlns:p14="http://schemas.microsoft.com/office/powerpoint/2010/main" val="3715038371"/>
+      </p:ext>
+    </p:extLst>
+  </p:cSld>
+  <p:clrMapOvr>
+    <a:masterClrMapping/>
+  </p:clrMapOvr>
+  <p:timing>
+    <p:tnLst>
+      <p:par>
+        <p:cTn id="1" dur="indefinite" restart="never" nodeType="tmRoot"/>
+      </p:par>
+    </p:tnLst>
+  </p:timing>
+</p:sld>
+</file>
+
+<file path=ppt/slides/slide13.xml><?xml version="1.0" encoding="utf-8"?>
+<p:sld xmlns:a="http://schemas.openxmlformats.org/drawingml/2006/main" xmlns:r="http://schemas.openxmlformats.org/officeDocument/2006/relationships" xmlns:p="http://schemas.openxmlformats.org/presentationml/2006/main">
+  <p:cSld>
+    <p:spTree>
+      <p:nvGrpSpPr>
+        <p:cNvPr id="1" name=""/>
+        <p:cNvGrpSpPr/>
+        <p:nvPr/>
+      </p:nvGrpSpPr>
+      <p:grpSpPr>
+        <a:xfrm>
+          <a:off x="0" y="0"/>
+          <a:ext cx="0" cy="0"/>
+          <a:chOff x="0" y="0"/>
+          <a:chExt cx="0" cy="0"/>
+        </a:xfrm>
+      </p:grpSpPr>
+      <p:sp>
+        <p:nvSpPr>
+          <p:cNvPr id="5" name="內容版面配置區 4"/>
+          <p:cNvSpPr>
+            <a:spLocks noGrp="1"/>
+          </p:cNvSpPr>
+          <p:nvPr>
+            <p:ph idx="1"/>
+          </p:nvPr>
+        </p:nvSpPr>
+        <p:spPr>
+          <a:xfrm>
+            <a:off x="0" y="1563638"/>
+            <a:ext cx="9144000" cy="1803647"/>
+          </a:xfrm>
+        </p:spPr>
+        <p:txBody>
+          <a:bodyPr anchor="ctr">
+            <a:normAutofit/>
+          </a:bodyPr>
+          <a:lstStyle/>
+          <a:p>
+            <a:pPr marL="0" indent="0" algn="ctr">
+              <a:buNone/>
+            </a:pPr>
+            <a:r>
+              <a:rPr lang="zh-CN" altLang="en-US" sz="4800" b="1" dirty="0">
+                <a:solidFill>
+                  <a:srgbClr val="000066"/>
+                </a:solidFill>
+                <a:latin typeface="Microsoft JhengHei" panose="020B0604030504040204" pitchFamily="34" charset="-120"/>
+                <a:ea typeface="Microsoft JhengHei" panose="020B0604030504040204" pitchFamily="34" charset="-120"/>
+              </a:rPr>
+              <a:t>榮耀聖靈來充滿</a:t>
+            </a:r>
+            <a:r>
+              <a:rPr lang="zh-CN" altLang="en-US" sz="4800" b="1" dirty="0">
+                <a:solidFill>
+                  <a:srgbClr val="000066"/>
+                </a:solidFill>
+                <a:latin typeface="Microsoft JhengHei" panose="020B0604030504040204" pitchFamily="34" charset="-120"/>
+                <a:ea typeface="Microsoft JhengHei" panose="020B0604030504040204" pitchFamily="34" charset="-120"/>
+              </a:rPr>
+              <a:t>我</a:t>
+            </a:r>
+            <a:endParaRPr lang="en-US" altLang="zh-CN" sz="4800" b="1" dirty="0">
+              <a:solidFill>
+                <a:srgbClr val="000066"/>
+              </a:solidFill>
+              <a:latin typeface="Microsoft JhengHei" panose="020B0604030504040204" pitchFamily="34" charset="-120"/>
+              <a:ea typeface="Microsoft JhengHei" panose="020B0604030504040204" pitchFamily="34" charset="-120"/>
+            </a:endParaRPr>
+          </a:p>
+          <a:p>
+            <a:pPr marL="0" indent="0" algn="ctr">
+              <a:buNone/>
+            </a:pPr>
+            <a:r>
+              <a:rPr lang="zh-CN" altLang="en-US" sz="4800" b="1" dirty="0">
+                <a:solidFill>
+                  <a:srgbClr val="000066"/>
+                </a:solidFill>
+                <a:latin typeface="Microsoft JhengHei" panose="020B0604030504040204" pitchFamily="34" charset="-120"/>
+                <a:ea typeface="Microsoft JhengHei" panose="020B0604030504040204" pitchFamily="34" charset="-120"/>
+              </a:rPr>
+              <a:t>願</a:t>
+            </a:r>
+            <a:r>
+              <a:rPr lang="zh-CN" altLang="en-US" sz="4800" b="1" dirty="0">
+                <a:solidFill>
+                  <a:srgbClr val="000066"/>
+                </a:solidFill>
+                <a:latin typeface="Microsoft JhengHei" panose="020B0604030504040204" pitchFamily="34" charset="-120"/>
+                <a:ea typeface="Microsoft JhengHei" panose="020B0604030504040204" pitchFamily="34" charset="-120"/>
+              </a:rPr>
+              <a:t>主現在充滿我</a:t>
+            </a:r>
+            <a:endParaRPr lang="en-US" altLang="zh-CN" sz="4800" b="1" dirty="0">
+              <a:solidFill>
+                <a:srgbClr val="000066"/>
+              </a:solidFill>
+              <a:latin typeface="Microsoft JhengHei" panose="020B0604030504040204" pitchFamily="34" charset="-120"/>
+              <a:ea typeface="Microsoft JhengHei" panose="020B0604030504040204" pitchFamily="34" charset="-120"/>
+            </a:endParaRPr>
+          </a:p>
+        </p:txBody>
+      </p:sp>
+    </p:spTree>
+    <p:extLst>
+      <p:ext uri="{BB962C8B-B14F-4D97-AF65-F5344CB8AC3E}">
+        <p14:creationId xmlns:p14="http://schemas.microsoft.com/office/powerpoint/2010/main" val="948924467"/>
+      </p:ext>
+    </p:extLst>
+  </p:cSld>
+  <p:clrMapOvr>
+    <a:masterClrMapping/>
+  </p:clrMapOvr>
+  <p:timing>
+    <p:tnLst>
+      <p:par>
+        <p:cTn id="1" dur="indefinite" restart="never" nodeType="tmRoot"/>
+      </p:par>
+    </p:tnLst>
+  </p:timing>
+</p:sld>
+</file>
+
+<file path=ppt/slides/slide14.xml><?xml version="1.0" encoding="utf-8"?>
+<p:sld xmlns:a="http://schemas.openxmlformats.org/drawingml/2006/main" xmlns:r="http://schemas.openxmlformats.org/officeDocument/2006/relationships" xmlns:p="http://schemas.openxmlformats.org/presentationml/2006/main">
+  <p:cSld>
+    <p:spTree>
+      <p:nvGrpSpPr>
+        <p:cNvPr id="1" name=""/>
+        <p:cNvGrpSpPr/>
+        <p:nvPr/>
+      </p:nvGrpSpPr>
+      <p:grpSpPr>
+        <a:xfrm>
+          <a:off x="0" y="0"/>
+          <a:ext cx="0" cy="0"/>
+          <a:chOff x="0" y="0"/>
+          <a:chExt cx="0" cy="0"/>
+        </a:xfrm>
+      </p:grpSpPr>
+      <p:sp>
+        <p:nvSpPr>
+          <p:cNvPr id="5" name="內容版面配置區 4"/>
+          <p:cNvSpPr>
+            <a:spLocks noGrp="1"/>
+          </p:cNvSpPr>
+          <p:nvPr>
+            <p:ph idx="1"/>
+          </p:nvPr>
+        </p:nvSpPr>
+        <p:spPr>
+          <a:xfrm>
+            <a:off x="0" y="1563638"/>
+            <a:ext cx="9144000" cy="1803647"/>
+          </a:xfrm>
+        </p:spPr>
+        <p:txBody>
+          <a:bodyPr anchor="ctr">
+            <a:normAutofit/>
+          </a:bodyPr>
+          <a:lstStyle/>
+          <a:p>
+            <a:pPr marL="0" indent="0" algn="ctr">
+              <a:buNone/>
+            </a:pPr>
+            <a:r>
+              <a:rPr lang="zh-CN" altLang="en-US" sz="4800" b="1" dirty="0">
+                <a:solidFill>
+                  <a:srgbClr val="000066"/>
+                </a:solidFill>
+                <a:latin typeface="Microsoft JhengHei" panose="020B0604030504040204" pitchFamily="34" charset="-120"/>
+                <a:ea typeface="Microsoft JhengHei" panose="020B0604030504040204" pitchFamily="34" charset="-120"/>
+              </a:rPr>
+              <a:t>不是倚靠勢力才</a:t>
+            </a:r>
+            <a:r>
+              <a:rPr lang="zh-CN" altLang="en-US" sz="4800" b="1" dirty="0">
+                <a:solidFill>
+                  <a:srgbClr val="000066"/>
+                </a:solidFill>
+                <a:latin typeface="Microsoft JhengHei" panose="020B0604030504040204" pitchFamily="34" charset="-120"/>
+                <a:ea typeface="Microsoft JhengHei" panose="020B0604030504040204" pitchFamily="34" charset="-120"/>
+              </a:rPr>
+              <a:t>能</a:t>
+            </a:r>
+            <a:endParaRPr lang="en-US" altLang="zh-CN" sz="4800" b="1" dirty="0">
+              <a:solidFill>
+                <a:srgbClr val="000066"/>
+              </a:solidFill>
+              <a:latin typeface="Microsoft JhengHei" panose="020B0604030504040204" pitchFamily="34" charset="-120"/>
+              <a:ea typeface="Microsoft JhengHei" panose="020B0604030504040204" pitchFamily="34" charset="-120"/>
+            </a:endParaRPr>
+          </a:p>
+          <a:p>
+            <a:pPr marL="0" indent="0" algn="ctr">
+              <a:buNone/>
+            </a:pPr>
+            <a:r>
+              <a:rPr lang="zh-CN" altLang="en-US" sz="4800" b="1" dirty="0">
+                <a:solidFill>
+                  <a:srgbClr val="000066"/>
+                </a:solidFill>
+                <a:latin typeface="Microsoft JhengHei" panose="020B0604030504040204" pitchFamily="34" charset="-120"/>
+                <a:ea typeface="Microsoft JhengHei" panose="020B0604030504040204" pitchFamily="34" charset="-120"/>
+              </a:rPr>
+              <a:t>惟</a:t>
+            </a:r>
+            <a:r>
+              <a:rPr lang="zh-CN" altLang="en-US" sz="4800" b="1" dirty="0">
+                <a:solidFill>
+                  <a:srgbClr val="000066"/>
+                </a:solidFill>
+                <a:latin typeface="Microsoft JhengHei" panose="020B0604030504040204" pitchFamily="34" charset="-120"/>
+                <a:ea typeface="Microsoft JhengHei" panose="020B0604030504040204" pitchFamily="34" charset="-120"/>
+              </a:rPr>
+              <a:t>獨仰賴主聖靈</a:t>
+            </a:r>
+            <a:endParaRPr lang="en-US" altLang="zh-CN" sz="4800" b="1" dirty="0">
+              <a:solidFill>
+                <a:srgbClr val="000066"/>
+              </a:solidFill>
+              <a:latin typeface="Microsoft JhengHei" panose="020B0604030504040204" pitchFamily="34" charset="-120"/>
+              <a:ea typeface="Microsoft JhengHei" panose="020B0604030504040204" pitchFamily="34" charset="-120"/>
+            </a:endParaRPr>
+          </a:p>
+        </p:txBody>
+      </p:sp>
+      <p:sp>
+        <p:nvSpPr>
+          <p:cNvPr id="3" name="TextBox 2"/>
+          <p:cNvSpPr txBox="1"/>
+          <p:nvPr/>
+        </p:nvSpPr>
+        <p:spPr>
+          <a:xfrm>
+            <a:off x="0" y="3795886"/>
+            <a:ext cx="9144000" cy="646331"/>
+          </a:xfrm>
+          <a:prstGeom prst="rect">
+            <a:avLst/>
+          </a:prstGeom>
+          <a:noFill/>
+        </p:spPr>
+        <p:txBody>
+          <a:bodyPr wrap="square" rtlCol="0">
+            <a:spAutoFit/>
+          </a:bodyPr>
+          <a:lstStyle/>
+          <a:p>
+            <a:pPr algn="ctr"/>
+            <a:r>
+              <a:rPr lang="en-US" sz="3600" b="1" dirty="0" smtClean="0">
+                <a:solidFill>
+                  <a:srgbClr val="000066"/>
+                </a:solidFill>
+              </a:rPr>
+              <a:t>( </a:t>
+            </a:r>
+            <a:r>
+              <a:rPr lang="en-US" sz="3600" b="1" dirty="0" smtClean="0">
+                <a:solidFill>
+                  <a:srgbClr val="000066"/>
+                </a:solidFill>
+              </a:rPr>
+              <a:t>4 </a:t>
+            </a:r>
+            <a:r>
+              <a:rPr lang="en-US" sz="3600" b="1" dirty="0" smtClean="0">
+                <a:solidFill>
+                  <a:srgbClr val="000066"/>
+                </a:solidFill>
+              </a:rPr>
+              <a:t>)</a:t>
+            </a:r>
+            <a:endParaRPr lang="vi-VN" sz="3600" b="1" dirty="0">
+              <a:solidFill>
+                <a:srgbClr val="000066"/>
+              </a:solidFill>
+            </a:endParaRPr>
+          </a:p>
+        </p:txBody>
+      </p:sp>
+    </p:spTree>
+    <p:extLst>
+      <p:ext uri="{BB962C8B-B14F-4D97-AF65-F5344CB8AC3E}">
+        <p14:creationId xmlns:p14="http://schemas.microsoft.com/office/powerpoint/2010/main" val="1433962241"/>
+      </p:ext>
+    </p:extLst>
+  </p:cSld>
+  <p:clrMapOvr>
+    <a:masterClrMapping/>
+  </p:clrMapOvr>
+  <p:timing>
+    <p:tnLst>
+      <p:par>
+        <p:cTn id="1" dur="indefinite" restart="never" nodeType="tmRoot"/>
+      </p:par>
+    </p:tnLst>
+  </p:timing>
+</p:sld>
+</file>
+
+<file path=ppt/slides/slide15.xml><?xml version="1.0" encoding="utf-8"?>
+<p:sld xmlns:a="http://schemas.openxmlformats.org/drawingml/2006/main" xmlns:r="http://schemas.openxmlformats.org/officeDocument/2006/relationships" xmlns:p="http://schemas.openxmlformats.org/presentationml/2006/main">
+  <p:cSld>
+    <p:spTree>
+      <p:nvGrpSpPr>
+        <p:cNvPr id="1" name=""/>
+        <p:cNvGrpSpPr/>
+        <p:nvPr/>
+      </p:nvGrpSpPr>
+      <p:grpSpPr>
+        <a:xfrm>
+          <a:off x="0" y="0"/>
+          <a:ext cx="0" cy="0"/>
+          <a:chOff x="0" y="0"/>
+          <a:chExt cx="0" cy="0"/>
+        </a:xfrm>
+      </p:grpSpPr>
+      <p:sp>
+        <p:nvSpPr>
+          <p:cNvPr id="5" name="內容版面配置區 4"/>
+          <p:cNvSpPr>
+            <a:spLocks noGrp="1"/>
+          </p:cNvSpPr>
+          <p:nvPr>
+            <p:ph idx="1"/>
+          </p:nvPr>
+        </p:nvSpPr>
+        <p:spPr>
+          <a:xfrm>
+            <a:off x="0" y="1563638"/>
+            <a:ext cx="9144000" cy="1803647"/>
+          </a:xfrm>
+        </p:spPr>
+        <p:txBody>
+          <a:bodyPr anchor="ctr">
+            <a:normAutofit/>
+          </a:bodyPr>
+          <a:lstStyle/>
+          <a:p>
+            <a:pPr marL="0" indent="0" algn="ctr">
+              <a:buNone/>
+            </a:pPr>
+            <a:r>
+              <a:rPr lang="zh-CN" altLang="en-US" sz="4800" b="1" dirty="0">
+                <a:solidFill>
+                  <a:srgbClr val="000066"/>
+                </a:solidFill>
+                <a:latin typeface="Microsoft JhengHei" panose="020B0604030504040204" pitchFamily="34" charset="-120"/>
+                <a:ea typeface="Microsoft JhengHei" panose="020B0604030504040204" pitchFamily="34" charset="-120"/>
+              </a:rPr>
+              <a:t>主能慰我主能救</a:t>
+            </a:r>
+            <a:r>
+              <a:rPr lang="zh-CN" altLang="en-US" sz="4800" b="1" dirty="0">
+                <a:solidFill>
+                  <a:srgbClr val="000066"/>
+                </a:solidFill>
+                <a:latin typeface="Microsoft JhengHei" panose="020B0604030504040204" pitchFamily="34" charset="-120"/>
+                <a:ea typeface="Microsoft JhengHei" panose="020B0604030504040204" pitchFamily="34" charset="-120"/>
+              </a:rPr>
+              <a:t>我</a:t>
+            </a:r>
+            <a:endParaRPr lang="en-US" altLang="zh-CN" sz="4800" b="1" dirty="0">
+              <a:solidFill>
+                <a:srgbClr val="000066"/>
+              </a:solidFill>
+              <a:latin typeface="Microsoft JhengHei" panose="020B0604030504040204" pitchFamily="34" charset="-120"/>
+              <a:ea typeface="Microsoft JhengHei" panose="020B0604030504040204" pitchFamily="34" charset="-120"/>
+            </a:endParaRPr>
+          </a:p>
+          <a:p>
+            <a:pPr marL="0" indent="0" algn="ctr">
+              <a:buNone/>
+            </a:pPr>
+            <a:r>
+              <a:rPr lang="zh-CN" altLang="en-US" sz="4800" b="1" dirty="0">
+                <a:solidFill>
+                  <a:srgbClr val="000066"/>
+                </a:solidFill>
+                <a:latin typeface="Microsoft JhengHei" panose="020B0604030504040204" pitchFamily="34" charset="-120"/>
+                <a:ea typeface="Microsoft JhengHei" panose="020B0604030504040204" pitchFamily="34" charset="-120"/>
+              </a:rPr>
+              <a:t>願</a:t>
+            </a:r>
+            <a:r>
+              <a:rPr lang="zh-CN" altLang="en-US" sz="4800" b="1" dirty="0">
+                <a:solidFill>
+                  <a:srgbClr val="000066"/>
+                </a:solidFill>
+                <a:latin typeface="Microsoft JhengHei" panose="020B0604030504040204" pitchFamily="34" charset="-120"/>
+                <a:ea typeface="Microsoft JhengHei" panose="020B0604030504040204" pitchFamily="34" charset="-120"/>
+              </a:rPr>
+              <a:t>主現在充滿我</a:t>
+            </a:r>
+            <a:endParaRPr lang="en-US" altLang="zh-CN" sz="4800" b="1" dirty="0">
+              <a:solidFill>
+                <a:srgbClr val="000066"/>
+              </a:solidFill>
+              <a:latin typeface="Microsoft JhengHei" panose="020B0604030504040204" pitchFamily="34" charset="-120"/>
+              <a:ea typeface="Microsoft JhengHei" panose="020B0604030504040204" pitchFamily="34" charset="-120"/>
+            </a:endParaRPr>
+          </a:p>
+        </p:txBody>
+      </p:sp>
+      <p:sp>
+        <p:nvSpPr>
+          <p:cNvPr id="3" name="TextBox 2"/>
+          <p:cNvSpPr txBox="1"/>
+          <p:nvPr/>
+        </p:nvSpPr>
+        <p:spPr>
+          <a:xfrm>
+            <a:off x="0" y="3795886"/>
+            <a:ext cx="9144000" cy="646331"/>
+          </a:xfrm>
+          <a:prstGeom prst="rect">
+            <a:avLst/>
+          </a:prstGeom>
+          <a:noFill/>
+        </p:spPr>
+        <p:txBody>
+          <a:bodyPr wrap="square" rtlCol="0">
+            <a:spAutoFit/>
+          </a:bodyPr>
+          <a:lstStyle/>
+          <a:p>
+            <a:pPr algn="ctr"/>
+            <a:r>
+              <a:rPr lang="en-US" sz="3600" b="1" dirty="0" smtClean="0">
+                <a:solidFill>
+                  <a:srgbClr val="000066"/>
+                </a:solidFill>
+              </a:rPr>
+              <a:t>( </a:t>
+            </a:r>
+            <a:r>
+              <a:rPr lang="en-US" sz="3600" b="1" dirty="0" smtClean="0">
+                <a:solidFill>
+                  <a:srgbClr val="000066"/>
+                </a:solidFill>
+              </a:rPr>
+              <a:t>4 </a:t>
+            </a:r>
+            <a:r>
+              <a:rPr lang="en-US" sz="3600" b="1" dirty="0" smtClean="0">
+                <a:solidFill>
+                  <a:srgbClr val="000066"/>
+                </a:solidFill>
+              </a:rPr>
+              <a:t>)</a:t>
+            </a:r>
+            <a:endParaRPr lang="vi-VN" sz="3600" b="1" dirty="0">
+              <a:solidFill>
+                <a:srgbClr val="000066"/>
+              </a:solidFill>
+            </a:endParaRPr>
+          </a:p>
+        </p:txBody>
+      </p:sp>
+    </p:spTree>
+    <p:extLst>
+      <p:ext uri="{BB962C8B-B14F-4D97-AF65-F5344CB8AC3E}">
+        <p14:creationId xmlns:p14="http://schemas.microsoft.com/office/powerpoint/2010/main" val="2057384991"/>
+      </p:ext>
+    </p:extLst>
+  </p:cSld>
+  <p:clrMapOvr>
+    <a:masterClrMapping/>
+  </p:clrMapOvr>
+  <p:timing>
+    <p:tnLst>
+      <p:par>
+        <p:cTn id="1" dur="indefinite" restart="never" nodeType="tmRoot"/>
+      </p:par>
+    </p:tnLst>
+  </p:timing>
+</p:sld>
+</file>
+
+<file path=ppt/slides/slide16.xml><?xml version="1.0" encoding="utf-8"?>
+<p:sld xmlns:a="http://schemas.openxmlformats.org/drawingml/2006/main" xmlns:r="http://schemas.openxmlformats.org/officeDocument/2006/relationships" xmlns:p="http://schemas.openxmlformats.org/presentationml/2006/main">
+  <p:cSld>
+    <p:spTree>
+      <p:nvGrpSpPr>
+        <p:cNvPr id="1" name=""/>
+        <p:cNvGrpSpPr/>
+        <p:nvPr/>
+      </p:nvGrpSpPr>
+      <p:grpSpPr>
+        <a:xfrm>
+          <a:off x="0" y="0"/>
+          <a:ext cx="0" cy="0"/>
+          <a:chOff x="0" y="0"/>
+          <a:chExt cx="0" cy="0"/>
+        </a:xfrm>
+      </p:grpSpPr>
+      <p:sp>
+        <p:nvSpPr>
+          <p:cNvPr id="5" name="內容版面配置區 4"/>
+          <p:cNvSpPr>
+            <a:spLocks noGrp="1"/>
+          </p:cNvSpPr>
+          <p:nvPr>
+            <p:ph idx="1"/>
+          </p:nvPr>
+        </p:nvSpPr>
+        <p:spPr>
+          <a:xfrm>
+            <a:off x="0" y="1563638"/>
+            <a:ext cx="9144000" cy="1803647"/>
+          </a:xfrm>
+        </p:spPr>
+        <p:txBody>
+          <a:bodyPr anchor="ctr">
+            <a:normAutofit/>
+          </a:bodyPr>
+          <a:lstStyle/>
+          <a:p>
+            <a:pPr marL="0" indent="0" algn="ctr">
+              <a:buNone/>
+            </a:pPr>
+            <a:r>
+              <a:rPr lang="zh-CN" altLang="en-US" sz="4800" b="1" dirty="0">
+                <a:solidFill>
+                  <a:srgbClr val="000066"/>
+                </a:solidFill>
+                <a:latin typeface="Microsoft JhengHei" panose="020B0604030504040204" pitchFamily="34" charset="-120"/>
+                <a:ea typeface="Microsoft JhengHei" panose="020B0604030504040204" pitchFamily="34" charset="-120"/>
+              </a:rPr>
+              <a:t>充滿我充滿</a:t>
+            </a:r>
+            <a:r>
+              <a:rPr lang="zh-CN" altLang="en-US" sz="4800" b="1" dirty="0">
+                <a:solidFill>
+                  <a:srgbClr val="000066"/>
+                </a:solidFill>
+                <a:latin typeface="Microsoft JhengHei" panose="020B0604030504040204" pitchFamily="34" charset="-120"/>
+                <a:ea typeface="Microsoft JhengHei" panose="020B0604030504040204" pitchFamily="34" charset="-120"/>
+              </a:rPr>
+              <a:t>我</a:t>
+            </a:r>
+            <a:endParaRPr lang="en-US" altLang="zh-CN" sz="4800" b="1" dirty="0">
+              <a:solidFill>
+                <a:srgbClr val="000066"/>
+              </a:solidFill>
+              <a:latin typeface="Microsoft JhengHei" panose="020B0604030504040204" pitchFamily="34" charset="-120"/>
+              <a:ea typeface="Microsoft JhengHei" panose="020B0604030504040204" pitchFamily="34" charset="-120"/>
+            </a:endParaRPr>
+          </a:p>
+          <a:p>
+            <a:pPr marL="0" indent="0" algn="ctr">
+              <a:buNone/>
+            </a:pPr>
+            <a:r>
+              <a:rPr lang="zh-CN" altLang="en-US" sz="4800" b="1" dirty="0">
+                <a:solidFill>
+                  <a:srgbClr val="000066"/>
+                </a:solidFill>
+                <a:latin typeface="Microsoft JhengHei" panose="020B0604030504040204" pitchFamily="34" charset="-120"/>
+                <a:ea typeface="Microsoft JhengHei" panose="020B0604030504040204" pitchFamily="34" charset="-120"/>
+              </a:rPr>
+              <a:t>求</a:t>
+            </a:r>
+            <a:r>
+              <a:rPr lang="zh-CN" altLang="en-US" sz="4800" b="1" dirty="0">
+                <a:solidFill>
+                  <a:srgbClr val="000066"/>
+                </a:solidFill>
+                <a:latin typeface="Microsoft JhengHei" panose="020B0604030504040204" pitchFamily="34" charset="-120"/>
+                <a:ea typeface="Microsoft JhengHei" panose="020B0604030504040204" pitchFamily="34" charset="-120"/>
+              </a:rPr>
+              <a:t>耶穌來充滿我</a:t>
+            </a:r>
+            <a:endParaRPr lang="en-US" altLang="zh-CN" sz="4800" b="1" dirty="0">
+              <a:solidFill>
+                <a:srgbClr val="000066"/>
+              </a:solidFill>
+              <a:latin typeface="Microsoft JhengHei" panose="020B0604030504040204" pitchFamily="34" charset="-120"/>
+              <a:ea typeface="Microsoft JhengHei" panose="020B0604030504040204" pitchFamily="34" charset="-120"/>
+            </a:endParaRPr>
+          </a:p>
+        </p:txBody>
+      </p:sp>
+    </p:spTree>
+    <p:extLst>
+      <p:ext uri="{BB962C8B-B14F-4D97-AF65-F5344CB8AC3E}">
+        <p14:creationId xmlns:p14="http://schemas.microsoft.com/office/powerpoint/2010/main" val="3982298835"/>
+      </p:ext>
+    </p:extLst>
+  </p:cSld>
+  <p:clrMapOvr>
+    <a:masterClrMapping/>
+  </p:clrMapOvr>
+  <p:timing>
+    <p:tnLst>
+      <p:par>
+        <p:cTn id="1" dur="indefinite" restart="never" nodeType="tmRoot"/>
+      </p:par>
+    </p:tnLst>
+  </p:timing>
+</p:sld>
+</file>
+
+<file path=ppt/slides/slide17.xml><?xml version="1.0" encoding="utf-8"?>
+<p:sld xmlns:a="http://schemas.openxmlformats.org/drawingml/2006/main" xmlns:r="http://schemas.openxmlformats.org/officeDocument/2006/relationships" xmlns:p="http://schemas.openxmlformats.org/presentationml/2006/main">
+  <p:cSld>
+    <p:spTree>
+      <p:nvGrpSpPr>
+        <p:cNvPr id="1" name=""/>
+        <p:cNvGrpSpPr/>
+        <p:nvPr/>
+      </p:nvGrpSpPr>
+      <p:grpSpPr>
+        <a:xfrm>
+          <a:off x="0" y="0"/>
+          <a:ext cx="0" cy="0"/>
+          <a:chOff x="0" y="0"/>
+          <a:chExt cx="0" cy="0"/>
+        </a:xfrm>
+      </p:grpSpPr>
+      <p:sp>
+        <p:nvSpPr>
+          <p:cNvPr id="5" name="內容版面配置區 4"/>
+          <p:cNvSpPr>
+            <a:spLocks noGrp="1"/>
+          </p:cNvSpPr>
+          <p:nvPr>
+            <p:ph idx="1"/>
+          </p:nvPr>
+        </p:nvSpPr>
+        <p:spPr>
+          <a:xfrm>
+            <a:off x="0" y="1563638"/>
+            <a:ext cx="9144000" cy="1803647"/>
+          </a:xfrm>
+        </p:spPr>
+        <p:txBody>
+          <a:bodyPr anchor="ctr">
+            <a:normAutofit/>
+          </a:bodyPr>
+          <a:lstStyle/>
+          <a:p>
+            <a:pPr marL="0" indent="0" algn="ctr">
+              <a:buNone/>
+            </a:pPr>
+            <a:r>
+              <a:rPr lang="zh-CN" altLang="en-US" sz="4800" b="1" dirty="0">
+                <a:solidFill>
+                  <a:srgbClr val="000066"/>
+                </a:solidFill>
+                <a:latin typeface="Microsoft JhengHei" panose="020B0604030504040204" pitchFamily="34" charset="-120"/>
+                <a:ea typeface="Microsoft JhengHei" panose="020B0604030504040204" pitchFamily="34" charset="-120"/>
+              </a:rPr>
+              <a:t>榮耀聖靈來充滿</a:t>
+            </a:r>
+            <a:r>
+              <a:rPr lang="zh-CN" altLang="en-US" sz="4800" b="1" dirty="0">
+                <a:solidFill>
+                  <a:srgbClr val="000066"/>
+                </a:solidFill>
+                <a:latin typeface="Microsoft JhengHei" panose="020B0604030504040204" pitchFamily="34" charset="-120"/>
+                <a:ea typeface="Microsoft JhengHei" panose="020B0604030504040204" pitchFamily="34" charset="-120"/>
+              </a:rPr>
+              <a:t>我</a:t>
+            </a:r>
+            <a:endParaRPr lang="en-US" altLang="zh-CN" sz="4800" b="1" dirty="0">
+              <a:solidFill>
+                <a:srgbClr val="000066"/>
+              </a:solidFill>
+              <a:latin typeface="Microsoft JhengHei" panose="020B0604030504040204" pitchFamily="34" charset="-120"/>
+              <a:ea typeface="Microsoft JhengHei" panose="020B0604030504040204" pitchFamily="34" charset="-120"/>
+            </a:endParaRPr>
+          </a:p>
+          <a:p>
+            <a:pPr marL="0" indent="0" algn="ctr">
+              <a:buNone/>
+            </a:pPr>
+            <a:r>
+              <a:rPr lang="zh-CN" altLang="en-US" sz="4800" b="1" dirty="0">
+                <a:solidFill>
+                  <a:srgbClr val="000066"/>
+                </a:solidFill>
+                <a:latin typeface="Microsoft JhengHei" panose="020B0604030504040204" pitchFamily="34" charset="-120"/>
+                <a:ea typeface="Microsoft JhengHei" panose="020B0604030504040204" pitchFamily="34" charset="-120"/>
+              </a:rPr>
+              <a:t>願</a:t>
+            </a:r>
+            <a:r>
+              <a:rPr lang="zh-CN" altLang="en-US" sz="4800" b="1" dirty="0">
+                <a:solidFill>
+                  <a:srgbClr val="000066"/>
+                </a:solidFill>
+                <a:latin typeface="Microsoft JhengHei" panose="020B0604030504040204" pitchFamily="34" charset="-120"/>
+                <a:ea typeface="Microsoft JhengHei" panose="020B0604030504040204" pitchFamily="34" charset="-120"/>
+              </a:rPr>
+              <a:t>主現在充滿我</a:t>
+            </a:r>
+            <a:endParaRPr lang="en-US" altLang="zh-CN" sz="4800" b="1" dirty="0">
+              <a:solidFill>
+                <a:srgbClr val="000066"/>
+              </a:solidFill>
+              <a:latin typeface="Microsoft JhengHei" panose="020B0604030504040204" pitchFamily="34" charset="-120"/>
+              <a:ea typeface="Microsoft JhengHei" panose="020B0604030504040204" pitchFamily="34" charset="-120"/>
+            </a:endParaRPr>
+          </a:p>
+        </p:txBody>
+      </p:sp>
+    </p:spTree>
+    <p:extLst>
+      <p:ext uri="{BB962C8B-B14F-4D97-AF65-F5344CB8AC3E}">
+        <p14:creationId xmlns:p14="http://schemas.microsoft.com/office/powerpoint/2010/main" val="2288790997"/>
+      </p:ext>
+    </p:extLst>
+  </p:cSld>
+  <p:clrMapOvr>
+    <a:masterClrMapping/>
+  </p:clrMapOvr>
+  <p:timing>
+    <p:tnLst>
+      <p:par>
+        <p:cTn id="1" dur="indefinite" restart="never" nodeType="tmRoot"/>
+      </p:par>
+    </p:tnLst>
+  </p:timing>
 </p:sld>
 </file>
 
@@ -3404,300 +4491,126 @@
       </p:grpSpPr>
       <p:sp>
         <p:nvSpPr>
-          <p:cNvPr id="2" name="Title 1">
-            <a:extLst>
-              <a:ext uri="{FF2B5EF4-FFF2-40B4-BE49-F238E27FC236}">
-                <a16:creationId xmlns="" xmlns:a16="http://schemas.microsoft.com/office/drawing/2014/main" id="{087CBC1E-F37A-4D1B-B473-0BF3635162D9}"/>
-              </a:ext>
-            </a:extLst>
-          </p:cNvPr>
-          <p:cNvSpPr>
-            <a:spLocks noGrp="1"/>
-          </p:cNvSpPr>
-          <p:nvPr>
-            <p:ph type="title"/>
-          </p:nvPr>
-        </p:nvSpPr>
-        <p:spPr/>
-        <p:txBody>
-          <a:bodyPr>
+          <p:cNvPr id="5" name="內容版面配置區 4"/>
+          <p:cNvSpPr>
+            <a:spLocks noGrp="1"/>
+          </p:cNvSpPr>
+          <p:nvPr>
+            <p:ph idx="1"/>
+          </p:nvPr>
+        </p:nvSpPr>
+        <p:spPr>
+          <a:xfrm>
+            <a:off x="0" y="1563638"/>
+            <a:ext cx="9144000" cy="1803647"/>
+          </a:xfrm>
+        </p:spPr>
+        <p:txBody>
+          <a:bodyPr anchor="ctr">
             <a:normAutofit/>
           </a:bodyPr>
           <a:lstStyle/>
           <a:p>
-            <a:r>
-              <a:rPr lang="zh-CN" altLang="en-US" sz="4000" b="1" dirty="0">
-                <a:solidFill>
-                  <a:srgbClr val="660033"/>
-                </a:solidFill>
-                <a:latin typeface="Microsoft JhengHei" panose="020B0604030504040204" pitchFamily="34" charset="-120"/>
-                <a:ea typeface="Microsoft JhengHei" panose="020B0604030504040204" pitchFamily="34" charset="-120"/>
-              </a:rPr>
-              <a:t>充滿我</a:t>
-            </a:r>
-            <a:endParaRPr lang="en-US" sz="4000" b="1" dirty="0">
+            <a:pPr marL="0" indent="0" algn="ctr">
+              <a:buNone/>
+            </a:pPr>
+            <a:r>
+              <a:rPr lang="zh-CN" altLang="en-US" sz="4800" b="1" dirty="0">
+                <a:solidFill>
+                  <a:srgbClr val="000066"/>
+                </a:solidFill>
+                <a:latin typeface="Microsoft JhengHei" panose="020B0604030504040204" pitchFamily="34" charset="-120"/>
+                <a:ea typeface="Microsoft JhengHei" panose="020B0604030504040204" pitchFamily="34" charset="-120"/>
+              </a:rPr>
+              <a:t>真理聖靈在我心</a:t>
+            </a:r>
+            <a:r>
+              <a:rPr lang="zh-CN" altLang="en-US" sz="4800" b="1" dirty="0" smtClean="0">
+                <a:solidFill>
+                  <a:srgbClr val="000066"/>
+                </a:solidFill>
+                <a:latin typeface="Microsoft JhengHei" panose="020B0604030504040204" pitchFamily="34" charset="-120"/>
+                <a:ea typeface="Microsoft JhengHei" panose="020B0604030504040204" pitchFamily="34" charset="-120"/>
+              </a:rPr>
+              <a:t>中</a:t>
+            </a:r>
+            <a:endParaRPr lang="en-US" altLang="zh-CN" sz="4800" b="1" dirty="0" smtClean="0">
               <a:solidFill>
-                <a:srgbClr val="660033"/>
+                <a:srgbClr val="000066"/>
               </a:solidFill>
               <a:latin typeface="Microsoft JhengHei" panose="020B0604030504040204" pitchFamily="34" charset="-120"/>
               <a:ea typeface="Microsoft JhengHei" panose="020B0604030504040204" pitchFamily="34" charset="-120"/>
             </a:endParaRPr>
           </a:p>
-        </p:txBody>
-      </p:sp>
-      <p:sp>
-        <p:nvSpPr>
-          <p:cNvPr id="3" name="Content Placeholder 2">
-            <a:extLst>
-              <a:ext uri="{FF2B5EF4-FFF2-40B4-BE49-F238E27FC236}">
-                <a16:creationId xmlns="" xmlns:a16="http://schemas.microsoft.com/office/drawing/2014/main" id="{5D99624C-92D2-4704-98F5-EA3D1B79589B}"/>
-              </a:ext>
-            </a:extLst>
-          </p:cNvPr>
-          <p:cNvSpPr>
-            <a:spLocks noGrp="1"/>
-          </p:cNvSpPr>
-          <p:nvPr>
-            <p:ph idx="1"/>
-          </p:nvPr>
-        </p:nvSpPr>
-        <p:spPr>
-          <a:xfrm>
-            <a:off x="0" y="1200151"/>
-            <a:ext cx="9144000" cy="3394472"/>
-          </a:xfrm>
-        </p:spPr>
-        <p:txBody>
-          <a:bodyPr>
-            <a:normAutofit/>
-          </a:bodyPr>
-          <a:lstStyle/>
           <a:p>
             <a:pPr marL="0" indent="0" algn="ctr">
               <a:buNone/>
             </a:pPr>
             <a:r>
-              <a:rPr lang="zh-CN" altLang="en-US" sz="4400" b="1" dirty="0">
-                <a:solidFill>
-                  <a:srgbClr val="660033"/>
-                </a:solidFill>
-                <a:latin typeface="Microsoft JhengHei" panose="020B0604030504040204" pitchFamily="34" charset="-120"/>
-                <a:ea typeface="Microsoft JhengHei" panose="020B0604030504040204" pitchFamily="34" charset="-120"/>
-              </a:rPr>
-              <a:t>懇求聖靈來釋放</a:t>
-            </a:r>
-            <a:r>
-              <a:rPr lang="zh-CN" altLang="en-US" sz="4400" b="1" dirty="0" smtClean="0">
-                <a:solidFill>
-                  <a:srgbClr val="660033"/>
-                </a:solidFill>
-                <a:latin typeface="Microsoft JhengHei" panose="020B0604030504040204" pitchFamily="34" charset="-120"/>
-                <a:ea typeface="Microsoft JhengHei" panose="020B0604030504040204" pitchFamily="34" charset="-120"/>
-              </a:rPr>
-              <a:t>我</a:t>
-            </a:r>
-            <a:r>
-              <a:rPr lang="en-US" altLang="zh-CN" sz="4400" b="1" dirty="0">
-                <a:solidFill>
-                  <a:srgbClr val="660033"/>
-                </a:solidFill>
-                <a:latin typeface="Microsoft JhengHei" panose="020B0604030504040204" pitchFamily="34" charset="-120"/>
-                <a:ea typeface="Microsoft JhengHei" panose="020B0604030504040204" pitchFamily="34" charset="-120"/>
-              </a:rPr>
-              <a:t> </a:t>
-            </a:r>
-            <a:r>
-              <a:rPr lang="en-US" altLang="zh-CN" sz="4400" b="1" dirty="0" smtClean="0">
-                <a:solidFill>
-                  <a:srgbClr val="660033"/>
-                </a:solidFill>
-                <a:latin typeface="Microsoft JhengHei" panose="020B0604030504040204" pitchFamily="34" charset="-120"/>
-                <a:ea typeface="Microsoft JhengHei" panose="020B0604030504040204" pitchFamily="34" charset="-120"/>
-              </a:rPr>
-              <a:t> </a:t>
-            </a:r>
-            <a:r>
-              <a:rPr lang="zh-CN" altLang="en-US" sz="4400" b="1" dirty="0" smtClean="0">
-                <a:solidFill>
-                  <a:srgbClr val="660033"/>
-                </a:solidFill>
-                <a:latin typeface="Microsoft JhengHei" panose="020B0604030504040204" pitchFamily="34" charset="-120"/>
-                <a:ea typeface="Microsoft JhengHei" panose="020B0604030504040204" pitchFamily="34" charset="-120"/>
-              </a:rPr>
-              <a:t>罪</a:t>
-            </a:r>
-            <a:r>
-              <a:rPr lang="zh-CN" altLang="en-US" sz="4400" b="1" dirty="0">
-                <a:solidFill>
-                  <a:srgbClr val="660033"/>
-                </a:solidFill>
-                <a:latin typeface="Microsoft JhengHei" panose="020B0604030504040204" pitchFamily="34" charset="-120"/>
-                <a:ea typeface="Microsoft JhengHei" panose="020B0604030504040204" pitchFamily="34" charset="-120"/>
-              </a:rPr>
-              <a:t>與死律致盡脫</a:t>
-            </a:r>
-            <a:endParaRPr lang="en-US" altLang="zh-CN" sz="4400" b="1" dirty="0">
+              <a:rPr lang="zh-CN" altLang="en-US" sz="4800" b="1" dirty="0" smtClean="0">
+                <a:solidFill>
+                  <a:srgbClr val="000066"/>
+                </a:solidFill>
+                <a:latin typeface="Microsoft JhengHei" panose="020B0604030504040204" pitchFamily="34" charset="-120"/>
+                <a:ea typeface="Microsoft JhengHei" panose="020B0604030504040204" pitchFamily="34" charset="-120"/>
+              </a:rPr>
+              <a:t>自</a:t>
+            </a:r>
+            <a:r>
+              <a:rPr lang="zh-CN" altLang="en-US" sz="4800" b="1" dirty="0">
+                <a:solidFill>
+                  <a:srgbClr val="000066"/>
+                </a:solidFill>
+                <a:latin typeface="Microsoft JhengHei" panose="020B0604030504040204" pitchFamily="34" charset="-120"/>
+                <a:ea typeface="Microsoft JhengHei" panose="020B0604030504040204" pitchFamily="34" charset="-120"/>
+              </a:rPr>
+              <a:t>由運行作善工</a:t>
+            </a:r>
+            <a:endParaRPr lang="en-US" altLang="zh-CN" sz="4800" b="1" dirty="0">
               <a:solidFill>
-                <a:srgbClr val="660033"/>
+                <a:srgbClr val="000066"/>
               </a:solidFill>
               <a:latin typeface="Microsoft JhengHei" panose="020B0604030504040204" pitchFamily="34" charset="-120"/>
               <a:ea typeface="Microsoft JhengHei" panose="020B0604030504040204" pitchFamily="34" charset="-120"/>
             </a:endParaRPr>
           </a:p>
-          <a:p>
-            <a:pPr marL="0" indent="0" algn="ctr">
-              <a:buNone/>
-            </a:pPr>
-            <a:r>
-              <a:rPr lang="zh-CN" altLang="en-US" sz="4400" b="1" dirty="0">
-                <a:solidFill>
-                  <a:srgbClr val="660033"/>
-                </a:solidFill>
-                <a:latin typeface="Microsoft JhengHei" panose="020B0604030504040204" pitchFamily="34" charset="-120"/>
-                <a:ea typeface="Microsoft JhengHei" panose="020B0604030504040204" pitchFamily="34" charset="-120"/>
-              </a:rPr>
-              <a:t>除去污穢使我成</a:t>
-            </a:r>
-            <a:r>
-              <a:rPr lang="zh-CN" altLang="en-US" sz="4400" b="1" dirty="0" smtClean="0">
-                <a:solidFill>
-                  <a:srgbClr val="660033"/>
-                </a:solidFill>
-                <a:latin typeface="Microsoft JhengHei" panose="020B0604030504040204" pitchFamily="34" charset="-120"/>
-                <a:ea typeface="Microsoft JhengHei" panose="020B0604030504040204" pitchFamily="34" charset="-120"/>
-              </a:rPr>
-              <a:t>聖</a:t>
-            </a:r>
-            <a:r>
-              <a:rPr lang="en-US" altLang="zh-CN" sz="4400" b="1" dirty="0">
-                <a:solidFill>
-                  <a:srgbClr val="660033"/>
-                </a:solidFill>
-                <a:latin typeface="Microsoft JhengHei" panose="020B0604030504040204" pitchFamily="34" charset="-120"/>
-                <a:ea typeface="Microsoft JhengHei" panose="020B0604030504040204" pitchFamily="34" charset="-120"/>
-              </a:rPr>
-              <a:t> </a:t>
-            </a:r>
-            <a:r>
-              <a:rPr lang="en-US" altLang="zh-CN" sz="4400" b="1" dirty="0" smtClean="0">
-                <a:solidFill>
-                  <a:srgbClr val="660033"/>
-                </a:solidFill>
-                <a:latin typeface="Microsoft JhengHei" panose="020B0604030504040204" pitchFamily="34" charset="-120"/>
-                <a:ea typeface="Microsoft JhengHei" panose="020B0604030504040204" pitchFamily="34" charset="-120"/>
-              </a:rPr>
-              <a:t> </a:t>
-            </a:r>
-            <a:r>
-              <a:rPr lang="zh-CN" altLang="en-US" sz="4400" b="1" dirty="0" smtClean="0">
-                <a:solidFill>
-                  <a:srgbClr val="660033"/>
-                </a:solidFill>
-                <a:latin typeface="Microsoft JhengHei" panose="020B0604030504040204" pitchFamily="34" charset="-120"/>
-                <a:ea typeface="Microsoft JhengHei" panose="020B0604030504040204" pitchFamily="34" charset="-120"/>
-              </a:rPr>
-              <a:t>平</a:t>
-            </a:r>
-            <a:r>
-              <a:rPr lang="zh-CN" altLang="en-US" sz="4400" b="1" dirty="0">
-                <a:solidFill>
-                  <a:srgbClr val="660033"/>
-                </a:solidFill>
-                <a:latin typeface="Microsoft JhengHei" panose="020B0604030504040204" pitchFamily="34" charset="-120"/>
-                <a:ea typeface="Microsoft JhengHei" panose="020B0604030504040204" pitchFamily="34" charset="-120"/>
-              </a:rPr>
-              <a:t>安喜樂常得</a:t>
-            </a:r>
-            <a:r>
-              <a:rPr lang="zh-CN" altLang="en-US" sz="4400" b="1" dirty="0" smtClean="0">
-                <a:solidFill>
-                  <a:srgbClr val="660033"/>
-                </a:solidFill>
-                <a:latin typeface="Microsoft JhengHei" panose="020B0604030504040204" pitchFamily="34" charset="-120"/>
-                <a:ea typeface="Microsoft JhengHei" panose="020B0604030504040204" pitchFamily="34" charset="-120"/>
-              </a:rPr>
-              <a:t>勝</a:t>
-            </a:r>
-            <a:endParaRPr lang="en-US" altLang="zh-CN" sz="4400" b="1" dirty="0" smtClean="0">
+        </p:txBody>
+      </p:sp>
+      <p:sp>
+        <p:nvSpPr>
+          <p:cNvPr id="3" name="TextBox 2"/>
+          <p:cNvSpPr txBox="1"/>
+          <p:nvPr/>
+        </p:nvSpPr>
+        <p:spPr>
+          <a:xfrm>
+            <a:off x="0" y="3795886"/>
+            <a:ext cx="9144000" cy="646331"/>
+          </a:xfrm>
+          <a:prstGeom prst="rect">
+            <a:avLst/>
+          </a:prstGeom>
+          <a:noFill/>
+        </p:spPr>
+        <p:txBody>
+          <a:bodyPr wrap="square" rtlCol="0">
+            <a:spAutoFit/>
+          </a:bodyPr>
+          <a:lstStyle/>
+          <a:p>
+            <a:pPr algn="ctr"/>
+            <a:r>
+              <a:rPr lang="en-US" sz="3600" b="1" dirty="0" smtClean="0">
+                <a:solidFill>
+                  <a:srgbClr val="000066"/>
+                </a:solidFill>
+              </a:rPr>
+              <a:t>( 1 )</a:t>
+            </a:r>
+            <a:endParaRPr lang="vi-VN" sz="3600" b="1" dirty="0">
               <a:solidFill>
-                <a:srgbClr val="660033"/>
+                <a:srgbClr val="000066"/>
               </a:solidFill>
-              <a:latin typeface="Microsoft JhengHei" panose="020B0604030504040204" pitchFamily="34" charset="-120"/>
-              <a:ea typeface="Microsoft JhengHei" panose="020B0604030504040204" pitchFamily="34" charset="-120"/>
-            </a:endParaRPr>
-          </a:p>
-          <a:p>
-            <a:pPr marL="0" indent="0" algn="ctr">
-              <a:buNone/>
-            </a:pPr>
-            <a:r>
-              <a:rPr lang="zh-CN" altLang="en-US" sz="4400" b="1" dirty="0">
-                <a:solidFill>
-                  <a:srgbClr val="660033"/>
-                </a:solidFill>
-                <a:latin typeface="Microsoft JhengHei" panose="020B0604030504040204" pitchFamily="34" charset="-120"/>
-                <a:ea typeface="Microsoft JhengHei" panose="020B0604030504040204" pitchFamily="34" charset="-120"/>
-              </a:rPr>
-              <a:t>充滿我充滿我</a:t>
-            </a:r>
-            <a:r>
-              <a:rPr lang="en-US" altLang="zh-CN" sz="4400" b="1" dirty="0">
-                <a:solidFill>
-                  <a:srgbClr val="660033"/>
-                </a:solidFill>
-                <a:latin typeface="Microsoft JhengHei" panose="020B0604030504040204" pitchFamily="34" charset="-120"/>
-                <a:ea typeface="Microsoft JhengHei" panose="020B0604030504040204" pitchFamily="34" charset="-120"/>
-              </a:rPr>
-              <a:t>  </a:t>
-            </a:r>
-            <a:r>
-              <a:rPr lang="zh-CN" altLang="en-US" sz="4400" b="1" dirty="0">
-                <a:solidFill>
-                  <a:srgbClr val="660033"/>
-                </a:solidFill>
-                <a:latin typeface="Microsoft JhengHei" panose="020B0604030504040204" pitchFamily="34" charset="-120"/>
-                <a:ea typeface="Microsoft JhengHei" panose="020B0604030504040204" pitchFamily="34" charset="-120"/>
-              </a:rPr>
-              <a:t>求耶穌來充滿我</a:t>
-            </a:r>
-            <a:endParaRPr lang="en-US" altLang="zh-CN" sz="4400" b="1" dirty="0">
-              <a:solidFill>
-                <a:srgbClr val="660033"/>
-              </a:solidFill>
-              <a:latin typeface="Microsoft JhengHei" panose="020B0604030504040204" pitchFamily="34" charset="-120"/>
-              <a:ea typeface="Microsoft JhengHei" panose="020B0604030504040204" pitchFamily="34" charset="-120"/>
-            </a:endParaRPr>
-          </a:p>
-          <a:p>
-            <a:pPr marL="0" indent="0" algn="ctr">
-              <a:buNone/>
-            </a:pPr>
-            <a:r>
-              <a:rPr lang="zh-CN" altLang="en-US" sz="4400" b="1" dirty="0">
-                <a:solidFill>
-                  <a:srgbClr val="660033"/>
-                </a:solidFill>
-                <a:latin typeface="Microsoft JhengHei" panose="020B0604030504040204" pitchFamily="34" charset="-120"/>
-                <a:ea typeface="Microsoft JhengHei" panose="020B0604030504040204" pitchFamily="34" charset="-120"/>
-              </a:rPr>
-              <a:t>榮耀聖靈來充滿我  願主現在充滿</a:t>
-            </a:r>
-            <a:r>
-              <a:rPr lang="zh-CN" altLang="en-US" sz="4400" b="1" dirty="0" smtClean="0">
-                <a:solidFill>
-                  <a:srgbClr val="660033"/>
-                </a:solidFill>
-                <a:latin typeface="Microsoft JhengHei" panose="020B0604030504040204" pitchFamily="34" charset="-120"/>
-                <a:ea typeface="Microsoft JhengHei" panose="020B0604030504040204" pitchFamily="34" charset="-120"/>
-              </a:rPr>
-              <a:t>我</a:t>
-            </a:r>
-            <a:endParaRPr lang="en-US" altLang="zh-CN" sz="4400" b="1" dirty="0">
-              <a:solidFill>
-                <a:srgbClr val="660033"/>
-              </a:solidFill>
-              <a:latin typeface="Microsoft JhengHei" panose="020B0604030504040204" pitchFamily="34" charset="-120"/>
-              <a:ea typeface="Microsoft JhengHei" panose="020B0604030504040204" pitchFamily="34" charset="-120"/>
             </a:endParaRPr>
           </a:p>
         </p:txBody>
@@ -3705,13 +4618,20 @@
     </p:spTree>
     <p:extLst>
       <p:ext uri="{BB962C8B-B14F-4D97-AF65-F5344CB8AC3E}">
-        <p14:creationId xmlns:p14="http://schemas.microsoft.com/office/powerpoint/2010/main" val="2497773266"/>
+        <p14:creationId xmlns:p14="http://schemas.microsoft.com/office/powerpoint/2010/main" val="143777138"/>
       </p:ext>
     </p:extLst>
   </p:cSld>
   <p:clrMapOvr>
     <a:masterClrMapping/>
   </p:clrMapOvr>
+  <p:timing>
+    <p:tnLst>
+      <p:par>
+        <p:cTn id="1" dur="indefinite" restart="never" nodeType="tmRoot"/>
+      </p:par>
+    </p:tnLst>
+  </p:timing>
 </p:sld>
 </file>
 
@@ -3734,290 +4654,126 @@
       </p:grpSpPr>
       <p:sp>
         <p:nvSpPr>
-          <p:cNvPr id="2" name="Title 1">
-            <a:extLst>
-              <a:ext uri="{FF2B5EF4-FFF2-40B4-BE49-F238E27FC236}">
-                <a16:creationId xmlns="" xmlns:a16="http://schemas.microsoft.com/office/drawing/2014/main" id="{087CBC1E-F37A-4D1B-B473-0BF3635162D9}"/>
-              </a:ext>
-            </a:extLst>
-          </p:cNvPr>
-          <p:cNvSpPr>
-            <a:spLocks noGrp="1"/>
-          </p:cNvSpPr>
-          <p:nvPr>
-            <p:ph type="title"/>
-          </p:nvPr>
-        </p:nvSpPr>
-        <p:spPr/>
-        <p:txBody>
-          <a:bodyPr>
+          <p:cNvPr id="5" name="內容版面配置區 4"/>
+          <p:cNvSpPr>
+            <a:spLocks noGrp="1"/>
+          </p:cNvSpPr>
+          <p:nvPr>
+            <p:ph idx="1"/>
+          </p:nvPr>
+        </p:nvSpPr>
+        <p:spPr>
+          <a:xfrm>
+            <a:off x="0" y="1563638"/>
+            <a:ext cx="9144000" cy="1803647"/>
+          </a:xfrm>
+        </p:spPr>
+        <p:txBody>
+          <a:bodyPr anchor="ctr">
             <a:normAutofit/>
           </a:bodyPr>
           <a:lstStyle/>
           <a:p>
-            <a:r>
-              <a:rPr lang="zh-CN" altLang="en-US" sz="4000" b="1" dirty="0">
-                <a:solidFill>
-                  <a:srgbClr val="660033"/>
-                </a:solidFill>
-                <a:latin typeface="Microsoft JhengHei" panose="020B0604030504040204" pitchFamily="34" charset="-120"/>
-                <a:ea typeface="Microsoft JhengHei" panose="020B0604030504040204" pitchFamily="34" charset="-120"/>
-              </a:rPr>
-              <a:t>充滿我</a:t>
-            </a:r>
-            <a:endParaRPr lang="en-US" sz="4000" b="1" dirty="0">
+            <a:pPr marL="0" indent="0" algn="ctr">
+              <a:buNone/>
+            </a:pPr>
+            <a:r>
+              <a:rPr lang="zh-CN" altLang="en-US" sz="4800" b="1" dirty="0">
+                <a:solidFill>
+                  <a:srgbClr val="000066"/>
+                </a:solidFill>
+                <a:latin typeface="Microsoft JhengHei" panose="020B0604030504040204" pitchFamily="34" charset="-120"/>
+                <a:ea typeface="Microsoft JhengHei" panose="020B0604030504040204" pitchFamily="34" charset="-120"/>
+              </a:rPr>
+              <a:t>發亮光照耀我心</a:t>
+            </a:r>
+            <a:r>
+              <a:rPr lang="zh-CN" altLang="en-US" sz="4800" b="1" dirty="0">
+                <a:solidFill>
+                  <a:srgbClr val="000066"/>
+                </a:solidFill>
+                <a:latin typeface="Microsoft JhengHei" panose="020B0604030504040204" pitchFamily="34" charset="-120"/>
+                <a:ea typeface="Microsoft JhengHei" panose="020B0604030504040204" pitchFamily="34" charset="-120"/>
+              </a:rPr>
+              <a:t>裏</a:t>
+            </a:r>
+            <a:endParaRPr lang="en-US" altLang="zh-CN" sz="4800" b="1" dirty="0">
               <a:solidFill>
-                <a:srgbClr val="660033"/>
+                <a:srgbClr val="000066"/>
               </a:solidFill>
               <a:latin typeface="Microsoft JhengHei" panose="020B0604030504040204" pitchFamily="34" charset="-120"/>
               <a:ea typeface="Microsoft JhengHei" panose="020B0604030504040204" pitchFamily="34" charset="-120"/>
             </a:endParaRPr>
           </a:p>
-        </p:txBody>
-      </p:sp>
-      <p:sp>
-        <p:nvSpPr>
-          <p:cNvPr id="3" name="Content Placeholder 2">
-            <a:extLst>
-              <a:ext uri="{FF2B5EF4-FFF2-40B4-BE49-F238E27FC236}">
-                <a16:creationId xmlns="" xmlns:a16="http://schemas.microsoft.com/office/drawing/2014/main" id="{5D99624C-92D2-4704-98F5-EA3D1B79589B}"/>
-              </a:ext>
-            </a:extLst>
-          </p:cNvPr>
-          <p:cNvSpPr>
-            <a:spLocks noGrp="1"/>
-          </p:cNvSpPr>
-          <p:nvPr>
-            <p:ph idx="1"/>
-          </p:nvPr>
-        </p:nvSpPr>
-        <p:spPr>
-          <a:xfrm>
-            <a:off x="0" y="1200151"/>
-            <a:ext cx="9144000" cy="3394472"/>
-          </a:xfrm>
-        </p:spPr>
-        <p:txBody>
-          <a:bodyPr>
-            <a:normAutofit/>
-          </a:bodyPr>
-          <a:lstStyle/>
           <a:p>
             <a:pPr marL="0" indent="0" algn="ctr">
               <a:buNone/>
             </a:pPr>
             <a:r>
-              <a:rPr lang="zh-CN" altLang="en-US" sz="4400" b="1" dirty="0">
-                <a:solidFill>
-                  <a:srgbClr val="660033"/>
-                </a:solidFill>
-                <a:latin typeface="Microsoft JhengHei" panose="020B0604030504040204" pitchFamily="34" charset="-120"/>
-                <a:ea typeface="Microsoft JhengHei" panose="020B0604030504040204" pitchFamily="34" charset="-120"/>
-              </a:rPr>
-              <a:t>有如渴鹿愛慕溪</a:t>
-            </a:r>
-            <a:r>
-              <a:rPr lang="zh-CN" altLang="en-US" sz="4400" b="1" dirty="0" smtClean="0">
-                <a:solidFill>
-                  <a:srgbClr val="660033"/>
-                </a:solidFill>
-                <a:latin typeface="Microsoft JhengHei" panose="020B0604030504040204" pitchFamily="34" charset="-120"/>
-                <a:ea typeface="Microsoft JhengHei" panose="020B0604030504040204" pitchFamily="34" charset="-120"/>
-              </a:rPr>
-              <a:t>水</a:t>
-            </a:r>
-            <a:r>
-              <a:rPr lang="en-US" altLang="zh-CN" sz="4400" b="1" dirty="0">
-                <a:solidFill>
-                  <a:srgbClr val="660033"/>
-                </a:solidFill>
-                <a:latin typeface="Microsoft JhengHei" panose="020B0604030504040204" pitchFamily="34" charset="-120"/>
-                <a:ea typeface="Microsoft JhengHei" panose="020B0604030504040204" pitchFamily="34" charset="-120"/>
-              </a:rPr>
-              <a:t> </a:t>
-            </a:r>
-            <a:r>
-              <a:rPr lang="en-US" altLang="zh-CN" sz="4400" b="1" dirty="0" smtClean="0">
-                <a:solidFill>
-                  <a:srgbClr val="660033"/>
-                </a:solidFill>
-                <a:latin typeface="Microsoft JhengHei" panose="020B0604030504040204" pitchFamily="34" charset="-120"/>
-                <a:ea typeface="Microsoft JhengHei" panose="020B0604030504040204" pitchFamily="34" charset="-120"/>
-              </a:rPr>
-              <a:t> </a:t>
-            </a:r>
-            <a:r>
-              <a:rPr lang="zh-CN" altLang="en-US" sz="4400" b="1" dirty="0" smtClean="0">
-                <a:solidFill>
-                  <a:srgbClr val="660033"/>
-                </a:solidFill>
-                <a:latin typeface="Microsoft JhengHei" panose="020B0604030504040204" pitchFamily="34" charset="-120"/>
-                <a:ea typeface="Microsoft JhengHei" panose="020B0604030504040204" pitchFamily="34" charset="-120"/>
-              </a:rPr>
-              <a:t>我</a:t>
-            </a:r>
-            <a:r>
-              <a:rPr lang="zh-CN" altLang="en-US" sz="4400" b="1" dirty="0">
-                <a:solidFill>
-                  <a:srgbClr val="660033"/>
-                </a:solidFill>
-                <a:latin typeface="Microsoft JhengHei" panose="020B0604030504040204" pitchFamily="34" charset="-120"/>
-                <a:ea typeface="Microsoft JhengHei" panose="020B0604030504040204" pitchFamily="34" charset="-120"/>
-              </a:rPr>
-              <a:t>心渴慕主恩惠</a:t>
-            </a:r>
-            <a:endParaRPr lang="en-US" altLang="zh-CN" sz="4400" b="1" dirty="0">
+              <a:rPr lang="zh-CN" altLang="en-US" sz="4800" b="1" dirty="0">
+                <a:solidFill>
+                  <a:srgbClr val="000066"/>
+                </a:solidFill>
+                <a:latin typeface="Microsoft JhengHei" panose="020B0604030504040204" pitchFamily="34" charset="-120"/>
+                <a:ea typeface="Microsoft JhengHei" panose="020B0604030504040204" pitchFamily="34" charset="-120"/>
+              </a:rPr>
+              <a:t>教</a:t>
+            </a:r>
+            <a:r>
+              <a:rPr lang="zh-CN" altLang="en-US" sz="4800" b="1" dirty="0">
+                <a:solidFill>
+                  <a:srgbClr val="000066"/>
+                </a:solidFill>
+                <a:latin typeface="Microsoft JhengHei" panose="020B0604030504040204" pitchFamily="34" charset="-120"/>
+                <a:ea typeface="Microsoft JhengHei" panose="020B0604030504040204" pitchFamily="34" charset="-120"/>
+              </a:rPr>
+              <a:t>我識主並自己</a:t>
+            </a:r>
+            <a:endParaRPr lang="en-US" altLang="zh-CN" sz="4800" b="1" dirty="0">
               <a:solidFill>
-                <a:srgbClr val="660033"/>
+                <a:srgbClr val="000066"/>
               </a:solidFill>
               <a:latin typeface="Microsoft JhengHei" panose="020B0604030504040204" pitchFamily="34" charset="-120"/>
               <a:ea typeface="Microsoft JhengHei" panose="020B0604030504040204" pitchFamily="34" charset="-120"/>
             </a:endParaRPr>
           </a:p>
-          <a:p>
-            <a:pPr marL="0" indent="0" algn="ctr">
-              <a:buNone/>
-            </a:pPr>
-            <a:r>
-              <a:rPr lang="zh-CN" altLang="en-US" sz="4400" b="1" dirty="0">
-                <a:solidFill>
-                  <a:srgbClr val="660033"/>
-                </a:solidFill>
-                <a:latin typeface="Microsoft JhengHei" panose="020B0604030504040204" pitchFamily="34" charset="-120"/>
-                <a:ea typeface="Microsoft JhengHei" panose="020B0604030504040204" pitchFamily="34" charset="-120"/>
-              </a:rPr>
-              <a:t>活水江河願主湧</a:t>
-            </a:r>
-            <a:r>
-              <a:rPr lang="zh-CN" altLang="en-US" sz="4400" b="1" dirty="0" smtClean="0">
-                <a:solidFill>
-                  <a:srgbClr val="660033"/>
-                </a:solidFill>
-                <a:latin typeface="Microsoft JhengHei" panose="020B0604030504040204" pitchFamily="34" charset="-120"/>
-                <a:ea typeface="Microsoft JhengHei" panose="020B0604030504040204" pitchFamily="34" charset="-120"/>
-              </a:rPr>
-              <a:t>起</a:t>
-            </a:r>
-            <a:r>
-              <a:rPr lang="en-US" altLang="zh-CN" sz="4400" b="1" dirty="0">
-                <a:solidFill>
-                  <a:srgbClr val="660033"/>
-                </a:solidFill>
-                <a:latin typeface="Microsoft JhengHei" panose="020B0604030504040204" pitchFamily="34" charset="-120"/>
-                <a:ea typeface="Microsoft JhengHei" panose="020B0604030504040204" pitchFamily="34" charset="-120"/>
-              </a:rPr>
-              <a:t> </a:t>
-            </a:r>
-            <a:r>
-              <a:rPr lang="en-US" altLang="zh-CN" sz="4400" b="1" dirty="0" smtClean="0">
-                <a:solidFill>
-                  <a:srgbClr val="660033"/>
-                </a:solidFill>
-                <a:latin typeface="Microsoft JhengHei" panose="020B0604030504040204" pitchFamily="34" charset="-120"/>
-                <a:ea typeface="Microsoft JhengHei" panose="020B0604030504040204" pitchFamily="34" charset="-120"/>
-              </a:rPr>
-              <a:t> </a:t>
-            </a:r>
-            <a:r>
-              <a:rPr lang="zh-CN" altLang="en-US" sz="4400" b="1" dirty="0" smtClean="0">
-                <a:solidFill>
-                  <a:srgbClr val="660033"/>
-                </a:solidFill>
-                <a:latin typeface="Microsoft JhengHei" panose="020B0604030504040204" pitchFamily="34" charset="-120"/>
-                <a:ea typeface="Microsoft JhengHei" panose="020B0604030504040204" pitchFamily="34" charset="-120"/>
-              </a:rPr>
-              <a:t>在</a:t>
-            </a:r>
-            <a:r>
-              <a:rPr lang="zh-CN" altLang="en-US" sz="4400" b="1" dirty="0">
-                <a:solidFill>
-                  <a:srgbClr val="660033"/>
-                </a:solidFill>
-                <a:latin typeface="Microsoft JhengHei" panose="020B0604030504040204" pitchFamily="34" charset="-120"/>
-                <a:ea typeface="Microsoft JhengHei" panose="020B0604030504040204" pitchFamily="34" charset="-120"/>
-              </a:rPr>
-              <a:t>我心中流不</a:t>
-            </a:r>
-            <a:r>
-              <a:rPr lang="zh-CN" altLang="en-US" sz="4400" b="1" dirty="0" smtClean="0">
-                <a:solidFill>
-                  <a:srgbClr val="660033"/>
-                </a:solidFill>
-                <a:latin typeface="Microsoft JhengHei" panose="020B0604030504040204" pitchFamily="34" charset="-120"/>
-                <a:ea typeface="Microsoft JhengHei" panose="020B0604030504040204" pitchFamily="34" charset="-120"/>
-              </a:rPr>
-              <a:t>息</a:t>
-            </a:r>
-            <a:endParaRPr lang="en-US" altLang="zh-CN" sz="4400" b="1" dirty="0" smtClean="0">
+        </p:txBody>
+      </p:sp>
+      <p:sp>
+        <p:nvSpPr>
+          <p:cNvPr id="3" name="TextBox 2"/>
+          <p:cNvSpPr txBox="1"/>
+          <p:nvPr/>
+        </p:nvSpPr>
+        <p:spPr>
+          <a:xfrm>
+            <a:off x="0" y="3795886"/>
+            <a:ext cx="9144000" cy="646331"/>
+          </a:xfrm>
+          <a:prstGeom prst="rect">
+            <a:avLst/>
+          </a:prstGeom>
+          <a:noFill/>
+        </p:spPr>
+        <p:txBody>
+          <a:bodyPr wrap="square" rtlCol="0">
+            <a:spAutoFit/>
+          </a:bodyPr>
+          <a:lstStyle/>
+          <a:p>
+            <a:pPr algn="ctr"/>
+            <a:r>
+              <a:rPr lang="en-US" sz="3600" b="1" dirty="0" smtClean="0">
+                <a:solidFill>
+                  <a:srgbClr val="000066"/>
+                </a:solidFill>
+              </a:rPr>
+              <a:t>( 1 )</a:t>
+            </a:r>
+            <a:endParaRPr lang="vi-VN" sz="3600" b="1" dirty="0">
               <a:solidFill>
-                <a:srgbClr val="660033"/>
+                <a:srgbClr val="000066"/>
               </a:solidFill>
-              <a:latin typeface="Microsoft JhengHei" panose="020B0604030504040204" pitchFamily="34" charset="-120"/>
-              <a:ea typeface="Microsoft JhengHei" panose="020B0604030504040204" pitchFamily="34" charset="-120"/>
-            </a:endParaRPr>
-          </a:p>
-          <a:p>
-            <a:pPr marL="0" indent="0" algn="ctr">
-              <a:buNone/>
-            </a:pPr>
-            <a:r>
-              <a:rPr lang="zh-CN" altLang="en-US" sz="4400" b="1" dirty="0">
-                <a:solidFill>
-                  <a:srgbClr val="660033"/>
-                </a:solidFill>
-                <a:latin typeface="Microsoft JhengHei" panose="020B0604030504040204" pitchFamily="34" charset="-120"/>
-                <a:ea typeface="Microsoft JhengHei" panose="020B0604030504040204" pitchFamily="34" charset="-120"/>
-              </a:rPr>
-              <a:t>充滿我充滿我</a:t>
-            </a:r>
-            <a:r>
-              <a:rPr lang="en-US" altLang="zh-CN" sz="4400" b="1" dirty="0">
-                <a:solidFill>
-                  <a:srgbClr val="660033"/>
-                </a:solidFill>
-                <a:latin typeface="Microsoft JhengHei" panose="020B0604030504040204" pitchFamily="34" charset="-120"/>
-                <a:ea typeface="Microsoft JhengHei" panose="020B0604030504040204" pitchFamily="34" charset="-120"/>
-              </a:rPr>
-              <a:t>  </a:t>
-            </a:r>
-            <a:r>
-              <a:rPr lang="zh-CN" altLang="en-US" sz="4400" b="1" dirty="0">
-                <a:solidFill>
-                  <a:srgbClr val="660033"/>
-                </a:solidFill>
-                <a:latin typeface="Microsoft JhengHei" panose="020B0604030504040204" pitchFamily="34" charset="-120"/>
-                <a:ea typeface="Microsoft JhengHei" panose="020B0604030504040204" pitchFamily="34" charset="-120"/>
-              </a:rPr>
-              <a:t>求耶穌來充滿我</a:t>
-            </a:r>
-            <a:endParaRPr lang="en-US" altLang="zh-CN" sz="4400" b="1" dirty="0">
-              <a:solidFill>
-                <a:srgbClr val="660033"/>
-              </a:solidFill>
-              <a:latin typeface="Microsoft JhengHei" panose="020B0604030504040204" pitchFamily="34" charset="-120"/>
-              <a:ea typeface="Microsoft JhengHei" panose="020B0604030504040204" pitchFamily="34" charset="-120"/>
-            </a:endParaRPr>
-          </a:p>
-          <a:p>
-            <a:pPr marL="0" indent="0" algn="ctr">
-              <a:buNone/>
-            </a:pPr>
-            <a:r>
-              <a:rPr lang="zh-CN" altLang="en-US" sz="4400" b="1" dirty="0">
-                <a:solidFill>
-                  <a:srgbClr val="660033"/>
-                </a:solidFill>
-                <a:latin typeface="Microsoft JhengHei" panose="020B0604030504040204" pitchFamily="34" charset="-120"/>
-                <a:ea typeface="Microsoft JhengHei" panose="020B0604030504040204" pitchFamily="34" charset="-120"/>
-              </a:rPr>
-              <a:t>榮耀聖靈來充滿我  願主現在充滿我</a:t>
-            </a:r>
-            <a:endParaRPr lang="en-US" altLang="zh-CN" sz="4400" b="1" dirty="0">
-              <a:solidFill>
-                <a:srgbClr val="660033"/>
-              </a:solidFill>
-              <a:latin typeface="Microsoft JhengHei" panose="020B0604030504040204" pitchFamily="34" charset="-120"/>
-              <a:ea typeface="Microsoft JhengHei" panose="020B0604030504040204" pitchFamily="34" charset="-120"/>
             </a:endParaRPr>
           </a:p>
         </p:txBody>
@@ -4025,13 +4781,20 @@
     </p:spTree>
     <p:extLst>
       <p:ext uri="{BB962C8B-B14F-4D97-AF65-F5344CB8AC3E}">
-        <p14:creationId xmlns:p14="http://schemas.microsoft.com/office/powerpoint/2010/main" val="637045290"/>
+        <p14:creationId xmlns:p14="http://schemas.microsoft.com/office/powerpoint/2010/main" val="1149928507"/>
       </p:ext>
     </p:extLst>
   </p:cSld>
   <p:clrMapOvr>
     <a:masterClrMapping/>
   </p:clrMapOvr>
+  <p:timing>
+    <p:tnLst>
+      <p:par>
+        <p:cTn id="1" dur="indefinite" restart="never" nodeType="tmRoot"/>
+      </p:par>
+    </p:tnLst>
+  </p:timing>
 </p:sld>
 </file>
 
@@ -4054,314 +4817,838 @@
       </p:grpSpPr>
       <p:sp>
         <p:nvSpPr>
-          <p:cNvPr id="2" name="Title 1">
-            <a:extLst>
-              <a:ext uri="{FF2B5EF4-FFF2-40B4-BE49-F238E27FC236}">
-                <a16:creationId xmlns="" xmlns:a16="http://schemas.microsoft.com/office/drawing/2014/main" id="{087CBC1E-F37A-4D1B-B473-0BF3635162D9}"/>
-              </a:ext>
-            </a:extLst>
-          </p:cNvPr>
-          <p:cNvSpPr>
-            <a:spLocks noGrp="1"/>
-          </p:cNvSpPr>
-          <p:nvPr>
-            <p:ph type="title"/>
-          </p:nvPr>
-        </p:nvSpPr>
-        <p:spPr/>
-        <p:txBody>
-          <a:bodyPr>
+          <p:cNvPr id="5" name="內容版面配置區 4"/>
+          <p:cNvSpPr>
+            <a:spLocks noGrp="1"/>
+          </p:cNvSpPr>
+          <p:nvPr>
+            <p:ph idx="1"/>
+          </p:nvPr>
+        </p:nvSpPr>
+        <p:spPr>
+          <a:xfrm>
+            <a:off x="0" y="1563638"/>
+            <a:ext cx="9144000" cy="1803647"/>
+          </a:xfrm>
+        </p:spPr>
+        <p:txBody>
+          <a:bodyPr anchor="ctr">
             <a:normAutofit/>
           </a:bodyPr>
           <a:lstStyle/>
           <a:p>
-            <a:r>
-              <a:rPr lang="zh-CN" altLang="en-US" sz="4000" b="1" dirty="0">
-                <a:solidFill>
-                  <a:srgbClr val="660033"/>
-                </a:solidFill>
-                <a:latin typeface="Microsoft JhengHei" panose="020B0604030504040204" pitchFamily="34" charset="-120"/>
-                <a:ea typeface="Microsoft JhengHei" panose="020B0604030504040204" pitchFamily="34" charset="-120"/>
-              </a:rPr>
-              <a:t>充滿我</a:t>
-            </a:r>
-            <a:endParaRPr lang="en-US" sz="4000" b="1" dirty="0">
+            <a:pPr marL="0" indent="0" algn="ctr">
+              <a:buNone/>
+            </a:pPr>
+            <a:r>
+              <a:rPr lang="zh-CN" altLang="en-US" sz="4800" b="1" dirty="0">
+                <a:solidFill>
+                  <a:srgbClr val="000066"/>
+                </a:solidFill>
+                <a:latin typeface="Microsoft JhengHei" panose="020B0604030504040204" pitchFamily="34" charset="-120"/>
+                <a:ea typeface="Microsoft JhengHei" panose="020B0604030504040204" pitchFamily="34" charset="-120"/>
+              </a:rPr>
+              <a:t>充滿我充滿</a:t>
+            </a:r>
+            <a:r>
+              <a:rPr lang="zh-CN" altLang="en-US" sz="4800" b="1" dirty="0">
+                <a:solidFill>
+                  <a:srgbClr val="000066"/>
+                </a:solidFill>
+                <a:latin typeface="Microsoft JhengHei" panose="020B0604030504040204" pitchFamily="34" charset="-120"/>
+                <a:ea typeface="Microsoft JhengHei" panose="020B0604030504040204" pitchFamily="34" charset="-120"/>
+              </a:rPr>
+              <a:t>我</a:t>
+            </a:r>
+            <a:endParaRPr lang="en-US" altLang="zh-CN" sz="4800" b="1" dirty="0">
               <a:solidFill>
-                <a:srgbClr val="660033"/>
+                <a:srgbClr val="000066"/>
               </a:solidFill>
               <a:latin typeface="Microsoft JhengHei" panose="020B0604030504040204" pitchFamily="34" charset="-120"/>
               <a:ea typeface="Microsoft JhengHei" panose="020B0604030504040204" pitchFamily="34" charset="-120"/>
             </a:endParaRPr>
           </a:p>
-        </p:txBody>
-      </p:sp>
-      <p:sp>
-        <p:nvSpPr>
-          <p:cNvPr id="3" name="Content Placeholder 2">
-            <a:extLst>
-              <a:ext uri="{FF2B5EF4-FFF2-40B4-BE49-F238E27FC236}">
-                <a16:creationId xmlns="" xmlns:a16="http://schemas.microsoft.com/office/drawing/2014/main" id="{5D99624C-92D2-4704-98F5-EA3D1B79589B}"/>
-              </a:ext>
-            </a:extLst>
-          </p:cNvPr>
-          <p:cNvSpPr>
-            <a:spLocks noGrp="1"/>
-          </p:cNvSpPr>
-          <p:nvPr>
-            <p:ph idx="1"/>
-          </p:nvPr>
-        </p:nvSpPr>
-        <p:spPr>
-          <a:xfrm>
-            <a:off x="0" y="1200151"/>
-            <a:ext cx="9144000" cy="3394472"/>
-          </a:xfrm>
-        </p:spPr>
-        <p:txBody>
-          <a:bodyPr>
-            <a:normAutofit/>
-          </a:bodyPr>
-          <a:lstStyle/>
           <a:p>
             <a:pPr marL="0" indent="0" algn="ctr">
               <a:buNone/>
             </a:pPr>
             <a:r>
-              <a:rPr lang="zh-CN" altLang="en-US" sz="4400" b="1" dirty="0">
-                <a:solidFill>
-                  <a:srgbClr val="660033"/>
-                </a:solidFill>
-                <a:latin typeface="Microsoft JhengHei" panose="020B0604030504040204" pitchFamily="34" charset="-120"/>
-                <a:ea typeface="Microsoft JhengHei" panose="020B0604030504040204" pitchFamily="34" charset="-120"/>
-              </a:rPr>
-              <a:t>不是倚靠勢力才</a:t>
-            </a:r>
-            <a:r>
-              <a:rPr lang="zh-CN" altLang="en-US" sz="4400" b="1" dirty="0" smtClean="0">
-                <a:solidFill>
-                  <a:srgbClr val="660033"/>
-                </a:solidFill>
-                <a:latin typeface="Microsoft JhengHei" panose="020B0604030504040204" pitchFamily="34" charset="-120"/>
-                <a:ea typeface="Microsoft JhengHei" panose="020B0604030504040204" pitchFamily="34" charset="-120"/>
-              </a:rPr>
-              <a:t>能</a:t>
-            </a:r>
-            <a:r>
-              <a:rPr lang="en-US" altLang="zh-CN" sz="4400" b="1" dirty="0">
-                <a:solidFill>
-                  <a:srgbClr val="660033"/>
-                </a:solidFill>
-                <a:latin typeface="Microsoft JhengHei" panose="020B0604030504040204" pitchFamily="34" charset="-120"/>
-                <a:ea typeface="Microsoft JhengHei" panose="020B0604030504040204" pitchFamily="34" charset="-120"/>
-              </a:rPr>
-              <a:t> </a:t>
-            </a:r>
-            <a:r>
-              <a:rPr lang="en-US" altLang="zh-CN" sz="4400" b="1" dirty="0" smtClean="0">
-                <a:solidFill>
-                  <a:srgbClr val="660033"/>
-                </a:solidFill>
-                <a:latin typeface="Microsoft JhengHei" panose="020B0604030504040204" pitchFamily="34" charset="-120"/>
-                <a:ea typeface="Microsoft JhengHei" panose="020B0604030504040204" pitchFamily="34" charset="-120"/>
-              </a:rPr>
-              <a:t> </a:t>
-            </a:r>
-            <a:r>
-              <a:rPr lang="zh-CN" altLang="en-US" sz="4400" b="1" dirty="0" smtClean="0">
-                <a:solidFill>
-                  <a:srgbClr val="660033"/>
-                </a:solidFill>
-                <a:latin typeface="Microsoft JhengHei" panose="020B0604030504040204" pitchFamily="34" charset="-120"/>
-                <a:ea typeface="Microsoft JhengHei" panose="020B0604030504040204" pitchFamily="34" charset="-120"/>
-              </a:rPr>
-              <a:t>惟</a:t>
-            </a:r>
-            <a:r>
-              <a:rPr lang="zh-CN" altLang="en-US" sz="4400" b="1" dirty="0">
-                <a:solidFill>
-                  <a:srgbClr val="660033"/>
-                </a:solidFill>
-                <a:latin typeface="Microsoft JhengHei" panose="020B0604030504040204" pitchFamily="34" charset="-120"/>
-                <a:ea typeface="Microsoft JhengHei" panose="020B0604030504040204" pitchFamily="34" charset="-120"/>
-              </a:rPr>
-              <a:t>獨仰賴主聖靈</a:t>
-            </a:r>
-            <a:endParaRPr lang="en-US" altLang="zh-CN" sz="4400" b="1" dirty="0">
+              <a:rPr lang="zh-CN" altLang="en-US" sz="4800" b="1" dirty="0">
+                <a:solidFill>
+                  <a:srgbClr val="000066"/>
+                </a:solidFill>
+                <a:latin typeface="Microsoft JhengHei" panose="020B0604030504040204" pitchFamily="34" charset="-120"/>
+                <a:ea typeface="Microsoft JhengHei" panose="020B0604030504040204" pitchFamily="34" charset="-120"/>
+              </a:rPr>
+              <a:t>求</a:t>
+            </a:r>
+            <a:r>
+              <a:rPr lang="zh-CN" altLang="en-US" sz="4800" b="1" dirty="0">
+                <a:solidFill>
+                  <a:srgbClr val="000066"/>
+                </a:solidFill>
+                <a:latin typeface="Microsoft JhengHei" panose="020B0604030504040204" pitchFamily="34" charset="-120"/>
+                <a:ea typeface="Microsoft JhengHei" panose="020B0604030504040204" pitchFamily="34" charset="-120"/>
+              </a:rPr>
+              <a:t>耶穌來充滿我</a:t>
+            </a:r>
+            <a:endParaRPr lang="en-US" altLang="zh-CN" sz="4800" b="1" dirty="0">
               <a:solidFill>
-                <a:srgbClr val="660033"/>
+                <a:srgbClr val="000066"/>
               </a:solidFill>
               <a:latin typeface="Microsoft JhengHei" panose="020B0604030504040204" pitchFamily="34" charset="-120"/>
               <a:ea typeface="Microsoft JhengHei" panose="020B0604030504040204" pitchFamily="34" charset="-120"/>
             </a:endParaRPr>
           </a:p>
-          <a:p>
-            <a:pPr marL="0" indent="0" algn="ctr">
-              <a:buNone/>
-            </a:pPr>
-            <a:r>
-              <a:rPr lang="zh-CN" altLang="en-US" sz="4400" b="1" dirty="0">
-                <a:solidFill>
-                  <a:srgbClr val="660033"/>
-                </a:solidFill>
-                <a:latin typeface="Microsoft JhengHei" panose="020B0604030504040204" pitchFamily="34" charset="-120"/>
-                <a:ea typeface="Microsoft JhengHei" panose="020B0604030504040204" pitchFamily="34" charset="-120"/>
-              </a:rPr>
-              <a:t>主能慰我主能救</a:t>
-            </a:r>
-            <a:r>
-              <a:rPr lang="zh-CN" altLang="en-US" sz="4400" b="1" dirty="0" smtClean="0">
-                <a:solidFill>
-                  <a:srgbClr val="660033"/>
-                </a:solidFill>
-                <a:latin typeface="Microsoft JhengHei" panose="020B0604030504040204" pitchFamily="34" charset="-120"/>
-                <a:ea typeface="Microsoft JhengHei" panose="020B0604030504040204" pitchFamily="34" charset="-120"/>
-              </a:rPr>
-              <a:t>我</a:t>
-            </a:r>
-            <a:r>
-              <a:rPr lang="en-US" altLang="zh-CN" sz="4400" b="1" dirty="0">
-                <a:solidFill>
-                  <a:srgbClr val="660033"/>
-                </a:solidFill>
-                <a:latin typeface="Microsoft JhengHei" panose="020B0604030504040204" pitchFamily="34" charset="-120"/>
-                <a:ea typeface="Microsoft JhengHei" panose="020B0604030504040204" pitchFamily="34" charset="-120"/>
-              </a:rPr>
-              <a:t> </a:t>
-            </a:r>
-            <a:r>
-              <a:rPr lang="en-US" altLang="zh-CN" sz="4400" b="1" dirty="0" smtClean="0">
-                <a:solidFill>
-                  <a:srgbClr val="660033"/>
-                </a:solidFill>
-                <a:latin typeface="Microsoft JhengHei" panose="020B0604030504040204" pitchFamily="34" charset="-120"/>
-                <a:ea typeface="Microsoft JhengHei" panose="020B0604030504040204" pitchFamily="34" charset="-120"/>
-              </a:rPr>
-              <a:t> </a:t>
-            </a:r>
-            <a:r>
-              <a:rPr lang="zh-CN" altLang="en-US" sz="4400" b="1" dirty="0" smtClean="0">
-                <a:solidFill>
-                  <a:srgbClr val="660033"/>
-                </a:solidFill>
-                <a:latin typeface="Microsoft JhengHei" panose="020B0604030504040204" pitchFamily="34" charset="-120"/>
-                <a:ea typeface="Microsoft JhengHei" panose="020B0604030504040204" pitchFamily="34" charset="-120"/>
-              </a:rPr>
-              <a:t>願</a:t>
-            </a:r>
-            <a:r>
-              <a:rPr lang="zh-CN" altLang="en-US" sz="4400" b="1" dirty="0">
-                <a:solidFill>
-                  <a:srgbClr val="660033"/>
-                </a:solidFill>
-                <a:latin typeface="Microsoft JhengHei" panose="020B0604030504040204" pitchFamily="34" charset="-120"/>
-                <a:ea typeface="Microsoft JhengHei" panose="020B0604030504040204" pitchFamily="34" charset="-120"/>
-              </a:rPr>
-              <a:t>主現在充滿</a:t>
-            </a:r>
-            <a:r>
-              <a:rPr lang="zh-CN" altLang="en-US" sz="4400" b="1" dirty="0" smtClean="0">
-                <a:solidFill>
-                  <a:srgbClr val="660033"/>
-                </a:solidFill>
-                <a:latin typeface="Microsoft JhengHei" panose="020B0604030504040204" pitchFamily="34" charset="-120"/>
-                <a:ea typeface="Microsoft JhengHei" panose="020B0604030504040204" pitchFamily="34" charset="-120"/>
-              </a:rPr>
-              <a:t>我</a:t>
-            </a:r>
-            <a:endParaRPr lang="en-US" altLang="zh-CN" sz="4400" b="1" dirty="0" smtClean="0">
-              <a:solidFill>
-                <a:srgbClr val="660033"/>
-              </a:solidFill>
-              <a:latin typeface="Microsoft JhengHei" panose="020B0604030504040204" pitchFamily="34" charset="-120"/>
-              <a:ea typeface="Microsoft JhengHei" panose="020B0604030504040204" pitchFamily="34" charset="-120"/>
-            </a:endParaRPr>
-          </a:p>
-          <a:p>
-            <a:pPr marL="0" indent="0" algn="ctr">
-              <a:buNone/>
-            </a:pPr>
-            <a:r>
-              <a:rPr lang="zh-CN" altLang="en-US" sz="4400" b="1" dirty="0">
-                <a:solidFill>
-                  <a:srgbClr val="660033"/>
-                </a:solidFill>
-                <a:latin typeface="Microsoft JhengHei" panose="020B0604030504040204" pitchFamily="34" charset="-120"/>
-                <a:ea typeface="Microsoft JhengHei" panose="020B0604030504040204" pitchFamily="34" charset="-120"/>
-              </a:rPr>
-              <a:t>充滿我充滿我</a:t>
-            </a:r>
-            <a:r>
-              <a:rPr lang="en-US" altLang="zh-CN" sz="4400" b="1" dirty="0">
-                <a:solidFill>
-                  <a:srgbClr val="660033"/>
-                </a:solidFill>
-                <a:latin typeface="Microsoft JhengHei" panose="020B0604030504040204" pitchFamily="34" charset="-120"/>
-                <a:ea typeface="Microsoft JhengHei" panose="020B0604030504040204" pitchFamily="34" charset="-120"/>
-              </a:rPr>
-              <a:t>  </a:t>
-            </a:r>
-            <a:r>
-              <a:rPr lang="zh-CN" altLang="en-US" sz="4400" b="1" dirty="0">
-                <a:solidFill>
-                  <a:srgbClr val="660033"/>
-                </a:solidFill>
-                <a:latin typeface="Microsoft JhengHei" panose="020B0604030504040204" pitchFamily="34" charset="-120"/>
-                <a:ea typeface="Microsoft JhengHei" panose="020B0604030504040204" pitchFamily="34" charset="-120"/>
-              </a:rPr>
-              <a:t>求耶穌來充滿我</a:t>
-            </a:r>
-            <a:endParaRPr lang="en-US" altLang="zh-CN" sz="4400" b="1" dirty="0">
-              <a:solidFill>
-                <a:srgbClr val="660033"/>
-              </a:solidFill>
-              <a:latin typeface="Microsoft JhengHei" panose="020B0604030504040204" pitchFamily="34" charset="-120"/>
-              <a:ea typeface="Microsoft JhengHei" panose="020B0604030504040204" pitchFamily="34" charset="-120"/>
-            </a:endParaRPr>
-          </a:p>
-          <a:p>
-            <a:pPr marL="0" indent="0" algn="ctr">
-              <a:buNone/>
-            </a:pPr>
-            <a:r>
-              <a:rPr lang="zh-CN" altLang="en-US" sz="4400" b="1" dirty="0">
-                <a:solidFill>
-                  <a:srgbClr val="660033"/>
-                </a:solidFill>
-                <a:latin typeface="Microsoft JhengHei" panose="020B0604030504040204" pitchFamily="34" charset="-120"/>
-                <a:ea typeface="Microsoft JhengHei" panose="020B0604030504040204" pitchFamily="34" charset="-120"/>
-              </a:rPr>
-              <a:t>榮耀聖靈來充滿我  願主現在充滿</a:t>
-            </a:r>
-            <a:r>
-              <a:rPr lang="zh-CN" altLang="en-US" sz="4400" b="1" dirty="0" smtClean="0">
-                <a:solidFill>
-                  <a:srgbClr val="660033"/>
-                </a:solidFill>
-                <a:latin typeface="Microsoft JhengHei" panose="020B0604030504040204" pitchFamily="34" charset="-120"/>
-                <a:ea typeface="Microsoft JhengHei" panose="020B0604030504040204" pitchFamily="34" charset="-120"/>
-              </a:rPr>
-              <a:t>我</a:t>
-            </a:r>
-            <a:endParaRPr lang="en-US" altLang="zh-CN" sz="4400" b="1" dirty="0">
-              <a:solidFill>
-                <a:srgbClr val="660033"/>
-              </a:solidFill>
-              <a:latin typeface="Microsoft JhengHei" panose="020B0604030504040204" pitchFamily="34" charset="-120"/>
-              <a:ea typeface="Microsoft JhengHei" panose="020B0604030504040204" pitchFamily="34" charset="-120"/>
-            </a:endParaRPr>
-          </a:p>
         </p:txBody>
       </p:sp>
     </p:spTree>
     <p:extLst>
       <p:ext uri="{BB962C8B-B14F-4D97-AF65-F5344CB8AC3E}">
-        <p14:creationId xmlns:p14="http://schemas.microsoft.com/office/powerpoint/2010/main" val="1057455546"/>
+        <p14:creationId xmlns:p14="http://schemas.microsoft.com/office/powerpoint/2010/main" val="2392402071"/>
       </p:ext>
     </p:extLst>
   </p:cSld>
   <p:clrMapOvr>
     <a:masterClrMapping/>
   </p:clrMapOvr>
+  <p:timing>
+    <p:tnLst>
+      <p:par>
+        <p:cTn id="1" dur="indefinite" restart="never" nodeType="tmRoot"/>
+      </p:par>
+    </p:tnLst>
+  </p:timing>
+</p:sld>
+</file>
+
+<file path=ppt/slides/slide5.xml><?xml version="1.0" encoding="utf-8"?>
+<p:sld xmlns:a="http://schemas.openxmlformats.org/drawingml/2006/main" xmlns:r="http://schemas.openxmlformats.org/officeDocument/2006/relationships" xmlns:p="http://schemas.openxmlformats.org/presentationml/2006/main">
+  <p:cSld>
+    <p:spTree>
+      <p:nvGrpSpPr>
+        <p:cNvPr id="1" name=""/>
+        <p:cNvGrpSpPr/>
+        <p:nvPr/>
+      </p:nvGrpSpPr>
+      <p:grpSpPr>
+        <a:xfrm>
+          <a:off x="0" y="0"/>
+          <a:ext cx="0" cy="0"/>
+          <a:chOff x="0" y="0"/>
+          <a:chExt cx="0" cy="0"/>
+        </a:xfrm>
+      </p:grpSpPr>
+      <p:sp>
+        <p:nvSpPr>
+          <p:cNvPr id="5" name="內容版面配置區 4"/>
+          <p:cNvSpPr>
+            <a:spLocks noGrp="1"/>
+          </p:cNvSpPr>
+          <p:nvPr>
+            <p:ph idx="1"/>
+          </p:nvPr>
+        </p:nvSpPr>
+        <p:spPr>
+          <a:xfrm>
+            <a:off x="0" y="1563638"/>
+            <a:ext cx="9144000" cy="1803647"/>
+          </a:xfrm>
+        </p:spPr>
+        <p:txBody>
+          <a:bodyPr anchor="ctr">
+            <a:normAutofit/>
+          </a:bodyPr>
+          <a:lstStyle/>
+          <a:p>
+            <a:pPr marL="0" indent="0" algn="ctr">
+              <a:buNone/>
+            </a:pPr>
+            <a:r>
+              <a:rPr lang="zh-CN" altLang="en-US" sz="4800" b="1" dirty="0">
+                <a:solidFill>
+                  <a:srgbClr val="000066"/>
+                </a:solidFill>
+                <a:latin typeface="Microsoft JhengHei" panose="020B0604030504040204" pitchFamily="34" charset="-120"/>
+                <a:ea typeface="Microsoft JhengHei" panose="020B0604030504040204" pitchFamily="34" charset="-120"/>
+              </a:rPr>
+              <a:t>榮耀聖靈來充滿</a:t>
+            </a:r>
+            <a:r>
+              <a:rPr lang="zh-CN" altLang="en-US" sz="4800" b="1" dirty="0">
+                <a:solidFill>
+                  <a:srgbClr val="000066"/>
+                </a:solidFill>
+                <a:latin typeface="Microsoft JhengHei" panose="020B0604030504040204" pitchFamily="34" charset="-120"/>
+                <a:ea typeface="Microsoft JhengHei" panose="020B0604030504040204" pitchFamily="34" charset="-120"/>
+              </a:rPr>
+              <a:t>我</a:t>
+            </a:r>
+            <a:endParaRPr lang="en-US" altLang="zh-CN" sz="4800" b="1" dirty="0">
+              <a:solidFill>
+                <a:srgbClr val="000066"/>
+              </a:solidFill>
+              <a:latin typeface="Microsoft JhengHei" panose="020B0604030504040204" pitchFamily="34" charset="-120"/>
+              <a:ea typeface="Microsoft JhengHei" panose="020B0604030504040204" pitchFamily="34" charset="-120"/>
+            </a:endParaRPr>
+          </a:p>
+          <a:p>
+            <a:pPr marL="0" indent="0" algn="ctr">
+              <a:buNone/>
+            </a:pPr>
+            <a:r>
+              <a:rPr lang="zh-CN" altLang="en-US" sz="4800" b="1" dirty="0">
+                <a:solidFill>
+                  <a:srgbClr val="000066"/>
+                </a:solidFill>
+                <a:latin typeface="Microsoft JhengHei" panose="020B0604030504040204" pitchFamily="34" charset="-120"/>
+                <a:ea typeface="Microsoft JhengHei" panose="020B0604030504040204" pitchFamily="34" charset="-120"/>
+              </a:rPr>
+              <a:t>願</a:t>
+            </a:r>
+            <a:r>
+              <a:rPr lang="zh-CN" altLang="en-US" sz="4800" b="1" dirty="0">
+                <a:solidFill>
+                  <a:srgbClr val="000066"/>
+                </a:solidFill>
+                <a:latin typeface="Microsoft JhengHei" panose="020B0604030504040204" pitchFamily="34" charset="-120"/>
+                <a:ea typeface="Microsoft JhengHei" panose="020B0604030504040204" pitchFamily="34" charset="-120"/>
+              </a:rPr>
+              <a:t>主現在充滿我</a:t>
+            </a:r>
+            <a:endParaRPr lang="en-US" altLang="zh-CN" sz="4800" b="1" dirty="0">
+              <a:solidFill>
+                <a:srgbClr val="000066"/>
+              </a:solidFill>
+              <a:latin typeface="Microsoft JhengHei" panose="020B0604030504040204" pitchFamily="34" charset="-120"/>
+              <a:ea typeface="Microsoft JhengHei" panose="020B0604030504040204" pitchFamily="34" charset="-120"/>
+            </a:endParaRPr>
+          </a:p>
+        </p:txBody>
+      </p:sp>
+    </p:spTree>
+    <p:extLst>
+      <p:ext uri="{BB962C8B-B14F-4D97-AF65-F5344CB8AC3E}">
+        <p14:creationId xmlns:p14="http://schemas.microsoft.com/office/powerpoint/2010/main" val="257955997"/>
+      </p:ext>
+    </p:extLst>
+  </p:cSld>
+  <p:clrMapOvr>
+    <a:masterClrMapping/>
+  </p:clrMapOvr>
+  <p:timing>
+    <p:tnLst>
+      <p:par>
+        <p:cTn id="1" dur="indefinite" restart="never" nodeType="tmRoot"/>
+      </p:par>
+    </p:tnLst>
+  </p:timing>
+</p:sld>
+</file>
+
+<file path=ppt/slides/slide6.xml><?xml version="1.0" encoding="utf-8"?>
+<p:sld xmlns:a="http://schemas.openxmlformats.org/drawingml/2006/main" xmlns:r="http://schemas.openxmlformats.org/officeDocument/2006/relationships" xmlns:p="http://schemas.openxmlformats.org/presentationml/2006/main">
+  <p:cSld>
+    <p:spTree>
+      <p:nvGrpSpPr>
+        <p:cNvPr id="1" name=""/>
+        <p:cNvGrpSpPr/>
+        <p:nvPr/>
+      </p:nvGrpSpPr>
+      <p:grpSpPr>
+        <a:xfrm>
+          <a:off x="0" y="0"/>
+          <a:ext cx="0" cy="0"/>
+          <a:chOff x="0" y="0"/>
+          <a:chExt cx="0" cy="0"/>
+        </a:xfrm>
+      </p:grpSpPr>
+      <p:sp>
+        <p:nvSpPr>
+          <p:cNvPr id="5" name="內容版面配置區 4"/>
+          <p:cNvSpPr>
+            <a:spLocks noGrp="1"/>
+          </p:cNvSpPr>
+          <p:nvPr>
+            <p:ph idx="1"/>
+          </p:nvPr>
+        </p:nvSpPr>
+        <p:spPr>
+          <a:xfrm>
+            <a:off x="0" y="1563638"/>
+            <a:ext cx="9144000" cy="1803647"/>
+          </a:xfrm>
+        </p:spPr>
+        <p:txBody>
+          <a:bodyPr anchor="ctr">
+            <a:normAutofit/>
+          </a:bodyPr>
+          <a:lstStyle/>
+          <a:p>
+            <a:pPr marL="0" indent="0" algn="ctr">
+              <a:buNone/>
+            </a:pPr>
+            <a:r>
+              <a:rPr lang="zh-CN" altLang="en-US" sz="4800" b="1" dirty="0">
+                <a:solidFill>
+                  <a:srgbClr val="000066"/>
+                </a:solidFill>
+                <a:latin typeface="Microsoft JhengHei" panose="020B0604030504040204" pitchFamily="34" charset="-120"/>
+                <a:ea typeface="Microsoft JhengHei" panose="020B0604030504040204" pitchFamily="34" charset="-120"/>
+              </a:rPr>
+              <a:t>懇求聖靈來釋放</a:t>
+            </a:r>
+            <a:r>
+              <a:rPr lang="zh-CN" altLang="en-US" sz="4800" b="1" dirty="0">
+                <a:solidFill>
+                  <a:srgbClr val="000066"/>
+                </a:solidFill>
+                <a:latin typeface="Microsoft JhengHei" panose="020B0604030504040204" pitchFamily="34" charset="-120"/>
+                <a:ea typeface="Microsoft JhengHei" panose="020B0604030504040204" pitchFamily="34" charset="-120"/>
+              </a:rPr>
+              <a:t>我</a:t>
+            </a:r>
+            <a:endParaRPr lang="en-US" altLang="zh-CN" sz="4800" b="1" dirty="0">
+              <a:solidFill>
+                <a:srgbClr val="000066"/>
+              </a:solidFill>
+              <a:latin typeface="Microsoft JhengHei" panose="020B0604030504040204" pitchFamily="34" charset="-120"/>
+              <a:ea typeface="Microsoft JhengHei" panose="020B0604030504040204" pitchFamily="34" charset="-120"/>
+            </a:endParaRPr>
+          </a:p>
+          <a:p>
+            <a:pPr marL="0" indent="0" algn="ctr">
+              <a:buNone/>
+            </a:pPr>
+            <a:r>
+              <a:rPr lang="zh-CN" altLang="en-US" sz="4800" b="1" dirty="0">
+                <a:solidFill>
+                  <a:srgbClr val="000066"/>
+                </a:solidFill>
+                <a:latin typeface="Microsoft JhengHei" panose="020B0604030504040204" pitchFamily="34" charset="-120"/>
+                <a:ea typeface="Microsoft JhengHei" panose="020B0604030504040204" pitchFamily="34" charset="-120"/>
+              </a:rPr>
+              <a:t>罪</a:t>
+            </a:r>
+            <a:r>
+              <a:rPr lang="zh-CN" altLang="en-US" sz="4800" b="1" dirty="0">
+                <a:solidFill>
+                  <a:srgbClr val="000066"/>
+                </a:solidFill>
+                <a:latin typeface="Microsoft JhengHei" panose="020B0604030504040204" pitchFamily="34" charset="-120"/>
+                <a:ea typeface="Microsoft JhengHei" panose="020B0604030504040204" pitchFamily="34" charset="-120"/>
+              </a:rPr>
+              <a:t>與死律致盡脫</a:t>
+            </a:r>
+            <a:endParaRPr lang="en-US" altLang="zh-CN" sz="4800" b="1" dirty="0">
+              <a:solidFill>
+                <a:srgbClr val="000066"/>
+              </a:solidFill>
+              <a:latin typeface="Microsoft JhengHei" panose="020B0604030504040204" pitchFamily="34" charset="-120"/>
+              <a:ea typeface="Microsoft JhengHei" panose="020B0604030504040204" pitchFamily="34" charset="-120"/>
+            </a:endParaRPr>
+          </a:p>
+        </p:txBody>
+      </p:sp>
+      <p:sp>
+        <p:nvSpPr>
+          <p:cNvPr id="3" name="TextBox 2"/>
+          <p:cNvSpPr txBox="1"/>
+          <p:nvPr/>
+        </p:nvSpPr>
+        <p:spPr>
+          <a:xfrm>
+            <a:off x="0" y="3795886"/>
+            <a:ext cx="9144000" cy="646331"/>
+          </a:xfrm>
+          <a:prstGeom prst="rect">
+            <a:avLst/>
+          </a:prstGeom>
+          <a:noFill/>
+        </p:spPr>
+        <p:txBody>
+          <a:bodyPr wrap="square" rtlCol="0">
+            <a:spAutoFit/>
+          </a:bodyPr>
+          <a:lstStyle/>
+          <a:p>
+            <a:pPr algn="ctr"/>
+            <a:r>
+              <a:rPr lang="en-US" sz="3600" b="1" dirty="0" smtClean="0">
+                <a:solidFill>
+                  <a:srgbClr val="000066"/>
+                </a:solidFill>
+              </a:rPr>
+              <a:t>( </a:t>
+            </a:r>
+            <a:r>
+              <a:rPr lang="en-US" sz="3600" b="1" dirty="0" smtClean="0">
+                <a:solidFill>
+                  <a:srgbClr val="000066"/>
+                </a:solidFill>
+              </a:rPr>
+              <a:t>2 </a:t>
+            </a:r>
+            <a:r>
+              <a:rPr lang="en-US" sz="3600" b="1" dirty="0" smtClean="0">
+                <a:solidFill>
+                  <a:srgbClr val="000066"/>
+                </a:solidFill>
+              </a:rPr>
+              <a:t>)</a:t>
+            </a:r>
+            <a:endParaRPr lang="vi-VN" sz="3600" b="1" dirty="0">
+              <a:solidFill>
+                <a:srgbClr val="000066"/>
+              </a:solidFill>
+            </a:endParaRPr>
+          </a:p>
+        </p:txBody>
+      </p:sp>
+    </p:spTree>
+    <p:extLst>
+      <p:ext uri="{BB962C8B-B14F-4D97-AF65-F5344CB8AC3E}">
+        <p14:creationId xmlns:p14="http://schemas.microsoft.com/office/powerpoint/2010/main" val="3492527215"/>
+      </p:ext>
+    </p:extLst>
+  </p:cSld>
+  <p:clrMapOvr>
+    <a:masterClrMapping/>
+  </p:clrMapOvr>
+  <p:timing>
+    <p:tnLst>
+      <p:par>
+        <p:cTn id="1" dur="indefinite" restart="never" nodeType="tmRoot"/>
+      </p:par>
+    </p:tnLst>
+  </p:timing>
+</p:sld>
+</file>
+
+<file path=ppt/slides/slide7.xml><?xml version="1.0" encoding="utf-8"?>
+<p:sld xmlns:a="http://schemas.openxmlformats.org/drawingml/2006/main" xmlns:r="http://schemas.openxmlformats.org/officeDocument/2006/relationships" xmlns:p="http://schemas.openxmlformats.org/presentationml/2006/main">
+  <p:cSld>
+    <p:spTree>
+      <p:nvGrpSpPr>
+        <p:cNvPr id="1" name=""/>
+        <p:cNvGrpSpPr/>
+        <p:nvPr/>
+      </p:nvGrpSpPr>
+      <p:grpSpPr>
+        <a:xfrm>
+          <a:off x="0" y="0"/>
+          <a:ext cx="0" cy="0"/>
+          <a:chOff x="0" y="0"/>
+          <a:chExt cx="0" cy="0"/>
+        </a:xfrm>
+      </p:grpSpPr>
+      <p:sp>
+        <p:nvSpPr>
+          <p:cNvPr id="5" name="內容版面配置區 4"/>
+          <p:cNvSpPr>
+            <a:spLocks noGrp="1"/>
+          </p:cNvSpPr>
+          <p:nvPr>
+            <p:ph idx="1"/>
+          </p:nvPr>
+        </p:nvSpPr>
+        <p:spPr>
+          <a:xfrm>
+            <a:off x="0" y="1563638"/>
+            <a:ext cx="9144000" cy="1803647"/>
+          </a:xfrm>
+        </p:spPr>
+        <p:txBody>
+          <a:bodyPr anchor="ctr">
+            <a:normAutofit/>
+          </a:bodyPr>
+          <a:lstStyle/>
+          <a:p>
+            <a:pPr marL="0" indent="0" algn="ctr">
+              <a:buNone/>
+            </a:pPr>
+            <a:r>
+              <a:rPr lang="zh-CN" altLang="en-US" sz="4800" b="1" dirty="0">
+                <a:solidFill>
+                  <a:srgbClr val="000066"/>
+                </a:solidFill>
+                <a:latin typeface="Microsoft JhengHei" panose="020B0604030504040204" pitchFamily="34" charset="-120"/>
+                <a:ea typeface="Microsoft JhengHei" panose="020B0604030504040204" pitchFamily="34" charset="-120"/>
+              </a:rPr>
+              <a:t>除去污穢使我成</a:t>
+            </a:r>
+            <a:r>
+              <a:rPr lang="zh-CN" altLang="en-US" sz="4800" b="1" dirty="0">
+                <a:solidFill>
+                  <a:srgbClr val="000066"/>
+                </a:solidFill>
+                <a:latin typeface="Microsoft JhengHei" panose="020B0604030504040204" pitchFamily="34" charset="-120"/>
+                <a:ea typeface="Microsoft JhengHei" panose="020B0604030504040204" pitchFamily="34" charset="-120"/>
+              </a:rPr>
+              <a:t>聖</a:t>
+            </a:r>
+            <a:endParaRPr lang="en-US" altLang="zh-CN" sz="4800" b="1" dirty="0">
+              <a:solidFill>
+                <a:srgbClr val="000066"/>
+              </a:solidFill>
+              <a:latin typeface="Microsoft JhengHei" panose="020B0604030504040204" pitchFamily="34" charset="-120"/>
+              <a:ea typeface="Microsoft JhengHei" panose="020B0604030504040204" pitchFamily="34" charset="-120"/>
+            </a:endParaRPr>
+          </a:p>
+          <a:p>
+            <a:pPr marL="0" indent="0" algn="ctr">
+              <a:buNone/>
+            </a:pPr>
+            <a:r>
+              <a:rPr lang="zh-CN" altLang="en-US" sz="4800" b="1" dirty="0">
+                <a:solidFill>
+                  <a:srgbClr val="000066"/>
+                </a:solidFill>
+                <a:latin typeface="Microsoft JhengHei" panose="020B0604030504040204" pitchFamily="34" charset="-120"/>
+                <a:ea typeface="Microsoft JhengHei" panose="020B0604030504040204" pitchFamily="34" charset="-120"/>
+              </a:rPr>
+              <a:t>平</a:t>
+            </a:r>
+            <a:r>
+              <a:rPr lang="zh-CN" altLang="en-US" sz="4800" b="1" dirty="0">
+                <a:solidFill>
+                  <a:srgbClr val="000066"/>
+                </a:solidFill>
+                <a:latin typeface="Microsoft JhengHei" panose="020B0604030504040204" pitchFamily="34" charset="-120"/>
+                <a:ea typeface="Microsoft JhengHei" panose="020B0604030504040204" pitchFamily="34" charset="-120"/>
+              </a:rPr>
+              <a:t>安喜樂常得勝</a:t>
+            </a:r>
+            <a:endParaRPr lang="en-US" altLang="zh-CN" sz="4800" b="1" dirty="0">
+              <a:solidFill>
+                <a:srgbClr val="000066"/>
+              </a:solidFill>
+              <a:latin typeface="Microsoft JhengHei" panose="020B0604030504040204" pitchFamily="34" charset="-120"/>
+              <a:ea typeface="Microsoft JhengHei" panose="020B0604030504040204" pitchFamily="34" charset="-120"/>
+            </a:endParaRPr>
+          </a:p>
+        </p:txBody>
+      </p:sp>
+      <p:sp>
+        <p:nvSpPr>
+          <p:cNvPr id="3" name="TextBox 2"/>
+          <p:cNvSpPr txBox="1"/>
+          <p:nvPr/>
+        </p:nvSpPr>
+        <p:spPr>
+          <a:xfrm>
+            <a:off x="0" y="3795886"/>
+            <a:ext cx="9144000" cy="646331"/>
+          </a:xfrm>
+          <a:prstGeom prst="rect">
+            <a:avLst/>
+          </a:prstGeom>
+          <a:noFill/>
+        </p:spPr>
+        <p:txBody>
+          <a:bodyPr wrap="square" rtlCol="0">
+            <a:spAutoFit/>
+          </a:bodyPr>
+          <a:lstStyle/>
+          <a:p>
+            <a:pPr algn="ctr"/>
+            <a:r>
+              <a:rPr lang="en-US" sz="3600" b="1" dirty="0" smtClean="0">
+                <a:solidFill>
+                  <a:srgbClr val="000066"/>
+                </a:solidFill>
+              </a:rPr>
+              <a:t>( </a:t>
+            </a:r>
+            <a:r>
+              <a:rPr lang="en-US" sz="3600" b="1" dirty="0" smtClean="0">
+                <a:solidFill>
+                  <a:srgbClr val="000066"/>
+                </a:solidFill>
+              </a:rPr>
+              <a:t>2 </a:t>
+            </a:r>
+            <a:r>
+              <a:rPr lang="en-US" sz="3600" b="1" dirty="0" smtClean="0">
+                <a:solidFill>
+                  <a:srgbClr val="000066"/>
+                </a:solidFill>
+              </a:rPr>
+              <a:t>)</a:t>
+            </a:r>
+            <a:endParaRPr lang="vi-VN" sz="3600" b="1" dirty="0">
+              <a:solidFill>
+                <a:srgbClr val="000066"/>
+              </a:solidFill>
+            </a:endParaRPr>
+          </a:p>
+        </p:txBody>
+      </p:sp>
+    </p:spTree>
+    <p:extLst>
+      <p:ext uri="{BB962C8B-B14F-4D97-AF65-F5344CB8AC3E}">
+        <p14:creationId xmlns:p14="http://schemas.microsoft.com/office/powerpoint/2010/main" val="1386955955"/>
+      </p:ext>
+    </p:extLst>
+  </p:cSld>
+  <p:clrMapOvr>
+    <a:masterClrMapping/>
+  </p:clrMapOvr>
+  <p:timing>
+    <p:tnLst>
+      <p:par>
+        <p:cTn id="1" dur="indefinite" restart="never" nodeType="tmRoot"/>
+      </p:par>
+    </p:tnLst>
+  </p:timing>
+</p:sld>
+</file>
+
+<file path=ppt/slides/slide8.xml><?xml version="1.0" encoding="utf-8"?>
+<p:sld xmlns:a="http://schemas.openxmlformats.org/drawingml/2006/main" xmlns:r="http://schemas.openxmlformats.org/officeDocument/2006/relationships" xmlns:p="http://schemas.openxmlformats.org/presentationml/2006/main">
+  <p:cSld>
+    <p:spTree>
+      <p:nvGrpSpPr>
+        <p:cNvPr id="1" name=""/>
+        <p:cNvGrpSpPr/>
+        <p:nvPr/>
+      </p:nvGrpSpPr>
+      <p:grpSpPr>
+        <a:xfrm>
+          <a:off x="0" y="0"/>
+          <a:ext cx="0" cy="0"/>
+          <a:chOff x="0" y="0"/>
+          <a:chExt cx="0" cy="0"/>
+        </a:xfrm>
+      </p:grpSpPr>
+      <p:sp>
+        <p:nvSpPr>
+          <p:cNvPr id="5" name="內容版面配置區 4"/>
+          <p:cNvSpPr>
+            <a:spLocks noGrp="1"/>
+          </p:cNvSpPr>
+          <p:nvPr>
+            <p:ph idx="1"/>
+          </p:nvPr>
+        </p:nvSpPr>
+        <p:spPr>
+          <a:xfrm>
+            <a:off x="0" y="1563638"/>
+            <a:ext cx="9144000" cy="1803647"/>
+          </a:xfrm>
+        </p:spPr>
+        <p:txBody>
+          <a:bodyPr anchor="ctr">
+            <a:normAutofit/>
+          </a:bodyPr>
+          <a:lstStyle/>
+          <a:p>
+            <a:pPr marL="0" indent="0" algn="ctr">
+              <a:buNone/>
+            </a:pPr>
+            <a:r>
+              <a:rPr lang="zh-CN" altLang="en-US" sz="4800" b="1" dirty="0">
+                <a:solidFill>
+                  <a:srgbClr val="000066"/>
+                </a:solidFill>
+                <a:latin typeface="Microsoft JhengHei" panose="020B0604030504040204" pitchFamily="34" charset="-120"/>
+                <a:ea typeface="Microsoft JhengHei" panose="020B0604030504040204" pitchFamily="34" charset="-120"/>
+              </a:rPr>
+              <a:t>充滿我充滿</a:t>
+            </a:r>
+            <a:r>
+              <a:rPr lang="zh-CN" altLang="en-US" sz="4800" b="1" dirty="0">
+                <a:solidFill>
+                  <a:srgbClr val="000066"/>
+                </a:solidFill>
+                <a:latin typeface="Microsoft JhengHei" panose="020B0604030504040204" pitchFamily="34" charset="-120"/>
+                <a:ea typeface="Microsoft JhengHei" panose="020B0604030504040204" pitchFamily="34" charset="-120"/>
+              </a:rPr>
+              <a:t>我</a:t>
+            </a:r>
+            <a:endParaRPr lang="en-US" altLang="zh-CN" sz="4800" b="1" dirty="0">
+              <a:solidFill>
+                <a:srgbClr val="000066"/>
+              </a:solidFill>
+              <a:latin typeface="Microsoft JhengHei" panose="020B0604030504040204" pitchFamily="34" charset="-120"/>
+              <a:ea typeface="Microsoft JhengHei" panose="020B0604030504040204" pitchFamily="34" charset="-120"/>
+            </a:endParaRPr>
+          </a:p>
+          <a:p>
+            <a:pPr marL="0" indent="0" algn="ctr">
+              <a:buNone/>
+            </a:pPr>
+            <a:r>
+              <a:rPr lang="zh-CN" altLang="en-US" sz="4800" b="1" dirty="0">
+                <a:solidFill>
+                  <a:srgbClr val="000066"/>
+                </a:solidFill>
+                <a:latin typeface="Microsoft JhengHei" panose="020B0604030504040204" pitchFamily="34" charset="-120"/>
+                <a:ea typeface="Microsoft JhengHei" panose="020B0604030504040204" pitchFamily="34" charset="-120"/>
+              </a:rPr>
+              <a:t>求</a:t>
+            </a:r>
+            <a:r>
+              <a:rPr lang="zh-CN" altLang="en-US" sz="4800" b="1" dirty="0">
+                <a:solidFill>
+                  <a:srgbClr val="000066"/>
+                </a:solidFill>
+                <a:latin typeface="Microsoft JhengHei" panose="020B0604030504040204" pitchFamily="34" charset="-120"/>
+                <a:ea typeface="Microsoft JhengHei" panose="020B0604030504040204" pitchFamily="34" charset="-120"/>
+              </a:rPr>
+              <a:t>耶穌來充滿我</a:t>
+            </a:r>
+            <a:endParaRPr lang="en-US" altLang="zh-CN" sz="4800" b="1" dirty="0">
+              <a:solidFill>
+                <a:srgbClr val="000066"/>
+              </a:solidFill>
+              <a:latin typeface="Microsoft JhengHei" panose="020B0604030504040204" pitchFamily="34" charset="-120"/>
+              <a:ea typeface="Microsoft JhengHei" panose="020B0604030504040204" pitchFamily="34" charset="-120"/>
+            </a:endParaRPr>
+          </a:p>
+        </p:txBody>
+      </p:sp>
+    </p:spTree>
+    <p:extLst>
+      <p:ext uri="{BB962C8B-B14F-4D97-AF65-F5344CB8AC3E}">
+        <p14:creationId xmlns:p14="http://schemas.microsoft.com/office/powerpoint/2010/main" val="1171797771"/>
+      </p:ext>
+    </p:extLst>
+  </p:cSld>
+  <p:clrMapOvr>
+    <a:masterClrMapping/>
+  </p:clrMapOvr>
+  <p:timing>
+    <p:tnLst>
+      <p:par>
+        <p:cTn id="1" dur="indefinite" restart="never" nodeType="tmRoot"/>
+      </p:par>
+    </p:tnLst>
+  </p:timing>
+</p:sld>
+</file>
+
+<file path=ppt/slides/slide9.xml><?xml version="1.0" encoding="utf-8"?>
+<p:sld xmlns:a="http://schemas.openxmlformats.org/drawingml/2006/main" xmlns:r="http://schemas.openxmlformats.org/officeDocument/2006/relationships" xmlns:p="http://schemas.openxmlformats.org/presentationml/2006/main">
+  <p:cSld>
+    <p:spTree>
+      <p:nvGrpSpPr>
+        <p:cNvPr id="1" name=""/>
+        <p:cNvGrpSpPr/>
+        <p:nvPr/>
+      </p:nvGrpSpPr>
+      <p:grpSpPr>
+        <a:xfrm>
+          <a:off x="0" y="0"/>
+          <a:ext cx="0" cy="0"/>
+          <a:chOff x="0" y="0"/>
+          <a:chExt cx="0" cy="0"/>
+        </a:xfrm>
+      </p:grpSpPr>
+      <p:sp>
+        <p:nvSpPr>
+          <p:cNvPr id="5" name="內容版面配置區 4"/>
+          <p:cNvSpPr>
+            <a:spLocks noGrp="1"/>
+          </p:cNvSpPr>
+          <p:nvPr>
+            <p:ph idx="1"/>
+          </p:nvPr>
+        </p:nvSpPr>
+        <p:spPr>
+          <a:xfrm>
+            <a:off x="0" y="1563638"/>
+            <a:ext cx="9144000" cy="1803647"/>
+          </a:xfrm>
+        </p:spPr>
+        <p:txBody>
+          <a:bodyPr anchor="ctr">
+            <a:normAutofit/>
+          </a:bodyPr>
+          <a:lstStyle/>
+          <a:p>
+            <a:pPr marL="0" indent="0" algn="ctr">
+              <a:buNone/>
+            </a:pPr>
+            <a:r>
+              <a:rPr lang="zh-CN" altLang="en-US" sz="4800" b="1" dirty="0">
+                <a:solidFill>
+                  <a:srgbClr val="000066"/>
+                </a:solidFill>
+                <a:latin typeface="Microsoft JhengHei" panose="020B0604030504040204" pitchFamily="34" charset="-120"/>
+                <a:ea typeface="Microsoft JhengHei" panose="020B0604030504040204" pitchFamily="34" charset="-120"/>
+              </a:rPr>
+              <a:t>榮耀聖靈來充滿</a:t>
+            </a:r>
+            <a:r>
+              <a:rPr lang="zh-CN" altLang="en-US" sz="4800" b="1" dirty="0">
+                <a:solidFill>
+                  <a:srgbClr val="000066"/>
+                </a:solidFill>
+                <a:latin typeface="Microsoft JhengHei" panose="020B0604030504040204" pitchFamily="34" charset="-120"/>
+                <a:ea typeface="Microsoft JhengHei" panose="020B0604030504040204" pitchFamily="34" charset="-120"/>
+              </a:rPr>
+              <a:t>我</a:t>
+            </a:r>
+            <a:endParaRPr lang="en-US" altLang="zh-CN" sz="4800" b="1" dirty="0">
+              <a:solidFill>
+                <a:srgbClr val="000066"/>
+              </a:solidFill>
+              <a:latin typeface="Microsoft JhengHei" panose="020B0604030504040204" pitchFamily="34" charset="-120"/>
+              <a:ea typeface="Microsoft JhengHei" panose="020B0604030504040204" pitchFamily="34" charset="-120"/>
+            </a:endParaRPr>
+          </a:p>
+          <a:p>
+            <a:pPr marL="0" indent="0" algn="ctr">
+              <a:buNone/>
+            </a:pPr>
+            <a:r>
+              <a:rPr lang="zh-CN" altLang="en-US" sz="4800" b="1" dirty="0">
+                <a:solidFill>
+                  <a:srgbClr val="000066"/>
+                </a:solidFill>
+                <a:latin typeface="Microsoft JhengHei" panose="020B0604030504040204" pitchFamily="34" charset="-120"/>
+                <a:ea typeface="Microsoft JhengHei" panose="020B0604030504040204" pitchFamily="34" charset="-120"/>
+              </a:rPr>
+              <a:t>願</a:t>
+            </a:r>
+            <a:r>
+              <a:rPr lang="zh-CN" altLang="en-US" sz="4800" b="1" dirty="0">
+                <a:solidFill>
+                  <a:srgbClr val="000066"/>
+                </a:solidFill>
+                <a:latin typeface="Microsoft JhengHei" panose="020B0604030504040204" pitchFamily="34" charset="-120"/>
+                <a:ea typeface="Microsoft JhengHei" panose="020B0604030504040204" pitchFamily="34" charset="-120"/>
+              </a:rPr>
+              <a:t>主現在充滿我</a:t>
+            </a:r>
+            <a:endParaRPr lang="en-US" altLang="zh-CN" sz="4800" b="1" dirty="0">
+              <a:solidFill>
+                <a:srgbClr val="000066"/>
+              </a:solidFill>
+              <a:latin typeface="Microsoft JhengHei" panose="020B0604030504040204" pitchFamily="34" charset="-120"/>
+              <a:ea typeface="Microsoft JhengHei" panose="020B0604030504040204" pitchFamily="34" charset="-120"/>
+            </a:endParaRPr>
+          </a:p>
+        </p:txBody>
+      </p:sp>
+    </p:spTree>
+    <p:extLst>
+      <p:ext uri="{BB962C8B-B14F-4D97-AF65-F5344CB8AC3E}">
+        <p14:creationId xmlns:p14="http://schemas.microsoft.com/office/powerpoint/2010/main" val="222369057"/>
+      </p:ext>
+    </p:extLst>
+  </p:cSld>
+  <p:clrMapOvr>
+    <a:masterClrMapping/>
+  </p:clrMapOvr>
+  <p:timing>
+    <p:tnLst>
+      <p:par>
+        <p:cTn id="1" dur="indefinite" restart="never" nodeType="tmRoot"/>
+      </p:par>
+    </p:tnLst>
+  </p:timing>
 </p:sld>
 </file>
 

--- a/宣道詩/(宣道詩57)充滿我.pptx
+++ b/宣道詩/(宣道詩57)充滿我.pptx
@@ -321,7 +321,7 @@
             <a:fld id="{EF1BE2FD-7A5C-4745-A07B-B479A33393BD}" type="datetimeFigureOut">
               <a:rPr lang="zh-TW" altLang="en-US" smtClean="0"/>
               <a:pPr/>
-              <a:t>2022/2/2</a:t>
+              <a:t>2022/9/17</a:t>
             </a:fld>
             <a:endParaRPr lang="zh-TW" altLang="en-US"/>
           </a:p>
@@ -488,7 +488,7 @@
             <a:fld id="{EF1BE2FD-7A5C-4745-A07B-B479A33393BD}" type="datetimeFigureOut">
               <a:rPr lang="zh-TW" altLang="en-US" smtClean="0"/>
               <a:pPr/>
-              <a:t>2022/2/2</a:t>
+              <a:t>2022/9/17</a:t>
             </a:fld>
             <a:endParaRPr lang="zh-TW" altLang="en-US"/>
           </a:p>
@@ -665,7 +665,7 @@
             <a:fld id="{EF1BE2FD-7A5C-4745-A07B-B479A33393BD}" type="datetimeFigureOut">
               <a:rPr lang="zh-TW" altLang="en-US" smtClean="0"/>
               <a:pPr/>
-              <a:t>2022/2/2</a:t>
+              <a:t>2022/9/17</a:t>
             </a:fld>
             <a:endParaRPr lang="zh-TW" altLang="en-US"/>
           </a:p>
@@ -832,7 +832,7 @@
             <a:fld id="{EF1BE2FD-7A5C-4745-A07B-B479A33393BD}" type="datetimeFigureOut">
               <a:rPr lang="zh-TW" altLang="en-US" smtClean="0"/>
               <a:pPr/>
-              <a:t>2022/2/2</a:t>
+              <a:t>2022/9/17</a:t>
             </a:fld>
             <a:endParaRPr lang="zh-TW" altLang="en-US"/>
           </a:p>
@@ -1075,7 +1075,7 @@
             <a:fld id="{EF1BE2FD-7A5C-4745-A07B-B479A33393BD}" type="datetimeFigureOut">
               <a:rPr lang="zh-TW" altLang="en-US" smtClean="0"/>
               <a:pPr/>
-              <a:t>2022/2/2</a:t>
+              <a:t>2022/9/17</a:t>
             </a:fld>
             <a:endParaRPr lang="zh-TW" altLang="en-US"/>
           </a:p>
@@ -1360,7 +1360,7 @@
             <a:fld id="{EF1BE2FD-7A5C-4745-A07B-B479A33393BD}" type="datetimeFigureOut">
               <a:rPr lang="zh-TW" altLang="en-US" smtClean="0"/>
               <a:pPr/>
-              <a:t>2022/2/2</a:t>
+              <a:t>2022/9/17</a:t>
             </a:fld>
             <a:endParaRPr lang="zh-TW" altLang="en-US"/>
           </a:p>
@@ -1779,7 +1779,7 @@
             <a:fld id="{EF1BE2FD-7A5C-4745-A07B-B479A33393BD}" type="datetimeFigureOut">
               <a:rPr lang="zh-TW" altLang="en-US" smtClean="0"/>
               <a:pPr/>
-              <a:t>2022/2/2</a:t>
+              <a:t>2022/9/17</a:t>
             </a:fld>
             <a:endParaRPr lang="zh-TW" altLang="en-US"/>
           </a:p>
@@ -1894,7 +1894,7 @@
             <a:fld id="{EF1BE2FD-7A5C-4745-A07B-B479A33393BD}" type="datetimeFigureOut">
               <a:rPr lang="zh-TW" altLang="en-US" smtClean="0"/>
               <a:pPr/>
-              <a:t>2022/2/2</a:t>
+              <a:t>2022/9/17</a:t>
             </a:fld>
             <a:endParaRPr lang="zh-TW" altLang="en-US"/>
           </a:p>
@@ -1986,7 +1986,7 @@
             <a:fld id="{EF1BE2FD-7A5C-4745-A07B-B479A33393BD}" type="datetimeFigureOut">
               <a:rPr lang="zh-TW" altLang="en-US" smtClean="0"/>
               <a:pPr/>
-              <a:t>2022/2/2</a:t>
+              <a:t>2022/9/17</a:t>
             </a:fld>
             <a:endParaRPr lang="zh-TW" altLang="en-US"/>
           </a:p>
@@ -2260,7 +2260,7 @@
             <a:fld id="{EF1BE2FD-7A5C-4745-A07B-B479A33393BD}" type="datetimeFigureOut">
               <a:rPr lang="zh-TW" altLang="en-US" smtClean="0"/>
               <a:pPr/>
-              <a:t>2022/2/2</a:t>
+              <a:t>2022/9/17</a:t>
             </a:fld>
             <a:endParaRPr lang="zh-TW" altLang="en-US"/>
           </a:p>
@@ -2514,7 +2514,7 @@
             <a:fld id="{EF1BE2FD-7A5C-4745-A07B-B479A33393BD}" type="datetimeFigureOut">
               <a:rPr lang="zh-TW" altLang="en-US" smtClean="0"/>
               <a:pPr/>
-              <a:t>2022/2/2</a:t>
+              <a:t>2022/9/17</a:t>
             </a:fld>
             <a:endParaRPr lang="zh-TW" altLang="en-US"/>
           </a:p>
@@ -2729,7 +2729,7 @@
             <a:fld id="{EF1BE2FD-7A5C-4745-A07B-B479A33393BD}" type="datetimeFigureOut">
               <a:rPr lang="zh-TW" altLang="en-US" smtClean="0"/>
               <a:pPr/>
-              <a:t>2022/2/2</a:t>
+              <a:t>2022/9/17</a:t>
             </a:fld>
             <a:endParaRPr lang="zh-TW" altLang="en-US"/>
           </a:p>
@@ -3310,17 +3310,7 @@
                 <a:latin typeface="Microsoft JhengHei" panose="020B0604030504040204" pitchFamily="34" charset="-120"/>
                 <a:ea typeface="Microsoft JhengHei" panose="020B0604030504040204" pitchFamily="34" charset="-120"/>
               </a:rPr>
-              <a:t>有如渴鹿愛慕溪</a:t>
-            </a:r>
-            <a:r>
-              <a:rPr lang="zh-CN" altLang="en-US" sz="4800" b="1" dirty="0">
-                <a:solidFill>
-                  <a:srgbClr val="000066"/>
-                </a:solidFill>
-                <a:latin typeface="Microsoft JhengHei" panose="020B0604030504040204" pitchFamily="34" charset="-120"/>
-                <a:ea typeface="Microsoft JhengHei" panose="020B0604030504040204" pitchFamily="34" charset="-120"/>
-              </a:rPr>
-              <a:t>水</a:t>
+              <a:t>有如渴鹿愛慕溪水</a:t>
             </a:r>
             <a:endParaRPr lang="en-US" altLang="zh-CN" sz="4800" b="1" dirty="0">
               <a:solidFill>
@@ -3342,17 +3332,7 @@
                 <a:latin typeface="Microsoft JhengHei" panose="020B0604030504040204" pitchFamily="34" charset="-120"/>
                 <a:ea typeface="Microsoft JhengHei" panose="020B0604030504040204" pitchFamily="34" charset="-120"/>
               </a:rPr>
-              <a:t>我</a:t>
-            </a:r>
-            <a:r>
-              <a:rPr lang="zh-CN" altLang="en-US" sz="4800" b="1" dirty="0">
-                <a:solidFill>
-                  <a:srgbClr val="000066"/>
-                </a:solidFill>
-                <a:latin typeface="Microsoft JhengHei" panose="020B0604030504040204" pitchFamily="34" charset="-120"/>
-                <a:ea typeface="Microsoft JhengHei" panose="020B0604030504040204" pitchFamily="34" charset="-120"/>
-              </a:rPr>
-              <a:t>心渴慕主恩惠</a:t>
+              <a:t>我心渴慕主恩惠</a:t>
             </a:r>
             <a:endParaRPr lang="en-US" altLang="zh-CN" sz="4800" b="1" dirty="0">
               <a:solidFill>
@@ -3388,7 +3368,7 @@
           <a:p>
             <a:pPr algn="ctr"/>
             <a:r>
-              <a:rPr lang="en-US" sz="3600" b="1" dirty="0" smtClean="0">
+              <a:rPr lang="en-US" sz="3600" b="1" dirty="0">
                 <a:solidFill>
                   <a:srgbClr val="000066"/>
                 </a:solidFill>
@@ -3404,12 +3384,12 @@
               <a:t>3 </a:t>
             </a:r>
             <a:r>
-              <a:rPr lang="en-US" sz="3600" b="1" dirty="0" smtClean="0">
+              <a:rPr lang="en-US" sz="3600" b="1" dirty="0">
                 <a:solidFill>
                   <a:srgbClr val="000066"/>
                 </a:solidFill>
               </a:rPr>
-              <a:t>)</a:t>
+              <a:t>/ 4 )</a:t>
             </a:r>
             <a:endParaRPr lang="vi-VN" sz="3600" b="1" dirty="0">
               <a:solidFill>
@@ -3489,17 +3469,7 @@
                 <a:latin typeface="Microsoft JhengHei" panose="020B0604030504040204" pitchFamily="34" charset="-120"/>
                 <a:ea typeface="Microsoft JhengHei" panose="020B0604030504040204" pitchFamily="34" charset="-120"/>
               </a:rPr>
-              <a:t>活水江河願主湧</a:t>
-            </a:r>
-            <a:r>
-              <a:rPr lang="zh-CN" altLang="en-US" sz="4800" b="1" dirty="0">
-                <a:solidFill>
-                  <a:srgbClr val="000066"/>
-                </a:solidFill>
-                <a:latin typeface="Microsoft JhengHei" panose="020B0604030504040204" pitchFamily="34" charset="-120"/>
-                <a:ea typeface="Microsoft JhengHei" panose="020B0604030504040204" pitchFamily="34" charset="-120"/>
-              </a:rPr>
-              <a:t>起</a:t>
+              <a:t>活水江河願主湧起</a:t>
             </a:r>
             <a:endParaRPr lang="en-US" altLang="zh-CN" sz="4800" b="1" dirty="0">
               <a:solidFill>
@@ -3521,17 +3491,7 @@
                 <a:latin typeface="Microsoft JhengHei" panose="020B0604030504040204" pitchFamily="34" charset="-120"/>
                 <a:ea typeface="Microsoft JhengHei" panose="020B0604030504040204" pitchFamily="34" charset="-120"/>
               </a:rPr>
-              <a:t>在</a:t>
-            </a:r>
-            <a:r>
-              <a:rPr lang="zh-CN" altLang="en-US" sz="4800" b="1" dirty="0">
-                <a:solidFill>
-                  <a:srgbClr val="000066"/>
-                </a:solidFill>
-                <a:latin typeface="Microsoft JhengHei" panose="020B0604030504040204" pitchFamily="34" charset="-120"/>
-                <a:ea typeface="Microsoft JhengHei" panose="020B0604030504040204" pitchFamily="34" charset="-120"/>
-              </a:rPr>
-              <a:t>我心中流不息</a:t>
+              <a:t>在我心中流不息</a:t>
             </a:r>
             <a:endParaRPr lang="en-US" altLang="zh-CN" sz="4800" b="1" dirty="0">
               <a:solidFill>
@@ -3567,28 +3527,12 @@
           <a:p>
             <a:pPr algn="ctr"/>
             <a:r>
-              <a:rPr lang="en-US" sz="3600" b="1" dirty="0" smtClean="0">
+              <a:rPr lang="en-US" sz="3600" b="1" dirty="0">
                 <a:solidFill>
                   <a:srgbClr val="000066"/>
                 </a:solidFill>
               </a:rPr>
-              <a:t>( </a:t>
-            </a:r>
-            <a:r>
-              <a:rPr lang="en-US" sz="3600" b="1" dirty="0" smtClean="0">
-                <a:solidFill>
-                  <a:srgbClr val="000066"/>
-                </a:solidFill>
-              </a:rPr>
-              <a:t>3 </a:t>
-            </a:r>
-            <a:r>
-              <a:rPr lang="en-US" sz="3600" b="1" dirty="0" smtClean="0">
-                <a:solidFill>
-                  <a:srgbClr val="000066"/>
-                </a:solidFill>
-              </a:rPr>
-              <a:t>)</a:t>
+              <a:t>( 3 / 4 )</a:t>
             </a:r>
             <a:endParaRPr lang="vi-VN" sz="3600" b="1" dirty="0">
               <a:solidFill>
@@ -3668,17 +3612,7 @@
                 <a:latin typeface="Microsoft JhengHei" panose="020B0604030504040204" pitchFamily="34" charset="-120"/>
                 <a:ea typeface="Microsoft JhengHei" panose="020B0604030504040204" pitchFamily="34" charset="-120"/>
               </a:rPr>
-              <a:t>充滿我充滿</a:t>
-            </a:r>
-            <a:r>
-              <a:rPr lang="zh-CN" altLang="en-US" sz="4800" b="1" dirty="0">
-                <a:solidFill>
-                  <a:srgbClr val="000066"/>
-                </a:solidFill>
-                <a:latin typeface="Microsoft JhengHei" panose="020B0604030504040204" pitchFamily="34" charset="-120"/>
-                <a:ea typeface="Microsoft JhengHei" panose="020B0604030504040204" pitchFamily="34" charset="-120"/>
-              </a:rPr>
-              <a:t>我</a:t>
+              <a:t>充滿我充滿我</a:t>
             </a:r>
             <a:endParaRPr lang="en-US" altLang="zh-CN" sz="4800" b="1" dirty="0">
               <a:solidFill>
@@ -3700,17 +3634,7 @@
                 <a:latin typeface="Microsoft JhengHei" panose="020B0604030504040204" pitchFamily="34" charset="-120"/>
                 <a:ea typeface="Microsoft JhengHei" panose="020B0604030504040204" pitchFamily="34" charset="-120"/>
               </a:rPr>
-              <a:t>求</a:t>
-            </a:r>
-            <a:r>
-              <a:rPr lang="zh-CN" altLang="en-US" sz="4800" b="1" dirty="0">
-                <a:solidFill>
-                  <a:srgbClr val="000066"/>
-                </a:solidFill>
-                <a:latin typeface="Microsoft JhengHei" panose="020B0604030504040204" pitchFamily="34" charset="-120"/>
-                <a:ea typeface="Microsoft JhengHei" panose="020B0604030504040204" pitchFamily="34" charset="-120"/>
-              </a:rPr>
-              <a:t>耶穌來充滿我</a:t>
+              <a:t>求耶穌來充滿我</a:t>
             </a:r>
             <a:endParaRPr lang="en-US" altLang="zh-CN" sz="4800" b="1" dirty="0">
               <a:solidFill>
@@ -3792,17 +3716,7 @@
                 <a:latin typeface="Microsoft JhengHei" panose="020B0604030504040204" pitchFamily="34" charset="-120"/>
                 <a:ea typeface="Microsoft JhengHei" panose="020B0604030504040204" pitchFamily="34" charset="-120"/>
               </a:rPr>
-              <a:t>榮耀聖靈來充滿</a:t>
-            </a:r>
-            <a:r>
-              <a:rPr lang="zh-CN" altLang="en-US" sz="4800" b="1" dirty="0">
-                <a:solidFill>
-                  <a:srgbClr val="000066"/>
-                </a:solidFill>
-                <a:latin typeface="Microsoft JhengHei" panose="020B0604030504040204" pitchFamily="34" charset="-120"/>
-                <a:ea typeface="Microsoft JhengHei" panose="020B0604030504040204" pitchFamily="34" charset="-120"/>
-              </a:rPr>
-              <a:t>我</a:t>
+              <a:t>榮耀聖靈來充滿我</a:t>
             </a:r>
             <a:endParaRPr lang="en-US" altLang="zh-CN" sz="4800" b="1" dirty="0">
               <a:solidFill>
@@ -3824,17 +3738,7 @@
                 <a:latin typeface="Microsoft JhengHei" panose="020B0604030504040204" pitchFamily="34" charset="-120"/>
                 <a:ea typeface="Microsoft JhengHei" panose="020B0604030504040204" pitchFamily="34" charset="-120"/>
               </a:rPr>
-              <a:t>願</a:t>
-            </a:r>
-            <a:r>
-              <a:rPr lang="zh-CN" altLang="en-US" sz="4800" b="1" dirty="0">
-                <a:solidFill>
-                  <a:srgbClr val="000066"/>
-                </a:solidFill>
-                <a:latin typeface="Microsoft JhengHei" panose="020B0604030504040204" pitchFamily="34" charset="-120"/>
-                <a:ea typeface="Microsoft JhengHei" panose="020B0604030504040204" pitchFamily="34" charset="-120"/>
-              </a:rPr>
-              <a:t>主現在充滿我</a:t>
+              <a:t>願主現在充滿我</a:t>
             </a:r>
             <a:endParaRPr lang="en-US" altLang="zh-CN" sz="4800" b="1" dirty="0">
               <a:solidFill>
@@ -3916,17 +3820,7 @@
                 <a:latin typeface="Microsoft JhengHei" panose="020B0604030504040204" pitchFamily="34" charset="-120"/>
                 <a:ea typeface="Microsoft JhengHei" panose="020B0604030504040204" pitchFamily="34" charset="-120"/>
               </a:rPr>
-              <a:t>不是倚靠勢力才</a:t>
-            </a:r>
-            <a:r>
-              <a:rPr lang="zh-CN" altLang="en-US" sz="4800" b="1" dirty="0">
-                <a:solidFill>
-                  <a:srgbClr val="000066"/>
-                </a:solidFill>
-                <a:latin typeface="Microsoft JhengHei" panose="020B0604030504040204" pitchFamily="34" charset="-120"/>
-                <a:ea typeface="Microsoft JhengHei" panose="020B0604030504040204" pitchFamily="34" charset="-120"/>
-              </a:rPr>
-              <a:t>能</a:t>
+              <a:t>不是倚靠勢力才能</a:t>
             </a:r>
             <a:endParaRPr lang="en-US" altLang="zh-CN" sz="4800" b="1" dirty="0">
               <a:solidFill>
@@ -3948,17 +3842,7 @@
                 <a:latin typeface="Microsoft JhengHei" panose="020B0604030504040204" pitchFamily="34" charset="-120"/>
                 <a:ea typeface="Microsoft JhengHei" panose="020B0604030504040204" pitchFamily="34" charset="-120"/>
               </a:rPr>
-              <a:t>惟</a:t>
-            </a:r>
-            <a:r>
-              <a:rPr lang="zh-CN" altLang="en-US" sz="4800" b="1" dirty="0">
-                <a:solidFill>
-                  <a:srgbClr val="000066"/>
-                </a:solidFill>
-                <a:latin typeface="Microsoft JhengHei" panose="020B0604030504040204" pitchFamily="34" charset="-120"/>
-                <a:ea typeface="Microsoft JhengHei" panose="020B0604030504040204" pitchFamily="34" charset="-120"/>
-              </a:rPr>
-              <a:t>獨仰賴主聖靈</a:t>
+              <a:t>惟獨仰賴主聖靈</a:t>
             </a:r>
             <a:endParaRPr lang="en-US" altLang="zh-CN" sz="4800" b="1" dirty="0">
               <a:solidFill>
@@ -3994,7 +3878,7 @@
           <a:p>
             <a:pPr algn="ctr"/>
             <a:r>
-              <a:rPr lang="en-US" sz="3600" b="1" dirty="0" smtClean="0">
+              <a:rPr lang="en-US" sz="3600" b="1" dirty="0">
                 <a:solidFill>
                   <a:srgbClr val="000066"/>
                 </a:solidFill>
@@ -4010,12 +3894,12 @@
               <a:t>4 </a:t>
             </a:r>
             <a:r>
-              <a:rPr lang="en-US" sz="3600" b="1" dirty="0" smtClean="0">
+              <a:rPr lang="en-US" sz="3600" b="1" dirty="0">
                 <a:solidFill>
                   <a:srgbClr val="000066"/>
                 </a:solidFill>
               </a:rPr>
-              <a:t>)</a:t>
+              <a:t>/ 4 )</a:t>
             </a:r>
             <a:endParaRPr lang="vi-VN" sz="3600" b="1" dirty="0">
               <a:solidFill>
@@ -4095,17 +3979,7 @@
                 <a:latin typeface="Microsoft JhengHei" panose="020B0604030504040204" pitchFamily="34" charset="-120"/>
                 <a:ea typeface="Microsoft JhengHei" panose="020B0604030504040204" pitchFamily="34" charset="-120"/>
               </a:rPr>
-              <a:t>主能慰我主能救</a:t>
-            </a:r>
-            <a:r>
-              <a:rPr lang="zh-CN" altLang="en-US" sz="4800" b="1" dirty="0">
-                <a:solidFill>
-                  <a:srgbClr val="000066"/>
-                </a:solidFill>
-                <a:latin typeface="Microsoft JhengHei" panose="020B0604030504040204" pitchFamily="34" charset="-120"/>
-                <a:ea typeface="Microsoft JhengHei" panose="020B0604030504040204" pitchFamily="34" charset="-120"/>
-              </a:rPr>
-              <a:t>我</a:t>
+              <a:t>主能慰我主能救我</a:t>
             </a:r>
             <a:endParaRPr lang="en-US" altLang="zh-CN" sz="4800" b="1" dirty="0">
               <a:solidFill>
@@ -4127,17 +4001,7 @@
                 <a:latin typeface="Microsoft JhengHei" panose="020B0604030504040204" pitchFamily="34" charset="-120"/>
                 <a:ea typeface="Microsoft JhengHei" panose="020B0604030504040204" pitchFamily="34" charset="-120"/>
               </a:rPr>
-              <a:t>願</a:t>
-            </a:r>
-            <a:r>
-              <a:rPr lang="zh-CN" altLang="en-US" sz="4800" b="1" dirty="0">
-                <a:solidFill>
-                  <a:srgbClr val="000066"/>
-                </a:solidFill>
-                <a:latin typeface="Microsoft JhengHei" panose="020B0604030504040204" pitchFamily="34" charset="-120"/>
-                <a:ea typeface="Microsoft JhengHei" panose="020B0604030504040204" pitchFamily="34" charset="-120"/>
-              </a:rPr>
-              <a:t>主現在充滿我</a:t>
+              <a:t>願主現在充滿我</a:t>
             </a:r>
             <a:endParaRPr lang="en-US" altLang="zh-CN" sz="4800" b="1" dirty="0">
               <a:solidFill>
@@ -4173,28 +4037,12 @@
           <a:p>
             <a:pPr algn="ctr"/>
             <a:r>
-              <a:rPr lang="en-US" sz="3600" b="1" dirty="0" smtClean="0">
+              <a:rPr lang="en-US" sz="3600" b="1" dirty="0">
                 <a:solidFill>
                   <a:srgbClr val="000066"/>
                 </a:solidFill>
               </a:rPr>
-              <a:t>( </a:t>
-            </a:r>
-            <a:r>
-              <a:rPr lang="en-US" sz="3600" b="1" dirty="0" smtClean="0">
-                <a:solidFill>
-                  <a:srgbClr val="000066"/>
-                </a:solidFill>
-              </a:rPr>
-              <a:t>4 </a:t>
-            </a:r>
-            <a:r>
-              <a:rPr lang="en-US" sz="3600" b="1" dirty="0" smtClean="0">
-                <a:solidFill>
-                  <a:srgbClr val="000066"/>
-                </a:solidFill>
-              </a:rPr>
-              <a:t>)</a:t>
+              <a:t>( 4 / 4 )</a:t>
             </a:r>
             <a:endParaRPr lang="vi-VN" sz="3600" b="1" dirty="0">
               <a:solidFill>
@@ -4274,17 +4122,7 @@
                 <a:latin typeface="Microsoft JhengHei" panose="020B0604030504040204" pitchFamily="34" charset="-120"/>
                 <a:ea typeface="Microsoft JhengHei" panose="020B0604030504040204" pitchFamily="34" charset="-120"/>
               </a:rPr>
-              <a:t>充滿我充滿</a:t>
-            </a:r>
-            <a:r>
-              <a:rPr lang="zh-CN" altLang="en-US" sz="4800" b="1" dirty="0">
-                <a:solidFill>
-                  <a:srgbClr val="000066"/>
-                </a:solidFill>
-                <a:latin typeface="Microsoft JhengHei" panose="020B0604030504040204" pitchFamily="34" charset="-120"/>
-                <a:ea typeface="Microsoft JhengHei" panose="020B0604030504040204" pitchFamily="34" charset="-120"/>
-              </a:rPr>
-              <a:t>我</a:t>
+              <a:t>充滿我充滿我</a:t>
             </a:r>
             <a:endParaRPr lang="en-US" altLang="zh-CN" sz="4800" b="1" dirty="0">
               <a:solidFill>
@@ -4306,17 +4144,7 @@
                 <a:latin typeface="Microsoft JhengHei" panose="020B0604030504040204" pitchFamily="34" charset="-120"/>
                 <a:ea typeface="Microsoft JhengHei" panose="020B0604030504040204" pitchFamily="34" charset="-120"/>
               </a:rPr>
-              <a:t>求</a:t>
-            </a:r>
-            <a:r>
-              <a:rPr lang="zh-CN" altLang="en-US" sz="4800" b="1" dirty="0">
-                <a:solidFill>
-                  <a:srgbClr val="000066"/>
-                </a:solidFill>
-                <a:latin typeface="Microsoft JhengHei" panose="020B0604030504040204" pitchFamily="34" charset="-120"/>
-                <a:ea typeface="Microsoft JhengHei" panose="020B0604030504040204" pitchFamily="34" charset="-120"/>
-              </a:rPr>
-              <a:t>耶穌來充滿我</a:t>
+              <a:t>求耶穌來充滿我</a:t>
             </a:r>
             <a:endParaRPr lang="en-US" altLang="zh-CN" sz="4800" b="1" dirty="0">
               <a:solidFill>
@@ -4398,17 +4226,7 @@
                 <a:latin typeface="Microsoft JhengHei" panose="020B0604030504040204" pitchFamily="34" charset="-120"/>
                 <a:ea typeface="Microsoft JhengHei" panose="020B0604030504040204" pitchFamily="34" charset="-120"/>
               </a:rPr>
-              <a:t>榮耀聖靈來充滿</a:t>
-            </a:r>
-            <a:r>
-              <a:rPr lang="zh-CN" altLang="en-US" sz="4800" b="1" dirty="0">
-                <a:solidFill>
-                  <a:srgbClr val="000066"/>
-                </a:solidFill>
-                <a:latin typeface="Microsoft JhengHei" panose="020B0604030504040204" pitchFamily="34" charset="-120"/>
-                <a:ea typeface="Microsoft JhengHei" panose="020B0604030504040204" pitchFamily="34" charset="-120"/>
-              </a:rPr>
-              <a:t>我</a:t>
+              <a:t>榮耀聖靈來充滿我</a:t>
             </a:r>
             <a:endParaRPr lang="en-US" altLang="zh-CN" sz="4800" b="1" dirty="0">
               <a:solidFill>
@@ -4430,17 +4248,7 @@
                 <a:latin typeface="Microsoft JhengHei" panose="020B0604030504040204" pitchFamily="34" charset="-120"/>
                 <a:ea typeface="Microsoft JhengHei" panose="020B0604030504040204" pitchFamily="34" charset="-120"/>
               </a:rPr>
-              <a:t>願</a:t>
-            </a:r>
-            <a:r>
-              <a:rPr lang="zh-CN" altLang="en-US" sz="4800" b="1" dirty="0">
-                <a:solidFill>
-                  <a:srgbClr val="000066"/>
-                </a:solidFill>
-                <a:latin typeface="Microsoft JhengHei" panose="020B0604030504040204" pitchFamily="34" charset="-120"/>
-                <a:ea typeface="Microsoft JhengHei" panose="020B0604030504040204" pitchFamily="34" charset="-120"/>
-              </a:rPr>
-              <a:t>主現在充滿我</a:t>
+              <a:t>願主現在充滿我</a:t>
             </a:r>
             <a:endParaRPr lang="en-US" altLang="zh-CN" sz="4800" b="1" dirty="0">
               <a:solidFill>
@@ -4605,7 +4413,23 @@
                   <a:srgbClr val="000066"/>
                 </a:solidFill>
               </a:rPr>
-              <a:t>( 1 )</a:t>
+              <a:t>( </a:t>
+            </a:r>
+            <a:r>
+              <a:rPr lang="en-US" sz="3600" b="1" dirty="0" smtClean="0">
+                <a:solidFill>
+                  <a:srgbClr val="000066"/>
+                </a:solidFill>
+              </a:rPr>
+              <a:t>1 / 4 </a:t>
+            </a:r>
+            <a:r>
+              <a:rPr lang="en-US" sz="3600" b="1" dirty="0" smtClean="0">
+                <a:solidFill>
+                  <a:srgbClr val="000066"/>
+                </a:solidFill>
+              </a:rPr>
+              <a:t>)</a:t>
             </a:r>
             <a:endParaRPr lang="vi-VN" sz="3600" b="1" dirty="0">
               <a:solidFill>
@@ -4685,17 +4509,7 @@
                 <a:latin typeface="Microsoft JhengHei" panose="020B0604030504040204" pitchFamily="34" charset="-120"/>
                 <a:ea typeface="Microsoft JhengHei" panose="020B0604030504040204" pitchFamily="34" charset="-120"/>
               </a:rPr>
-              <a:t>發亮光照耀我心</a:t>
-            </a:r>
-            <a:r>
-              <a:rPr lang="zh-CN" altLang="en-US" sz="4800" b="1" dirty="0">
-                <a:solidFill>
-                  <a:srgbClr val="000066"/>
-                </a:solidFill>
-                <a:latin typeface="Microsoft JhengHei" panose="020B0604030504040204" pitchFamily="34" charset="-120"/>
-                <a:ea typeface="Microsoft JhengHei" panose="020B0604030504040204" pitchFamily="34" charset="-120"/>
-              </a:rPr>
-              <a:t>裏</a:t>
+              <a:t>發亮光照耀我心裏</a:t>
             </a:r>
             <a:endParaRPr lang="en-US" altLang="zh-CN" sz="4800" b="1" dirty="0">
               <a:solidFill>
@@ -4717,17 +4531,7 @@
                 <a:latin typeface="Microsoft JhengHei" panose="020B0604030504040204" pitchFamily="34" charset="-120"/>
                 <a:ea typeface="Microsoft JhengHei" panose="020B0604030504040204" pitchFamily="34" charset="-120"/>
               </a:rPr>
-              <a:t>教</a:t>
-            </a:r>
-            <a:r>
-              <a:rPr lang="zh-CN" altLang="en-US" sz="4800" b="1" dirty="0">
-                <a:solidFill>
-                  <a:srgbClr val="000066"/>
-                </a:solidFill>
-                <a:latin typeface="Microsoft JhengHei" panose="020B0604030504040204" pitchFamily="34" charset="-120"/>
-                <a:ea typeface="Microsoft JhengHei" panose="020B0604030504040204" pitchFamily="34" charset="-120"/>
-              </a:rPr>
-              <a:t>我識主並自己</a:t>
+              <a:t>教我識主並自己</a:t>
             </a:r>
             <a:endParaRPr lang="en-US" altLang="zh-CN" sz="4800" b="1" dirty="0">
               <a:solidFill>
@@ -4763,12 +4567,12 @@
           <a:p>
             <a:pPr algn="ctr"/>
             <a:r>
-              <a:rPr lang="en-US" sz="3600" b="1" dirty="0" smtClean="0">
+              <a:rPr lang="en-US" sz="3600" b="1" dirty="0">
                 <a:solidFill>
                   <a:srgbClr val="000066"/>
                 </a:solidFill>
               </a:rPr>
-              <a:t>( 1 )</a:t>
+              <a:t>( 1 / 4 )</a:t>
             </a:r>
             <a:endParaRPr lang="vi-VN" sz="3600" b="1" dirty="0">
               <a:solidFill>
@@ -4848,17 +4652,7 @@
                 <a:latin typeface="Microsoft JhengHei" panose="020B0604030504040204" pitchFamily="34" charset="-120"/>
                 <a:ea typeface="Microsoft JhengHei" panose="020B0604030504040204" pitchFamily="34" charset="-120"/>
               </a:rPr>
-              <a:t>充滿我充滿</a:t>
-            </a:r>
-            <a:r>
-              <a:rPr lang="zh-CN" altLang="en-US" sz="4800" b="1" dirty="0">
-                <a:solidFill>
-                  <a:srgbClr val="000066"/>
-                </a:solidFill>
-                <a:latin typeface="Microsoft JhengHei" panose="020B0604030504040204" pitchFamily="34" charset="-120"/>
-                <a:ea typeface="Microsoft JhengHei" panose="020B0604030504040204" pitchFamily="34" charset="-120"/>
-              </a:rPr>
-              <a:t>我</a:t>
+              <a:t>充滿我充滿我</a:t>
             </a:r>
             <a:endParaRPr lang="en-US" altLang="zh-CN" sz="4800" b="1" dirty="0">
               <a:solidFill>
@@ -4880,17 +4674,7 @@
                 <a:latin typeface="Microsoft JhengHei" panose="020B0604030504040204" pitchFamily="34" charset="-120"/>
                 <a:ea typeface="Microsoft JhengHei" panose="020B0604030504040204" pitchFamily="34" charset="-120"/>
               </a:rPr>
-              <a:t>求</a:t>
-            </a:r>
-            <a:r>
-              <a:rPr lang="zh-CN" altLang="en-US" sz="4800" b="1" dirty="0">
-                <a:solidFill>
-                  <a:srgbClr val="000066"/>
-                </a:solidFill>
-                <a:latin typeface="Microsoft JhengHei" panose="020B0604030504040204" pitchFamily="34" charset="-120"/>
-                <a:ea typeface="Microsoft JhengHei" panose="020B0604030504040204" pitchFamily="34" charset="-120"/>
-              </a:rPr>
-              <a:t>耶穌來充滿我</a:t>
+              <a:t>求耶穌來充滿我</a:t>
             </a:r>
             <a:endParaRPr lang="en-US" altLang="zh-CN" sz="4800" b="1" dirty="0">
               <a:solidFill>
@@ -4972,17 +4756,7 @@
                 <a:latin typeface="Microsoft JhengHei" panose="020B0604030504040204" pitchFamily="34" charset="-120"/>
                 <a:ea typeface="Microsoft JhengHei" panose="020B0604030504040204" pitchFamily="34" charset="-120"/>
               </a:rPr>
-              <a:t>榮耀聖靈來充滿</a:t>
-            </a:r>
-            <a:r>
-              <a:rPr lang="zh-CN" altLang="en-US" sz="4800" b="1" dirty="0">
-                <a:solidFill>
-                  <a:srgbClr val="000066"/>
-                </a:solidFill>
-                <a:latin typeface="Microsoft JhengHei" panose="020B0604030504040204" pitchFamily="34" charset="-120"/>
-                <a:ea typeface="Microsoft JhengHei" panose="020B0604030504040204" pitchFamily="34" charset="-120"/>
-              </a:rPr>
-              <a:t>我</a:t>
+              <a:t>榮耀聖靈來充滿我</a:t>
             </a:r>
             <a:endParaRPr lang="en-US" altLang="zh-CN" sz="4800" b="1" dirty="0">
               <a:solidFill>
@@ -5004,17 +4778,7 @@
                 <a:latin typeface="Microsoft JhengHei" panose="020B0604030504040204" pitchFamily="34" charset="-120"/>
                 <a:ea typeface="Microsoft JhengHei" panose="020B0604030504040204" pitchFamily="34" charset="-120"/>
               </a:rPr>
-              <a:t>願</a:t>
-            </a:r>
-            <a:r>
-              <a:rPr lang="zh-CN" altLang="en-US" sz="4800" b="1" dirty="0">
-                <a:solidFill>
-                  <a:srgbClr val="000066"/>
-                </a:solidFill>
-                <a:latin typeface="Microsoft JhengHei" panose="020B0604030504040204" pitchFamily="34" charset="-120"/>
-                <a:ea typeface="Microsoft JhengHei" panose="020B0604030504040204" pitchFamily="34" charset="-120"/>
-              </a:rPr>
-              <a:t>主現在充滿我</a:t>
+              <a:t>願主現在充滿我</a:t>
             </a:r>
             <a:endParaRPr lang="en-US" altLang="zh-CN" sz="4800" b="1" dirty="0">
               <a:solidFill>
@@ -5096,17 +4860,7 @@
                 <a:latin typeface="Microsoft JhengHei" panose="020B0604030504040204" pitchFamily="34" charset="-120"/>
                 <a:ea typeface="Microsoft JhengHei" panose="020B0604030504040204" pitchFamily="34" charset="-120"/>
               </a:rPr>
-              <a:t>懇求聖靈來釋放</a:t>
-            </a:r>
-            <a:r>
-              <a:rPr lang="zh-CN" altLang="en-US" sz="4800" b="1" dirty="0">
-                <a:solidFill>
-                  <a:srgbClr val="000066"/>
-                </a:solidFill>
-                <a:latin typeface="Microsoft JhengHei" panose="020B0604030504040204" pitchFamily="34" charset="-120"/>
-                <a:ea typeface="Microsoft JhengHei" panose="020B0604030504040204" pitchFamily="34" charset="-120"/>
-              </a:rPr>
-              <a:t>我</a:t>
+              <a:t>懇求聖靈來釋放我</a:t>
             </a:r>
             <a:endParaRPr lang="en-US" altLang="zh-CN" sz="4800" b="1" dirty="0">
               <a:solidFill>
@@ -5128,17 +4882,7 @@
                 <a:latin typeface="Microsoft JhengHei" panose="020B0604030504040204" pitchFamily="34" charset="-120"/>
                 <a:ea typeface="Microsoft JhengHei" panose="020B0604030504040204" pitchFamily="34" charset="-120"/>
               </a:rPr>
-              <a:t>罪</a:t>
-            </a:r>
-            <a:r>
-              <a:rPr lang="zh-CN" altLang="en-US" sz="4800" b="1" dirty="0">
-                <a:solidFill>
-                  <a:srgbClr val="000066"/>
-                </a:solidFill>
-                <a:latin typeface="Microsoft JhengHei" panose="020B0604030504040204" pitchFamily="34" charset="-120"/>
-                <a:ea typeface="Microsoft JhengHei" panose="020B0604030504040204" pitchFamily="34" charset="-120"/>
-              </a:rPr>
-              <a:t>與死律致盡脫</a:t>
+              <a:t>罪與死律致盡脫</a:t>
             </a:r>
             <a:endParaRPr lang="en-US" altLang="zh-CN" sz="4800" b="1" dirty="0">
               <a:solidFill>
@@ -5174,7 +4918,7 @@
           <a:p>
             <a:pPr algn="ctr"/>
             <a:r>
-              <a:rPr lang="en-US" sz="3600" b="1" dirty="0" smtClean="0">
+              <a:rPr lang="en-US" sz="3600" b="1" dirty="0">
                 <a:solidFill>
                   <a:srgbClr val="000066"/>
                 </a:solidFill>
@@ -5190,12 +4934,12 @@
               <a:t>2 </a:t>
             </a:r>
             <a:r>
-              <a:rPr lang="en-US" sz="3600" b="1" dirty="0" smtClean="0">
+              <a:rPr lang="en-US" sz="3600" b="1" dirty="0">
                 <a:solidFill>
                   <a:srgbClr val="000066"/>
                 </a:solidFill>
               </a:rPr>
-              <a:t>)</a:t>
+              <a:t>/ 4 )</a:t>
             </a:r>
             <a:endParaRPr lang="vi-VN" sz="3600" b="1" dirty="0">
               <a:solidFill>
@@ -5275,17 +5019,7 @@
                 <a:latin typeface="Microsoft JhengHei" panose="020B0604030504040204" pitchFamily="34" charset="-120"/>
                 <a:ea typeface="Microsoft JhengHei" panose="020B0604030504040204" pitchFamily="34" charset="-120"/>
               </a:rPr>
-              <a:t>除去污穢使我成</a:t>
-            </a:r>
-            <a:r>
-              <a:rPr lang="zh-CN" altLang="en-US" sz="4800" b="1" dirty="0">
-                <a:solidFill>
-                  <a:srgbClr val="000066"/>
-                </a:solidFill>
-                <a:latin typeface="Microsoft JhengHei" panose="020B0604030504040204" pitchFamily="34" charset="-120"/>
-                <a:ea typeface="Microsoft JhengHei" panose="020B0604030504040204" pitchFamily="34" charset="-120"/>
-              </a:rPr>
-              <a:t>聖</a:t>
+              <a:t>除去污穢使我成聖</a:t>
             </a:r>
             <a:endParaRPr lang="en-US" altLang="zh-CN" sz="4800" b="1" dirty="0">
               <a:solidFill>
@@ -5307,17 +5041,7 @@
                 <a:latin typeface="Microsoft JhengHei" panose="020B0604030504040204" pitchFamily="34" charset="-120"/>
                 <a:ea typeface="Microsoft JhengHei" panose="020B0604030504040204" pitchFamily="34" charset="-120"/>
               </a:rPr>
-              <a:t>平</a:t>
-            </a:r>
-            <a:r>
-              <a:rPr lang="zh-CN" altLang="en-US" sz="4800" b="1" dirty="0">
-                <a:solidFill>
-                  <a:srgbClr val="000066"/>
-                </a:solidFill>
-                <a:latin typeface="Microsoft JhengHei" panose="020B0604030504040204" pitchFamily="34" charset="-120"/>
-                <a:ea typeface="Microsoft JhengHei" panose="020B0604030504040204" pitchFamily="34" charset="-120"/>
-              </a:rPr>
-              <a:t>安喜樂常得勝</a:t>
+              <a:t>平安喜樂常得勝</a:t>
             </a:r>
             <a:endParaRPr lang="en-US" altLang="zh-CN" sz="4800" b="1" dirty="0">
               <a:solidFill>
@@ -5353,28 +5077,12 @@
           <a:p>
             <a:pPr algn="ctr"/>
             <a:r>
-              <a:rPr lang="en-US" sz="3600" b="1" dirty="0" smtClean="0">
+              <a:rPr lang="en-US" sz="3600" b="1" dirty="0">
                 <a:solidFill>
                   <a:srgbClr val="000066"/>
                 </a:solidFill>
               </a:rPr>
-              <a:t>( </a:t>
-            </a:r>
-            <a:r>
-              <a:rPr lang="en-US" sz="3600" b="1" dirty="0" smtClean="0">
-                <a:solidFill>
-                  <a:srgbClr val="000066"/>
-                </a:solidFill>
-              </a:rPr>
-              <a:t>2 </a:t>
-            </a:r>
-            <a:r>
-              <a:rPr lang="en-US" sz="3600" b="1" dirty="0" smtClean="0">
-                <a:solidFill>
-                  <a:srgbClr val="000066"/>
-                </a:solidFill>
-              </a:rPr>
-              <a:t>)</a:t>
+              <a:t>( 2 / 4 )</a:t>
             </a:r>
             <a:endParaRPr lang="vi-VN" sz="3600" b="1" dirty="0">
               <a:solidFill>
@@ -5454,17 +5162,7 @@
                 <a:latin typeface="Microsoft JhengHei" panose="020B0604030504040204" pitchFamily="34" charset="-120"/>
                 <a:ea typeface="Microsoft JhengHei" panose="020B0604030504040204" pitchFamily="34" charset="-120"/>
               </a:rPr>
-              <a:t>充滿我充滿</a:t>
-            </a:r>
-            <a:r>
-              <a:rPr lang="zh-CN" altLang="en-US" sz="4800" b="1" dirty="0">
-                <a:solidFill>
-                  <a:srgbClr val="000066"/>
-                </a:solidFill>
-                <a:latin typeface="Microsoft JhengHei" panose="020B0604030504040204" pitchFamily="34" charset="-120"/>
-                <a:ea typeface="Microsoft JhengHei" panose="020B0604030504040204" pitchFamily="34" charset="-120"/>
-              </a:rPr>
-              <a:t>我</a:t>
+              <a:t>充滿我充滿我</a:t>
             </a:r>
             <a:endParaRPr lang="en-US" altLang="zh-CN" sz="4800" b="1" dirty="0">
               <a:solidFill>
@@ -5486,17 +5184,7 @@
                 <a:latin typeface="Microsoft JhengHei" panose="020B0604030504040204" pitchFamily="34" charset="-120"/>
                 <a:ea typeface="Microsoft JhengHei" panose="020B0604030504040204" pitchFamily="34" charset="-120"/>
               </a:rPr>
-              <a:t>求</a:t>
-            </a:r>
-            <a:r>
-              <a:rPr lang="zh-CN" altLang="en-US" sz="4800" b="1" dirty="0">
-                <a:solidFill>
-                  <a:srgbClr val="000066"/>
-                </a:solidFill>
-                <a:latin typeface="Microsoft JhengHei" panose="020B0604030504040204" pitchFamily="34" charset="-120"/>
-                <a:ea typeface="Microsoft JhengHei" panose="020B0604030504040204" pitchFamily="34" charset="-120"/>
-              </a:rPr>
-              <a:t>耶穌來充滿我</a:t>
+              <a:t>求耶穌來充滿我</a:t>
             </a:r>
             <a:endParaRPr lang="en-US" altLang="zh-CN" sz="4800" b="1" dirty="0">
               <a:solidFill>
@@ -5578,17 +5266,7 @@
                 <a:latin typeface="Microsoft JhengHei" panose="020B0604030504040204" pitchFamily="34" charset="-120"/>
                 <a:ea typeface="Microsoft JhengHei" panose="020B0604030504040204" pitchFamily="34" charset="-120"/>
               </a:rPr>
-              <a:t>榮耀聖靈來充滿</a:t>
-            </a:r>
-            <a:r>
-              <a:rPr lang="zh-CN" altLang="en-US" sz="4800" b="1" dirty="0">
-                <a:solidFill>
-                  <a:srgbClr val="000066"/>
-                </a:solidFill>
-                <a:latin typeface="Microsoft JhengHei" panose="020B0604030504040204" pitchFamily="34" charset="-120"/>
-                <a:ea typeface="Microsoft JhengHei" panose="020B0604030504040204" pitchFamily="34" charset="-120"/>
-              </a:rPr>
-              <a:t>我</a:t>
+              <a:t>榮耀聖靈來充滿我</a:t>
             </a:r>
             <a:endParaRPr lang="en-US" altLang="zh-CN" sz="4800" b="1" dirty="0">
               <a:solidFill>
@@ -5610,17 +5288,7 @@
                 <a:latin typeface="Microsoft JhengHei" panose="020B0604030504040204" pitchFamily="34" charset="-120"/>
                 <a:ea typeface="Microsoft JhengHei" panose="020B0604030504040204" pitchFamily="34" charset="-120"/>
               </a:rPr>
-              <a:t>願</a:t>
-            </a:r>
-            <a:r>
-              <a:rPr lang="zh-CN" altLang="en-US" sz="4800" b="1" dirty="0">
-                <a:solidFill>
-                  <a:srgbClr val="000066"/>
-                </a:solidFill>
-                <a:latin typeface="Microsoft JhengHei" panose="020B0604030504040204" pitchFamily="34" charset="-120"/>
-                <a:ea typeface="Microsoft JhengHei" panose="020B0604030504040204" pitchFamily="34" charset="-120"/>
-              </a:rPr>
-              <a:t>主現在充滿我</a:t>
+              <a:t>願主現在充滿我</a:t>
             </a:r>
             <a:endParaRPr lang="en-US" altLang="zh-CN" sz="4800" b="1" dirty="0">
               <a:solidFill>
